--- a/lab3/arch_lab3.pptx
+++ b/lab3/arch_lab3.pptx
@@ -255,7 +255,7 @@
           <a:p>
             <a:fld id="{21FA232E-0D23-E744-A2E7-48CC2B10A8E9}" type="datetimeFigureOut">
               <a:rPr kumimoji="1" lang="zh-CN" altLang="en-US" smtClean="0"/>
-              <a:t>2021/10/30</a:t>
+              <a:t>2021/11/8</a:t>
             </a:fld>
             <a:endParaRPr kumimoji="1" lang="zh-CN" altLang="en-US"/>
           </a:p>
@@ -319,38 +319,37 @@
           <a:p>
             <a:pPr lvl="0"/>
             <a:r>
-              <a:rPr kumimoji="1" lang="zh-CN" altLang="en-US" smtClean="0"/>
+              <a:rPr kumimoji="1" lang="zh-CN" altLang="en-US"/>
               <a:t>单击此处编辑母版文本样式</a:t>
             </a:r>
           </a:p>
           <a:p>
             <a:pPr lvl="1"/>
             <a:r>
-              <a:rPr kumimoji="1" lang="zh-CN" altLang="en-US" smtClean="0"/>
+              <a:rPr kumimoji="1" lang="zh-CN" altLang="en-US"/>
               <a:t>二级</a:t>
             </a:r>
           </a:p>
           <a:p>
             <a:pPr lvl="2"/>
             <a:r>
-              <a:rPr kumimoji="1" lang="zh-CN" altLang="en-US" smtClean="0"/>
+              <a:rPr kumimoji="1" lang="zh-CN" altLang="en-US"/>
               <a:t>三级</a:t>
             </a:r>
           </a:p>
           <a:p>
             <a:pPr lvl="3"/>
             <a:r>
-              <a:rPr kumimoji="1" lang="zh-CN" altLang="en-US" smtClean="0"/>
+              <a:rPr kumimoji="1" lang="zh-CN" altLang="en-US"/>
               <a:t>四级</a:t>
             </a:r>
           </a:p>
           <a:p>
             <a:pPr lvl="4"/>
             <a:r>
-              <a:rPr kumimoji="1" lang="zh-CN" altLang="en-US" smtClean="0"/>
+              <a:rPr kumimoji="1" lang="zh-CN" altLang="en-US"/>
               <a:t>五级</a:t>
             </a:r>
-            <a:endParaRPr kumimoji="1" lang="zh-CN" altLang="en-US"/>
           </a:p>
         </p:txBody>
       </p:sp>
@@ -568,7 +567,7 @@
           <a:lstStyle/>
           <a:p>
             <a:r>
-              <a:rPr lang="zh-CN" altLang="en-US" sz="1200" b="0" i="0" u="none" strike="noStrike" kern="1200" dirty="0" smtClean="0">
+              <a:rPr lang="zh-CN" altLang="en-US" sz="1200" b="0" i="0" u="none" strike="noStrike" kern="1200" dirty="0">
                 <a:solidFill>
                   <a:schemeClr val="tx1"/>
                 </a:solidFill>
@@ -580,7 +579,7 @@
               <a:t>大家好，今天我们讲一下实验三，接下来两个实验是将</a:t>
             </a:r>
             <a:r>
-              <a:rPr lang="en-US" altLang="zh-CN" sz="1200" b="0" i="0" u="none" strike="noStrike" kern="1200" dirty="0" smtClean="0">
+              <a:rPr lang="en-US" altLang="zh-CN" sz="1200" b="0" i="0" u="none" strike="noStrike" kern="1200" dirty="0">
                 <a:solidFill>
                   <a:schemeClr val="tx1"/>
                 </a:solidFill>
@@ -592,7 +591,7 @@
               <a:t>cache</a:t>
             </a:r>
             <a:r>
-              <a:rPr lang="zh-CN" altLang="en-US" sz="1200" b="0" i="0" u="none" strike="noStrike" kern="1200" dirty="0" smtClean="0">
+              <a:rPr lang="zh-CN" altLang="en-US" sz="1200" b="0" i="0" u="none" strike="noStrike" kern="1200" dirty="0">
                 <a:solidFill>
                   <a:schemeClr val="tx1"/>
                 </a:solidFill>
@@ -604,7 +603,7 @@
               <a:t>接入到我们的流水线</a:t>
             </a:r>
             <a:r>
-              <a:rPr lang="en-US" altLang="zh-CN" sz="1200" b="0" i="0" u="none" strike="noStrike" kern="1200" dirty="0" smtClean="0">
+              <a:rPr lang="en-US" altLang="zh-CN" sz="1200" b="0" i="0" u="none" strike="noStrike" kern="1200" dirty="0">
                 <a:solidFill>
                   <a:schemeClr val="tx1"/>
                 </a:solidFill>
@@ -616,7 +615,7 @@
               <a:t>CPU</a:t>
             </a:r>
             <a:r>
-              <a:rPr lang="zh-CN" altLang="en-US" sz="1200" b="0" i="0" u="none" strike="noStrike" kern="1200" dirty="0" smtClean="0">
+              <a:rPr lang="zh-CN" altLang="en-US" sz="1200" b="0" i="0" u="none" strike="noStrike" kern="1200" dirty="0">
                 <a:solidFill>
                   <a:schemeClr val="tx1"/>
                 </a:solidFill>
@@ -630,7 +629,7 @@
           </a:p>
           <a:p>
             <a:r>
-              <a:rPr lang="zh-CN" altLang="en-US" sz="1200" b="0" i="0" u="none" strike="noStrike" kern="1200" dirty="0" smtClean="0">
+              <a:rPr lang="zh-CN" altLang="en-US" sz="1200" b="0" i="0" u="none" strike="noStrike" kern="1200" dirty="0">
                 <a:solidFill>
                   <a:schemeClr val="tx1"/>
                 </a:solidFill>
@@ -642,7 +641,7 @@
               <a:t>这个分两步：一个是我们今天讲的，写一个</a:t>
             </a:r>
             <a:r>
-              <a:rPr lang="en-US" altLang="zh-CN" sz="1200" b="0" i="0" u="none" strike="noStrike" kern="1200" dirty="0" smtClean="0">
+              <a:rPr lang="en-US" altLang="zh-CN" sz="1200" b="0" i="0" u="none" strike="noStrike" kern="1200" dirty="0">
                 <a:solidFill>
                   <a:schemeClr val="tx1"/>
                 </a:solidFill>
@@ -656,7 +655,7 @@
           </a:p>
           <a:p>
             <a:r>
-              <a:rPr lang="zh-CN" altLang="en-US" sz="1200" b="0" i="0" u="none" strike="noStrike" kern="1200" dirty="0" smtClean="0">
+              <a:rPr lang="zh-CN" altLang="en-US" sz="1200" b="0" i="0" u="none" strike="noStrike" kern="1200" dirty="0">
                 <a:solidFill>
                   <a:schemeClr val="tx1"/>
                 </a:solidFill>
@@ -668,7 +667,7 @@
               <a:t>下一个实验会将这个</a:t>
             </a:r>
             <a:r>
-              <a:rPr lang="en-US" altLang="zh-CN" sz="1200" b="0" i="0" u="none" strike="noStrike" kern="1200" dirty="0" smtClean="0">
+              <a:rPr lang="en-US" altLang="zh-CN" sz="1200" b="0" i="0" u="none" strike="noStrike" kern="1200" dirty="0">
                 <a:solidFill>
                   <a:schemeClr val="tx1"/>
                 </a:solidFill>
@@ -680,7 +679,7 @@
               <a:t>cache</a:t>
             </a:r>
             <a:r>
-              <a:rPr lang="zh-CN" altLang="en-US" sz="1200" b="0" i="0" u="none" strike="noStrike" kern="1200" dirty="0" smtClean="0">
+              <a:rPr lang="zh-CN" altLang="en-US" sz="1200" b="0" i="0" u="none" strike="noStrike" kern="1200" dirty="0">
                 <a:solidFill>
                   <a:schemeClr val="tx1"/>
                 </a:solidFill>
@@ -692,7 +691,7 @@
               <a:t>接到我们的流水线</a:t>
             </a:r>
             <a:r>
-              <a:rPr lang="en-US" altLang="zh-CN" sz="1200" b="0" i="0" u="none" strike="noStrike" kern="1200" dirty="0" smtClean="0">
+              <a:rPr lang="en-US" altLang="zh-CN" sz="1200" b="0" i="0" u="none" strike="noStrike" kern="1200" dirty="0">
                 <a:solidFill>
                   <a:schemeClr val="tx1"/>
                 </a:solidFill>
@@ -704,7 +703,7 @@
               <a:t>CPU</a:t>
             </a:r>
             <a:r>
-              <a:rPr lang="zh-CN" altLang="en-US" sz="1200" b="0" i="0" u="none" strike="noStrike" kern="1200" dirty="0" smtClean="0">
+              <a:rPr lang="zh-CN" altLang="en-US" sz="1200" b="0" i="0" u="none" strike="noStrike" kern="1200" dirty="0">
                 <a:solidFill>
                   <a:schemeClr val="tx1"/>
                 </a:solidFill>
@@ -735,7 +734,7 @@
               <a:defRPr/>
             </a:pPr>
             <a:r>
-              <a:rPr lang="zh-CN" altLang="en-US" sz="1200" b="0" i="0" u="none" strike="noStrike" kern="1200" dirty="0" smtClean="0">
+              <a:rPr lang="zh-CN" altLang="en-US" sz="1200" b="0" i="0" u="none" strike="noStrike" kern="1200" dirty="0">
                 <a:solidFill>
                   <a:schemeClr val="tx1"/>
                 </a:solidFill>
@@ -747,7 +746,7 @@
               <a:t>我们这个实验的任务就是设计和验证</a:t>
             </a:r>
             <a:r>
-              <a:rPr lang="en-US" altLang="zh-CN" sz="1200" b="0" i="0" u="none" strike="noStrike" kern="1200" dirty="0" smtClean="0">
+              <a:rPr lang="en-US" altLang="zh-CN" sz="1200" b="0" i="0" u="none" strike="noStrike" kern="1200" dirty="0">
                 <a:solidFill>
                   <a:schemeClr val="tx1"/>
                 </a:solidFill>
@@ -759,7 +758,7 @@
               <a:t>cache, </a:t>
             </a:r>
             <a:r>
-              <a:rPr lang="zh-CN" altLang="en-US" sz="1200" b="0" i="0" u="none" strike="noStrike" kern="1200" dirty="0" smtClean="0">
+              <a:rPr lang="zh-CN" altLang="en-US" sz="1200" b="0" i="0" u="none" strike="noStrike" kern="1200" dirty="0">
                 <a:solidFill>
                   <a:schemeClr val="tx1"/>
                 </a:solidFill>
@@ -803,6 +802,90 @@
     <p:extLst>
       <p:ext uri="{BB962C8B-B14F-4D97-AF65-F5344CB8AC3E}">
         <p14:creationId xmlns:p14="http://schemas.microsoft.com/office/powerpoint/2010/main" val="861473803"/>
+      </p:ext>
+    </p:extLst>
+  </p:cSld>
+  <p:clrMapOvr>
+    <a:masterClrMapping/>
+  </p:clrMapOvr>
+</p:notes>
+</file>
+
+<file path=ppt/notesSlides/notesSlide10.xml><?xml version="1.0" encoding="utf-8"?>
+<p:notes xmlns:a="http://schemas.openxmlformats.org/drawingml/2006/main" xmlns:r="http://schemas.openxmlformats.org/officeDocument/2006/relationships" xmlns:p="http://schemas.openxmlformats.org/presentationml/2006/main">
+  <p:cSld>
+    <p:spTree>
+      <p:nvGrpSpPr>
+        <p:cNvPr id="1" name=""/>
+        <p:cNvGrpSpPr/>
+        <p:nvPr/>
+      </p:nvGrpSpPr>
+      <p:grpSpPr>
+        <a:xfrm>
+          <a:off x="0" y="0"/>
+          <a:ext cx="0" cy="0"/>
+          <a:chOff x="0" y="0"/>
+          <a:chExt cx="0" cy="0"/>
+        </a:xfrm>
+      </p:grpSpPr>
+      <p:sp>
+        <p:nvSpPr>
+          <p:cNvPr id="2" name="幻灯片图像占位符 1"/>
+          <p:cNvSpPr>
+            <a:spLocks noGrp="1" noRot="1" noChangeAspect="1"/>
+          </p:cNvSpPr>
+          <p:nvPr>
+            <p:ph type="sldImg"/>
+          </p:nvPr>
+        </p:nvSpPr>
+        <p:spPr/>
+      </p:sp>
+      <p:sp>
+        <p:nvSpPr>
+          <p:cNvPr id="3" name="备注占位符 2"/>
+          <p:cNvSpPr>
+            <a:spLocks noGrp="1"/>
+          </p:cNvSpPr>
+          <p:nvPr>
+            <p:ph type="body" idx="1"/>
+          </p:nvPr>
+        </p:nvSpPr>
+        <p:spPr/>
+        <p:txBody>
+          <a:bodyPr/>
+          <a:lstStyle/>
+          <a:p>
+            <a:endParaRPr kumimoji="1" lang="zh-CN" altLang="en-US" dirty="0"/>
+          </a:p>
+        </p:txBody>
+      </p:sp>
+      <p:sp>
+        <p:nvSpPr>
+          <p:cNvPr id="4" name="灯片编号占位符 3"/>
+          <p:cNvSpPr>
+            <a:spLocks noGrp="1"/>
+          </p:cNvSpPr>
+          <p:nvPr>
+            <p:ph type="sldNum" sz="quarter" idx="5"/>
+          </p:nvPr>
+        </p:nvSpPr>
+        <p:spPr/>
+        <p:txBody>
+          <a:bodyPr/>
+          <a:lstStyle/>
+          <a:p>
+            <a:fld id="{F9B3A588-43E9-AC44-AC90-AB7B6B5540F3}" type="slidenum">
+              <a:rPr kumimoji="1" lang="zh-CN" altLang="en-US" smtClean="0"/>
+              <a:t>16</a:t>
+            </a:fld>
+            <a:endParaRPr kumimoji="1" lang="zh-CN" altLang="en-US"/>
+          </a:p>
+        </p:txBody>
+      </p:sp>
+    </p:spTree>
+    <p:extLst>
+      <p:ext uri="{BB962C8B-B14F-4D97-AF65-F5344CB8AC3E}">
+        <p14:creationId xmlns:p14="http://schemas.microsoft.com/office/powerpoint/2010/main" val="2646833925"/>
       </p:ext>
     </p:extLst>
   </p:cSld>
@@ -857,7 +940,7 @@
           <a:lstStyle/>
           <a:p>
             <a:r>
-              <a:rPr lang="zh-CN" altLang="it-IT" sz="1200" b="0" i="0" u="none" strike="noStrike" kern="1200" dirty="0" smtClean="0">
+              <a:rPr lang="zh-CN" altLang="it-IT" sz="1200" b="0" i="0" u="none" strike="noStrike" kern="1200" dirty="0">
                 <a:solidFill>
                   <a:schemeClr val="tx1"/>
                 </a:solidFill>
@@ -869,7 +952,7 @@
               <a:t>首先我们看一下单核处理器的</a:t>
             </a:r>
             <a:r>
-              <a:rPr lang="it-IT" altLang="zh-CN" sz="1200" b="0" i="0" u="none" strike="noStrike" kern="1200" dirty="0" smtClean="0">
+              <a:rPr lang="it-IT" altLang="zh-CN" sz="1200" b="0" i="0" u="none" strike="noStrike" kern="1200" dirty="0">
                 <a:solidFill>
                   <a:schemeClr val="tx1"/>
                 </a:solidFill>
@@ -881,7 +964,7 @@
               <a:t>core</a:t>
             </a:r>
             <a:r>
-              <a:rPr lang="zh-CN" altLang="it-IT" sz="1200" b="0" i="0" u="none" strike="noStrike" kern="1200" dirty="0" smtClean="0">
+              <a:rPr lang="zh-CN" altLang="it-IT" sz="1200" b="0" i="0" u="none" strike="noStrike" kern="1200" dirty="0">
                 <a:solidFill>
                   <a:schemeClr val="tx1"/>
                 </a:solidFill>
@@ -893,7 +976,7 @@
               <a:t>和</a:t>
             </a:r>
             <a:r>
-              <a:rPr lang="it-IT" altLang="zh-CN" sz="1200" b="0" i="0" u="none" strike="noStrike" kern="1200" dirty="0" err="1" smtClean="0">
+              <a:rPr lang="it-IT" altLang="zh-CN" sz="1200" b="0" i="0" u="none" strike="noStrike" kern="1200" dirty="0" err="1">
                 <a:solidFill>
                   <a:schemeClr val="tx1"/>
                 </a:solidFill>
@@ -905,7 +988,7 @@
               <a:t>memory</a:t>
             </a:r>
             <a:r>
-              <a:rPr lang="it-IT" altLang="zh-CN" sz="1200" b="0" i="0" u="none" strike="noStrike" kern="1200" dirty="0" smtClean="0">
+              <a:rPr lang="it-IT" altLang="zh-CN" sz="1200" b="0" i="0" u="none" strike="noStrike" kern="1200" dirty="0">
                 <a:solidFill>
                   <a:schemeClr val="tx1"/>
                 </a:solidFill>
@@ -917,7 +1000,7 @@
               <a:t> </a:t>
             </a:r>
             <a:r>
-              <a:rPr lang="it-IT" altLang="zh-CN" sz="1200" b="0" i="0" u="none" strike="noStrike" kern="1200" dirty="0" err="1" smtClean="0">
+              <a:rPr lang="it-IT" altLang="zh-CN" sz="1200" b="0" i="0" u="none" strike="noStrike" kern="1200" dirty="0" err="1">
                 <a:solidFill>
                   <a:schemeClr val="tx1"/>
                 </a:solidFill>
@@ -929,7 +1012,7 @@
               <a:t>hierarchy</a:t>
             </a:r>
             <a:r>
-              <a:rPr lang="zh-CN" altLang="it-IT" sz="1200" b="0" i="0" u="none" strike="noStrike" kern="1200" dirty="0" smtClean="0">
+              <a:rPr lang="zh-CN" altLang="it-IT" sz="1200" b="0" i="0" u="none" strike="noStrike" kern="1200" dirty="0">
                 <a:solidFill>
                   <a:schemeClr val="tx1"/>
                 </a:solidFill>
@@ -943,7 +1026,7 @@
           </a:p>
           <a:p>
             <a:r>
-              <a:rPr lang="zh-CN" altLang="it-IT" sz="1200" b="0" i="0" u="none" strike="noStrike" kern="1200" dirty="0" smtClean="0">
+              <a:rPr lang="zh-CN" altLang="it-IT" sz="1200" b="0" i="0" u="none" strike="noStrike" kern="1200" dirty="0">
                 <a:solidFill>
                   <a:schemeClr val="tx1"/>
                 </a:solidFill>
@@ -955,7 +1038,7 @@
               <a:t>以</a:t>
             </a:r>
             <a:r>
-              <a:rPr lang="it-IT" altLang="zh-CN" sz="1200" b="0" i="0" u="none" strike="noStrike" kern="1200" dirty="0" err="1" smtClean="0">
+              <a:rPr lang="it-IT" altLang="zh-CN" sz="1200" b="0" i="0" u="none" strike="noStrike" kern="1200" dirty="0" err="1">
                 <a:solidFill>
                   <a:schemeClr val="tx1"/>
                 </a:solidFill>
@@ -967,7 +1050,7 @@
               <a:t>load</a:t>
             </a:r>
             <a:r>
-              <a:rPr lang="zh-CN" altLang="it-IT" sz="1200" b="0" i="0" u="none" strike="noStrike" kern="1200" dirty="0" smtClean="0">
+              <a:rPr lang="zh-CN" altLang="it-IT" sz="1200" b="0" i="0" u="none" strike="noStrike" kern="1200" dirty="0">
                 <a:solidFill>
                   <a:schemeClr val="tx1"/>
                 </a:solidFill>
@@ -981,7 +1064,7 @@
           </a:p>
           <a:p>
             <a:r>
-              <a:rPr lang="it-IT" altLang="zh-CN" sz="1200" b="0" i="0" u="none" strike="noStrike" kern="1200" dirty="0" smtClean="0">
+              <a:rPr lang="it-IT" altLang="zh-CN" sz="1200" b="0" i="0" u="none" strike="noStrike" kern="1200" dirty="0">
                 <a:solidFill>
                   <a:schemeClr val="tx1"/>
                 </a:solidFill>
@@ -993,7 +1076,7 @@
               <a:t>core</a:t>
             </a:r>
             <a:r>
-              <a:rPr lang="zh-CN" altLang="it-IT" sz="1200" b="0" i="0" u="none" strike="noStrike" kern="1200" dirty="0" smtClean="0">
+              <a:rPr lang="zh-CN" altLang="it-IT" sz="1200" b="0" i="0" u="none" strike="noStrike" kern="1200" dirty="0">
                 <a:solidFill>
                   <a:schemeClr val="tx1"/>
                 </a:solidFill>
@@ -1005,7 +1088,7 @@
               <a:t>发起一个</a:t>
             </a:r>
             <a:r>
-              <a:rPr lang="it-IT" altLang="zh-CN" sz="1200" b="0" i="0" u="none" strike="noStrike" kern="1200" dirty="0" err="1" smtClean="0">
+              <a:rPr lang="it-IT" altLang="zh-CN" sz="1200" b="0" i="0" u="none" strike="noStrike" kern="1200" dirty="0" err="1">
                 <a:solidFill>
                   <a:schemeClr val="tx1"/>
                 </a:solidFill>
@@ -1017,7 +1100,7 @@
               <a:t>load</a:t>
             </a:r>
             <a:r>
-              <a:rPr lang="zh-CN" altLang="it-IT" sz="1200" b="0" i="0" u="none" strike="noStrike" kern="1200" dirty="0" smtClean="0">
+              <a:rPr lang="zh-CN" altLang="it-IT" sz="1200" b="0" i="0" u="none" strike="noStrike" kern="1200" dirty="0">
                 <a:solidFill>
                   <a:schemeClr val="tx1"/>
                 </a:solidFill>
@@ -1029,7 +1112,7 @@
               <a:t>指令，</a:t>
             </a:r>
             <a:r>
-              <a:rPr lang="it-IT" altLang="zh-CN" sz="1200" b="0" i="0" u="none" strike="noStrike" kern="1200" dirty="0" smtClean="0">
+              <a:rPr lang="it-IT" altLang="zh-CN" sz="1200" b="0" i="0" u="none" strike="noStrike" kern="1200" dirty="0">
                 <a:solidFill>
                   <a:schemeClr val="tx1"/>
                 </a:solidFill>
@@ -1041,7 +1124,7 @@
               <a:t>cache controller</a:t>
             </a:r>
             <a:r>
-              <a:rPr lang="zh-CN" altLang="it-IT" sz="1200" b="0" i="0" u="none" strike="noStrike" kern="1200" dirty="0" smtClean="0">
+              <a:rPr lang="zh-CN" altLang="it-IT" sz="1200" b="0" i="0" u="none" strike="noStrike" kern="1200" dirty="0">
                 <a:solidFill>
                   <a:schemeClr val="tx1"/>
                 </a:solidFill>
@@ -1053,7 +1136,7 @@
               <a:t>接受到</a:t>
             </a:r>
             <a:r>
-              <a:rPr lang="it-IT" altLang="zh-CN" sz="1200" b="0" i="0" u="none" strike="noStrike" kern="1200" dirty="0" err="1" smtClean="0">
+              <a:rPr lang="it-IT" altLang="zh-CN" sz="1200" b="0" i="0" u="none" strike="noStrike" kern="1200" dirty="0" err="1">
                 <a:solidFill>
                   <a:schemeClr val="tx1"/>
                 </a:solidFill>
@@ -1065,7 +1148,7 @@
               <a:t>load</a:t>
             </a:r>
             <a:r>
-              <a:rPr lang="zh-CN" altLang="it-IT" sz="1200" b="0" i="0" u="none" strike="noStrike" kern="1200" dirty="0" smtClean="0">
+              <a:rPr lang="zh-CN" altLang="it-IT" sz="1200" b="0" i="0" u="none" strike="noStrike" kern="1200" dirty="0">
                 <a:solidFill>
                   <a:schemeClr val="tx1"/>
                 </a:solidFill>
@@ -1077,7 +1160,7 @@
               <a:t>指令后，去查询</a:t>
             </a:r>
             <a:r>
-              <a:rPr lang="it-IT" altLang="zh-CN" sz="1200" b="0" i="0" u="none" strike="noStrike" kern="1200" dirty="0" smtClean="0">
+              <a:rPr lang="it-IT" altLang="zh-CN" sz="1200" b="0" i="0" u="none" strike="noStrike" kern="1200" dirty="0">
                 <a:solidFill>
                   <a:schemeClr val="tx1"/>
                 </a:solidFill>
@@ -1091,7 +1174,7 @@
           </a:p>
           <a:p>
             <a:r>
-              <a:rPr lang="zh-CN" altLang="it-IT" sz="1200" b="0" i="0" u="none" strike="noStrike" kern="1200" dirty="0" smtClean="0">
+              <a:rPr lang="zh-CN" altLang="it-IT" sz="1200" b="0" i="0" u="none" strike="noStrike" kern="1200" dirty="0">
                 <a:solidFill>
                   <a:schemeClr val="tx1"/>
                 </a:solidFill>
@@ -1103,7 +1186,7 @@
               <a:t>如果</a:t>
             </a:r>
             <a:r>
-              <a:rPr lang="it-IT" altLang="zh-CN" sz="1200" b="0" i="0" u="none" strike="noStrike" kern="1200" dirty="0" smtClean="0">
+              <a:rPr lang="it-IT" altLang="zh-CN" sz="1200" b="0" i="0" u="none" strike="noStrike" kern="1200" dirty="0">
                 <a:solidFill>
                   <a:schemeClr val="tx1"/>
                 </a:solidFill>
@@ -1115,7 +1198,7 @@
               <a:t>cache hit</a:t>
             </a:r>
             <a:r>
-              <a:rPr lang="zh-CN" altLang="it-IT" sz="1200" b="0" i="0" u="none" strike="noStrike" kern="1200" dirty="0" smtClean="0">
+              <a:rPr lang="zh-CN" altLang="it-IT" sz="1200" b="0" i="0" u="none" strike="noStrike" kern="1200" dirty="0">
                 <a:solidFill>
                   <a:schemeClr val="tx1"/>
                 </a:solidFill>
@@ -1127,7 +1210,7 @@
               <a:t>了，就把</a:t>
             </a:r>
             <a:r>
-              <a:rPr lang="it-IT" altLang="zh-CN" sz="1200" b="0" i="0" u="none" strike="noStrike" kern="1200" dirty="0" smtClean="0">
+              <a:rPr lang="it-IT" altLang="zh-CN" sz="1200" b="0" i="0" u="none" strike="noStrike" kern="1200" dirty="0">
                 <a:solidFill>
                   <a:schemeClr val="tx1"/>
                 </a:solidFill>
@@ -1139,7 +1222,7 @@
               <a:t>cache</a:t>
             </a:r>
             <a:r>
-              <a:rPr lang="zh-CN" altLang="it-IT" sz="1200" b="0" i="0" u="none" strike="noStrike" kern="1200" dirty="0" smtClean="0">
+              <a:rPr lang="zh-CN" altLang="it-IT" sz="1200" b="0" i="0" u="none" strike="noStrike" kern="1200" dirty="0">
                 <a:solidFill>
                   <a:schemeClr val="tx1"/>
                 </a:solidFill>
@@ -1151,7 +1234,7 @@
               <a:t>中的数据返回给</a:t>
             </a:r>
             <a:r>
-              <a:rPr lang="it-IT" altLang="zh-CN" sz="1200" b="0" i="0" u="none" strike="noStrike" kern="1200" dirty="0" smtClean="0">
+              <a:rPr lang="it-IT" altLang="zh-CN" sz="1200" b="0" i="0" u="none" strike="noStrike" kern="1200" dirty="0">
                 <a:solidFill>
                   <a:schemeClr val="tx1"/>
                 </a:solidFill>
@@ -1165,7 +1248,7 @@
           </a:p>
           <a:p>
             <a:r>
-              <a:rPr lang="zh-CN" altLang="it-IT" sz="1200" b="0" i="0" u="none" strike="noStrike" kern="1200" dirty="0" smtClean="0">
+              <a:rPr lang="zh-CN" altLang="it-IT" sz="1200" b="0" i="0" u="none" strike="noStrike" kern="1200" dirty="0">
                 <a:solidFill>
                   <a:schemeClr val="tx1"/>
                 </a:solidFill>
@@ -1177,7 +1260,7 @@
               <a:t>如果</a:t>
             </a:r>
             <a:r>
-              <a:rPr lang="it-IT" altLang="zh-CN" sz="1200" b="0" i="0" u="none" strike="noStrike" kern="1200" dirty="0" smtClean="0">
+              <a:rPr lang="it-IT" altLang="zh-CN" sz="1200" b="0" i="0" u="none" strike="noStrike" kern="1200" dirty="0">
                 <a:solidFill>
                   <a:schemeClr val="tx1"/>
                 </a:solidFill>
@@ -1189,7 +1272,7 @@
               <a:t>cache miss</a:t>
             </a:r>
             <a:r>
-              <a:rPr lang="zh-CN" altLang="it-IT" sz="1200" b="0" i="0" u="none" strike="noStrike" kern="1200" dirty="0" smtClean="0">
+              <a:rPr lang="zh-CN" altLang="it-IT" sz="1200" b="0" i="0" u="none" strike="noStrike" kern="1200" dirty="0">
                 <a:solidFill>
                   <a:schemeClr val="tx1"/>
                 </a:solidFill>
@@ -1201,7 +1284,7 @@
               <a:t>了，</a:t>
             </a:r>
             <a:r>
-              <a:rPr lang="it-IT" altLang="zh-CN" sz="1200" b="0" i="0" u="none" strike="noStrike" kern="1200" dirty="0" smtClean="0">
+              <a:rPr lang="it-IT" altLang="zh-CN" sz="1200" b="0" i="0" u="none" strike="noStrike" kern="1200" dirty="0">
                 <a:solidFill>
                   <a:schemeClr val="tx1"/>
                 </a:solidFill>
@@ -1213,7 +1296,7 @@
               <a:t>cache</a:t>
             </a:r>
             <a:r>
-              <a:rPr lang="zh-CN" altLang="it-IT" sz="1200" b="0" i="0" u="none" strike="noStrike" kern="1200" dirty="0" smtClean="0">
+              <a:rPr lang="zh-CN" altLang="it-IT" sz="1200" b="0" i="0" u="none" strike="noStrike" kern="1200" dirty="0">
                 <a:solidFill>
                   <a:schemeClr val="tx1"/>
                 </a:solidFill>
@@ -1225,7 +1308,7 @@
               <a:t>中有空间</a:t>
             </a:r>
             <a:r>
-              <a:rPr lang="zh-CN" altLang="en-US" sz="1200" b="0" i="0" u="none" strike="noStrike" kern="1200" dirty="0" smtClean="0">
+              <a:rPr lang="zh-CN" altLang="en-US" sz="1200" b="0" i="0" u="none" strike="noStrike" kern="1200" dirty="0">
                 <a:solidFill>
                   <a:schemeClr val="tx1"/>
                 </a:solidFill>
@@ -1236,7 +1319,7 @@
               </a:rPr>
               <a:t>的话</a:t>
             </a:r>
-            <a:endParaRPr lang="zh-CN" altLang="it-IT" sz="1200" b="0" i="0" u="none" strike="noStrike" kern="1200" dirty="0" smtClean="0">
+            <a:endParaRPr lang="zh-CN" altLang="it-IT" sz="1200" b="0" i="0" u="none" strike="noStrike" kern="1200" dirty="0">
               <a:solidFill>
                 <a:schemeClr val="tx1"/>
               </a:solidFill>
@@ -1248,7 +1331,7 @@
           </a:p>
           <a:p>
             <a:r>
-              <a:rPr lang="it-IT" altLang="zh-CN" sz="1200" b="0" i="0" u="none" strike="noStrike" kern="1200" dirty="0" smtClean="0">
+              <a:rPr lang="it-IT" altLang="zh-CN" sz="1200" b="0" i="0" u="none" strike="noStrike" kern="1200" dirty="0">
                 <a:solidFill>
                   <a:schemeClr val="tx1"/>
                 </a:solidFill>
@@ -1260,7 +1343,7 @@
               <a:t>cache controller</a:t>
             </a:r>
             <a:r>
-              <a:rPr lang="zh-CN" altLang="it-IT" sz="1200" b="0" i="0" u="none" strike="noStrike" kern="1200" dirty="0" smtClean="0">
+              <a:rPr lang="zh-CN" altLang="it-IT" sz="1200" b="0" i="0" u="none" strike="noStrike" kern="1200" dirty="0">
                 <a:solidFill>
                   <a:schemeClr val="tx1"/>
                 </a:solidFill>
@@ -1272,7 +1355,7 @@
               <a:t>会向</a:t>
             </a:r>
             <a:r>
-              <a:rPr lang="it-IT" altLang="zh-CN" sz="1200" b="0" i="0" u="none" strike="noStrike" kern="1200" dirty="0" err="1" smtClean="0">
+              <a:rPr lang="it-IT" altLang="zh-CN" sz="1200" b="0" i="0" u="none" strike="noStrike" kern="1200" dirty="0" err="1">
                 <a:solidFill>
                   <a:schemeClr val="tx1"/>
                 </a:solidFill>
@@ -1284,7 +1367,7 @@
               <a:t>memory</a:t>
             </a:r>
             <a:r>
-              <a:rPr lang="zh-CN" altLang="it-IT" sz="1200" b="0" i="0" u="none" strike="noStrike" kern="1200" dirty="0" smtClean="0">
+              <a:rPr lang="zh-CN" altLang="it-IT" sz="1200" b="0" i="0" u="none" strike="noStrike" kern="1200" dirty="0">
                 <a:solidFill>
                   <a:schemeClr val="tx1"/>
                 </a:solidFill>
@@ -1298,7 +1381,7 @@
           </a:p>
           <a:p>
             <a:r>
-              <a:rPr lang="it-IT" altLang="zh-CN" sz="1200" b="0" i="0" u="none" strike="noStrike" kern="1200" dirty="0" err="1" smtClean="0">
+              <a:rPr lang="it-IT" altLang="zh-CN" sz="1200" b="0" i="0" u="none" strike="noStrike" kern="1200" dirty="0" err="1">
                 <a:solidFill>
                   <a:schemeClr val="tx1"/>
                 </a:solidFill>
@@ -1310,7 +1393,7 @@
               <a:t>memory</a:t>
             </a:r>
             <a:r>
-              <a:rPr lang="it-IT" altLang="zh-CN" sz="1200" b="0" i="0" u="none" strike="noStrike" kern="1200" dirty="0" smtClean="0">
+              <a:rPr lang="it-IT" altLang="zh-CN" sz="1200" b="0" i="0" u="none" strike="noStrike" kern="1200" dirty="0">
                 <a:solidFill>
                   <a:schemeClr val="tx1"/>
                 </a:solidFill>
@@ -1322,7 +1405,7 @@
               <a:t> controller</a:t>
             </a:r>
             <a:r>
-              <a:rPr lang="zh-CN" altLang="it-IT" sz="1200" b="0" i="0" u="none" strike="noStrike" kern="1200" dirty="0" smtClean="0">
+              <a:rPr lang="zh-CN" altLang="it-IT" sz="1200" b="0" i="0" u="none" strike="noStrike" kern="1200" dirty="0">
                 <a:solidFill>
                   <a:schemeClr val="tx1"/>
                 </a:solidFill>
@@ -1334,7 +1417,7 @@
               <a:t>接受到请求后，从</a:t>
             </a:r>
             <a:r>
-              <a:rPr lang="it-IT" altLang="zh-CN" sz="1200" b="0" i="0" u="none" strike="noStrike" kern="1200" dirty="0" err="1" smtClean="0">
+              <a:rPr lang="it-IT" altLang="zh-CN" sz="1200" b="0" i="0" u="none" strike="noStrike" kern="1200" dirty="0" err="1">
                 <a:solidFill>
                   <a:schemeClr val="tx1"/>
                 </a:solidFill>
@@ -1346,7 +1429,7 @@
               <a:t>memory</a:t>
             </a:r>
             <a:r>
-              <a:rPr lang="zh-CN" altLang="it-IT" sz="1200" b="0" i="0" u="none" strike="noStrike" kern="1200" dirty="0" smtClean="0">
+              <a:rPr lang="zh-CN" altLang="it-IT" sz="1200" b="0" i="0" u="none" strike="noStrike" kern="1200" dirty="0">
                 <a:solidFill>
                   <a:schemeClr val="tx1"/>
                 </a:solidFill>
@@ -1358,7 +1441,7 @@
               <a:t>中取数据发送给</a:t>
             </a:r>
             <a:r>
-              <a:rPr lang="it-IT" altLang="zh-CN" sz="1200" b="0" i="0" u="none" strike="noStrike" kern="1200" dirty="0" smtClean="0">
+              <a:rPr lang="it-IT" altLang="zh-CN" sz="1200" b="0" i="0" u="none" strike="noStrike" kern="1200" dirty="0">
                 <a:solidFill>
                   <a:schemeClr val="tx1"/>
                 </a:solidFill>
@@ -1372,7 +1455,7 @@
           </a:p>
           <a:p>
             <a:r>
-              <a:rPr lang="it-IT" altLang="zh-CN" sz="1200" b="0" i="0" u="none" strike="noStrike" kern="1200" dirty="0" smtClean="0">
+              <a:rPr lang="it-IT" altLang="zh-CN" sz="1200" b="0" i="0" u="none" strike="noStrike" kern="1200" dirty="0">
                 <a:solidFill>
                   <a:schemeClr val="tx1"/>
                 </a:solidFill>
@@ -1384,7 +1467,7 @@
               <a:t>cache controller</a:t>
             </a:r>
             <a:r>
-              <a:rPr lang="zh-CN" altLang="it-IT" sz="1200" b="0" i="0" u="none" strike="noStrike" kern="1200" dirty="0" smtClean="0">
+              <a:rPr lang="zh-CN" altLang="it-IT" sz="1200" b="0" i="0" u="none" strike="noStrike" kern="1200" dirty="0">
                 <a:solidFill>
                   <a:schemeClr val="tx1"/>
                 </a:solidFill>
@@ -1396,7 +1479,7 @@
               <a:t>将数据写到</a:t>
             </a:r>
             <a:r>
-              <a:rPr lang="it-IT" altLang="zh-CN" sz="1200" b="0" i="0" u="none" strike="noStrike" kern="1200" dirty="0" smtClean="0">
+              <a:rPr lang="it-IT" altLang="zh-CN" sz="1200" b="0" i="0" u="none" strike="noStrike" kern="1200" dirty="0">
                 <a:solidFill>
                   <a:schemeClr val="tx1"/>
                 </a:solidFill>
@@ -1410,7 +1493,7 @@
           </a:p>
           <a:p>
             <a:r>
-              <a:rPr lang="zh-CN" altLang="it-IT" sz="1200" b="0" i="0" u="none" strike="noStrike" kern="1200" dirty="0" smtClean="0">
+              <a:rPr lang="zh-CN" altLang="it-IT" sz="1200" b="0" i="0" u="none" strike="noStrike" kern="1200" dirty="0">
                 <a:solidFill>
                   <a:schemeClr val="tx1"/>
                 </a:solidFill>
@@ -1422,7 +1505,7 @@
               <a:t>然后让</a:t>
             </a:r>
             <a:r>
-              <a:rPr lang="it-IT" altLang="zh-CN" sz="1200" b="0" i="0" u="none" strike="noStrike" kern="1200" dirty="0" smtClean="0">
+              <a:rPr lang="it-IT" altLang="zh-CN" sz="1200" b="0" i="0" u="none" strike="noStrike" kern="1200" dirty="0">
                 <a:solidFill>
                   <a:schemeClr val="tx1"/>
                 </a:solidFill>
@@ -1434,7 +1517,7 @@
               <a:t>core</a:t>
             </a:r>
             <a:r>
-              <a:rPr lang="zh-CN" altLang="it-IT" sz="1200" b="0" i="0" u="none" strike="noStrike" kern="1200" dirty="0" smtClean="0">
+              <a:rPr lang="zh-CN" altLang="it-IT" sz="1200" b="0" i="0" u="none" strike="noStrike" kern="1200" dirty="0">
                 <a:solidFill>
                   <a:schemeClr val="tx1"/>
                 </a:solidFill>
@@ -1446,7 +1529,7 @@
               <a:t>再次发起</a:t>
             </a:r>
             <a:r>
-              <a:rPr lang="it-IT" altLang="zh-CN" sz="1200" b="0" i="0" u="none" strike="noStrike" kern="1200" dirty="0" err="1" smtClean="0">
+              <a:rPr lang="it-IT" altLang="zh-CN" sz="1200" b="0" i="0" u="none" strike="noStrike" kern="1200" dirty="0" err="1">
                 <a:solidFill>
                   <a:schemeClr val="tx1"/>
                 </a:solidFill>
@@ -1458,7 +1541,7 @@
               <a:t>load</a:t>
             </a:r>
             <a:r>
-              <a:rPr lang="zh-CN" altLang="it-IT" sz="1200" b="0" i="0" u="none" strike="noStrike" kern="1200" dirty="0" smtClean="0">
+              <a:rPr lang="zh-CN" altLang="it-IT" sz="1200" b="0" i="0" u="none" strike="noStrike" kern="1200" dirty="0">
                 <a:solidFill>
                   <a:schemeClr val="tx1"/>
                 </a:solidFill>
@@ -1471,89 +1554,89 @@
             </a:r>
           </a:p>
           <a:p>
-            <a:endParaRPr kumimoji="1" lang="en-US" altLang="zh-CN" dirty="0" smtClean="0"/>
-          </a:p>
-          <a:p>
-            <a:r>
-              <a:rPr kumimoji="1" lang="zh-CN" altLang="en-US" dirty="0" smtClean="0"/>
+            <a:endParaRPr kumimoji="1" lang="en-US" altLang="zh-CN" dirty="0"/>
+          </a:p>
+          <a:p>
+            <a:r>
+              <a:rPr kumimoji="1" lang="zh-CN" altLang="en-US" dirty="0"/>
               <a:t>可以看到</a:t>
             </a:r>
             <a:r>
-              <a:rPr kumimoji="1" lang="en-US" altLang="zh-CN" dirty="0" smtClean="0"/>
+              <a:rPr kumimoji="1" lang="en-US" altLang="zh-CN" dirty="0"/>
               <a:t>cache</a:t>
             </a:r>
             <a:r>
-              <a:rPr kumimoji="1" lang="zh-CN" altLang="en-US" dirty="0" smtClean="0"/>
+              <a:rPr kumimoji="1" lang="zh-CN" altLang="en-US" dirty="0"/>
               <a:t>在这个过程中，就是手</a:t>
             </a:r>
             <a:r>
-              <a:rPr kumimoji="1" lang="en-US" altLang="zh-CN" dirty="0" smtClean="0"/>
+              <a:rPr kumimoji="1" lang="en-US" altLang="zh-CN" dirty="0"/>
               <a:t>cache controller</a:t>
             </a:r>
             <a:r>
-              <a:rPr kumimoji="1" lang="zh-CN" altLang="en-US" dirty="0" smtClean="0"/>
+              <a:rPr kumimoji="1" lang="zh-CN" altLang="en-US" dirty="0"/>
               <a:t>指挥的，</a:t>
             </a:r>
             <a:r>
-              <a:rPr kumimoji="1" lang="en-US" altLang="zh-CN" dirty="0" smtClean="0"/>
+              <a:rPr kumimoji="1" lang="en-US" altLang="zh-CN" dirty="0"/>
               <a:t>cache controller</a:t>
             </a:r>
             <a:r>
-              <a:rPr kumimoji="1" lang="zh-CN" altLang="en-US" dirty="0" smtClean="0"/>
+              <a:rPr kumimoji="1" lang="zh-CN" altLang="en-US" dirty="0"/>
               <a:t>发起</a:t>
             </a:r>
             <a:r>
-              <a:rPr kumimoji="1" lang="en-US" altLang="zh-CN" dirty="0" smtClean="0"/>
+              <a:rPr kumimoji="1" lang="en-US" altLang="zh-CN" dirty="0"/>
               <a:t>load, store, cache</a:t>
             </a:r>
             <a:r>
-              <a:rPr kumimoji="1" lang="zh-CN" altLang="en-US" dirty="0" smtClean="0"/>
+              <a:rPr kumimoji="1" lang="zh-CN" altLang="en-US" dirty="0"/>
               <a:t>去查找数据，找到了就传数据，写数据，并告诉</a:t>
             </a:r>
             <a:r>
-              <a:rPr kumimoji="1" lang="en-US" altLang="zh-CN" dirty="0" smtClean="0"/>
+              <a:rPr kumimoji="1" lang="en-US" altLang="zh-CN" dirty="0"/>
               <a:t>cache controller</a:t>
             </a:r>
             <a:r>
-              <a:rPr kumimoji="1" lang="zh-CN" altLang="en-US" dirty="0" smtClean="0"/>
+              <a:rPr kumimoji="1" lang="zh-CN" altLang="en-US" dirty="0"/>
               <a:t> 是一个</a:t>
             </a:r>
             <a:r>
-              <a:rPr kumimoji="1" lang="en-US" altLang="zh-CN" dirty="0" smtClean="0"/>
+              <a:rPr kumimoji="1" lang="en-US" altLang="zh-CN" dirty="0"/>
               <a:t>cache hit, </a:t>
             </a:r>
             <a:r>
-              <a:rPr kumimoji="1" lang="zh-CN" altLang="en-US" dirty="0" smtClean="0"/>
+              <a:rPr kumimoji="1" lang="zh-CN" altLang="en-US" dirty="0"/>
               <a:t>如果找不到数据，就告诉</a:t>
             </a:r>
             <a:r>
-              <a:rPr kumimoji="1" lang="en-US" altLang="zh-CN" dirty="0" smtClean="0"/>
+              <a:rPr kumimoji="1" lang="en-US" altLang="zh-CN" dirty="0"/>
               <a:t>cache controller</a:t>
             </a:r>
             <a:r>
-              <a:rPr kumimoji="1" lang="zh-CN" altLang="en-US" dirty="0" smtClean="0"/>
+              <a:rPr kumimoji="1" lang="zh-CN" altLang="en-US" dirty="0"/>
               <a:t>是一个</a:t>
             </a:r>
             <a:r>
-              <a:rPr kumimoji="1" lang="en-US" altLang="zh-CN" dirty="0" smtClean="0"/>
+              <a:rPr kumimoji="1" lang="en-US" altLang="zh-CN" dirty="0"/>
               <a:t>cache miss, </a:t>
             </a:r>
             <a:r>
-              <a:rPr kumimoji="1" lang="zh-CN" altLang="en-US" dirty="0" smtClean="0"/>
+              <a:rPr kumimoji="1" lang="zh-CN" altLang="en-US" dirty="0"/>
               <a:t>并设置一些和</a:t>
             </a:r>
             <a:r>
-              <a:rPr kumimoji="1" lang="en-US" altLang="zh-CN" dirty="0" smtClean="0"/>
+              <a:rPr kumimoji="1" lang="en-US" altLang="zh-CN" dirty="0"/>
               <a:t>miss</a:t>
             </a:r>
             <a:r>
-              <a:rPr kumimoji="1" lang="zh-CN" altLang="en-US" dirty="0" smtClean="0"/>
+              <a:rPr kumimoji="1" lang="zh-CN" altLang="en-US" dirty="0"/>
               <a:t>处理相关的一些信息。</a:t>
             </a:r>
-            <a:endParaRPr kumimoji="1" lang="en-US" altLang="zh-CN" dirty="0" smtClean="0"/>
-          </a:p>
-          <a:p>
-            <a:endParaRPr kumimoji="1" lang="en-US" altLang="zh-CN" dirty="0" smtClean="0"/>
+            <a:endParaRPr kumimoji="1" lang="en-US" altLang="zh-CN" dirty="0"/>
+          </a:p>
+          <a:p>
+            <a:endParaRPr kumimoji="1" lang="en-US" altLang="zh-CN" dirty="0"/>
           </a:p>
           <a:p>
             <a:pPr marL="0" marR="0" indent="0" algn="l" defTabSz="457200" rtl="0" eaLnBrk="1" fontAlgn="auto" latinLnBrk="0" hangingPunct="1">
@@ -1574,7 +1657,7 @@
               <a:defRPr/>
             </a:pPr>
             <a:r>
-              <a:rPr lang="zh-CN" altLang="en-US" sz="1200" b="0" i="0" u="none" strike="noStrike" kern="1200" dirty="0" smtClean="0">
+              <a:rPr lang="zh-CN" altLang="en-US" sz="1200" b="0" i="0" u="none" strike="noStrike" kern="1200" dirty="0">
                 <a:solidFill>
                   <a:schemeClr val="tx1"/>
                 </a:solidFill>
@@ -1586,7 +1669,7 @@
               <a:t>我们这次实验只是实现这个</a:t>
             </a:r>
             <a:r>
-              <a:rPr lang="en-US" altLang="zh-CN" sz="1200" b="0" i="0" u="none" strike="noStrike" kern="1200" dirty="0" smtClean="0">
+              <a:rPr lang="en-US" altLang="zh-CN" sz="1200" b="0" i="0" u="none" strike="noStrike" kern="1200" dirty="0">
                 <a:solidFill>
                   <a:schemeClr val="tx1"/>
                 </a:solidFill>
@@ -1684,76 +1767,76 @@
           <a:lstStyle/>
           <a:p>
             <a:r>
-              <a:rPr kumimoji="1" lang="zh-CN" altLang="en-US" dirty="0" smtClean="0"/>
+              <a:rPr kumimoji="1" lang="zh-CN" altLang="en-US" dirty="0"/>
               <a:t>我们要实验的</a:t>
             </a:r>
             <a:r>
-              <a:rPr kumimoji="1" lang="en-US" altLang="zh-CN" dirty="0" smtClean="0"/>
+              <a:rPr kumimoji="1" lang="en-US" altLang="zh-CN" dirty="0"/>
               <a:t>cache</a:t>
             </a:r>
           </a:p>
           <a:p>
             <a:r>
-              <a:rPr kumimoji="1" lang="zh-CN" altLang="en-US" dirty="0" smtClean="0"/>
+              <a:rPr kumimoji="1" lang="zh-CN" altLang="en-US" dirty="0"/>
               <a:t>是一个二路组关联的，</a:t>
             </a:r>
-            <a:endParaRPr kumimoji="1" lang="en-US" altLang="zh-CN" dirty="0" smtClean="0"/>
-          </a:p>
-          <a:p>
-            <a:r>
-              <a:rPr kumimoji="1" lang="zh-CN" altLang="en-US" dirty="0" smtClean="0"/>
+            <a:endParaRPr kumimoji="1" lang="en-US" altLang="zh-CN" dirty="0"/>
+          </a:p>
+          <a:p>
+            <a:r>
+              <a:rPr kumimoji="1" lang="zh-CN" altLang="en-US" dirty="0"/>
               <a:t>每个</a:t>
             </a:r>
             <a:r>
-              <a:rPr kumimoji="1" lang="en-US" altLang="zh-CN" dirty="0" err="1" smtClean="0"/>
+              <a:rPr kumimoji="1" lang="en-US" altLang="zh-CN" dirty="0" err="1"/>
               <a:t>cacheline</a:t>
             </a:r>
             <a:r>
-              <a:rPr kumimoji="1" lang="zh-CN" altLang="en-US" dirty="0" smtClean="0"/>
+              <a:rPr kumimoji="1" lang="zh-CN" altLang="en-US" dirty="0"/>
               <a:t>存放的数据位</a:t>
             </a:r>
             <a:r>
-              <a:rPr kumimoji="1" lang="en-US" altLang="zh-CN" dirty="0" smtClean="0"/>
+              <a:rPr kumimoji="1" lang="en-US" altLang="zh-CN" dirty="0"/>
               <a:t>4</a:t>
             </a:r>
             <a:r>
-              <a:rPr kumimoji="1" lang="zh-CN" altLang="en-US" dirty="0" smtClean="0"/>
+              <a:rPr kumimoji="1" lang="zh-CN" altLang="en-US" dirty="0"/>
               <a:t>个</a:t>
             </a:r>
             <a:r>
-              <a:rPr kumimoji="1" lang="en-US" altLang="zh-CN" dirty="0" smtClean="0"/>
+              <a:rPr kumimoji="1" lang="en-US" altLang="zh-CN" dirty="0"/>
               <a:t>words</a:t>
             </a:r>
           </a:p>
           <a:p>
             <a:r>
-              <a:rPr kumimoji="1" lang="zh-CN" altLang="en-US" dirty="0" smtClean="0"/>
+              <a:rPr kumimoji="1" lang="zh-CN" altLang="en-US" dirty="0"/>
               <a:t>写策略是</a:t>
             </a:r>
             <a:r>
-              <a:rPr kumimoji="1" lang="en-US" altLang="zh-CN" dirty="0" smtClean="0"/>
+              <a:rPr kumimoji="1" lang="en-US" altLang="zh-CN" dirty="0"/>
               <a:t>write back </a:t>
             </a:r>
             <a:r>
-              <a:rPr kumimoji="1" lang="zh-CN" altLang="en-US" dirty="0" smtClean="0"/>
+              <a:rPr kumimoji="1" lang="zh-CN" altLang="en-US" dirty="0"/>
               <a:t>和 </a:t>
             </a:r>
             <a:r>
-              <a:rPr kumimoji="1" lang="en-US" altLang="zh-CN" dirty="0" smtClean="0"/>
+              <a:rPr kumimoji="1" lang="en-US" altLang="zh-CN" dirty="0"/>
               <a:t>write allocate</a:t>
             </a:r>
           </a:p>
           <a:p>
             <a:r>
-              <a:rPr kumimoji="1" lang="zh-CN" altLang="en-US" dirty="0" smtClean="0"/>
+              <a:rPr kumimoji="1" lang="zh-CN" altLang="en-US" dirty="0"/>
               <a:t>替换</a:t>
             </a:r>
             <a:r>
-              <a:rPr kumimoji="1" lang="zh-CN" altLang="en-US" smtClean="0"/>
+              <a:rPr kumimoji="1" lang="zh-CN" altLang="en-US"/>
               <a:t>策略是</a:t>
             </a:r>
             <a:r>
-              <a:rPr kumimoji="1" lang="en-US" altLang="zh-CN" smtClean="0"/>
+              <a:rPr kumimoji="1" lang="en-US" altLang="zh-CN"/>
               <a:t>LRU</a:t>
             </a:r>
             <a:endParaRPr kumimoji="1" lang="zh-CN" altLang="en-US" dirty="0"/>
@@ -1841,7 +1924,7 @@
           <a:lstStyle/>
           <a:p>
             <a:r>
-              <a:rPr lang="zh-CN" altLang="en-US" sz="1200" b="0" i="0" u="none" strike="noStrike" kern="1200" dirty="0" smtClean="0">
+              <a:rPr lang="zh-CN" altLang="en-US" sz="1200" b="0" i="0" u="none" strike="noStrike" kern="1200" dirty="0">
                 <a:solidFill>
                   <a:schemeClr val="tx1"/>
                 </a:solidFill>
@@ -1853,7 +1936,7 @@
               <a:t>首先看一下一个</a:t>
             </a:r>
             <a:r>
-              <a:rPr lang="en-US" altLang="zh-CN" sz="1200" b="0" i="0" u="none" strike="noStrike" kern="1200" dirty="0" smtClean="0">
+              <a:rPr lang="en-US" altLang="zh-CN" sz="1200" b="0" i="0" u="none" strike="noStrike" kern="1200" dirty="0">
                 <a:solidFill>
                   <a:schemeClr val="tx1"/>
                 </a:solidFill>
@@ -1865,7 +1948,7 @@
               <a:t>cache line</a:t>
             </a:r>
             <a:r>
-              <a:rPr lang="zh-CN" altLang="en-US" sz="1200" b="0" i="0" u="none" strike="noStrike" kern="1200" dirty="0" smtClean="0">
+              <a:rPr lang="zh-CN" altLang="en-US" sz="1200" b="0" i="0" u="none" strike="noStrike" kern="1200" dirty="0">
                 <a:solidFill>
                   <a:schemeClr val="tx1"/>
                 </a:solidFill>
@@ -1879,7 +1962,7 @@
           </a:p>
           <a:p>
             <a:r>
-              <a:rPr lang="zh-CN" altLang="en-US" sz="1200" b="0" i="0" u="none" strike="noStrike" kern="1200" dirty="0" smtClean="0">
+              <a:rPr lang="zh-CN" altLang="en-US" sz="1200" b="0" i="0" u="none" strike="noStrike" kern="1200" dirty="0">
                 <a:solidFill>
                   <a:schemeClr val="tx1"/>
                 </a:solidFill>
@@ -1891,7 +1974,7 @@
               <a:t>在这个实验里呢，我们是有</a:t>
             </a:r>
             <a:r>
-              <a:rPr lang="en-US" altLang="zh-CN" sz="1200" b="0" i="0" u="none" strike="noStrike" kern="1200" dirty="0" smtClean="0">
+              <a:rPr lang="en-US" altLang="zh-CN" sz="1200" b="0" i="0" u="none" strike="noStrike" kern="1200" dirty="0">
                 <a:solidFill>
                   <a:schemeClr val="tx1"/>
                 </a:solidFill>
@@ -1903,7 +1986,7 @@
               <a:t>LRU, valid, dirty</a:t>
             </a:r>
             <a:r>
-              <a:rPr lang="zh-CN" altLang="en-US" sz="1200" b="0" i="0" u="none" strike="noStrike" kern="1200" dirty="0" smtClean="0">
+              <a:rPr lang="zh-CN" altLang="en-US" sz="1200" b="0" i="0" u="none" strike="noStrike" kern="1200" dirty="0">
                 <a:solidFill>
                   <a:schemeClr val="tx1"/>
                 </a:solidFill>
@@ -1917,7 +2000,7 @@
           </a:p>
           <a:p>
             <a:r>
-              <a:rPr lang="en-US" altLang="zh-CN" sz="1200" b="0" i="0" u="none" strike="noStrike" kern="1200" dirty="0" smtClean="0">
+              <a:rPr lang="en-US" altLang="zh-CN" sz="1200" b="0" i="0" u="none" strike="noStrike" kern="1200" dirty="0">
                 <a:solidFill>
                   <a:schemeClr val="tx1"/>
                 </a:solidFill>
@@ -1929,7 +2012,7 @@
               <a:t>LRU</a:t>
             </a:r>
             <a:r>
-              <a:rPr lang="zh-CN" altLang="en-US" sz="1200" b="0" i="0" u="none" strike="noStrike" kern="1200" dirty="0" smtClean="0">
+              <a:rPr lang="zh-CN" altLang="en-US" sz="1200" b="0" i="0" u="none" strike="noStrike" kern="1200" dirty="0">
                 <a:solidFill>
                   <a:schemeClr val="tx1"/>
                 </a:solidFill>
@@ -1941,7 +2024,7 @@
               <a:t>是在</a:t>
             </a:r>
             <a:r>
-              <a:rPr lang="en-US" altLang="zh-CN" sz="1200" b="0" i="0" u="none" strike="noStrike" kern="1200" dirty="0" smtClean="0">
+              <a:rPr lang="en-US" altLang="zh-CN" sz="1200" b="0" i="0" u="none" strike="noStrike" kern="1200" dirty="0">
                 <a:solidFill>
                   <a:schemeClr val="tx1"/>
                 </a:solidFill>
@@ -1953,7 +2036,7 @@
               <a:t>cache</a:t>
             </a:r>
             <a:r>
-              <a:rPr lang="zh-CN" altLang="en-US" sz="1200" b="0" i="0" u="none" strike="noStrike" kern="1200" dirty="0" smtClean="0">
+              <a:rPr lang="zh-CN" altLang="en-US" sz="1200" b="0" i="0" u="none" strike="noStrike" kern="1200" dirty="0">
                 <a:solidFill>
                   <a:schemeClr val="tx1"/>
                 </a:solidFill>
@@ -1965,7 +2048,7 @@
               <a:t>数据替换时替换哪一个</a:t>
             </a:r>
             <a:r>
-              <a:rPr lang="en-US" altLang="zh-CN" sz="1200" b="0" i="0" u="none" strike="noStrike" kern="1200" dirty="0" smtClean="0">
+              <a:rPr lang="en-US" altLang="zh-CN" sz="1200" b="0" i="0" u="none" strike="noStrike" kern="1200" dirty="0">
                 <a:solidFill>
                   <a:schemeClr val="tx1"/>
                 </a:solidFill>
@@ -1977,7 +2060,7 @@
               <a:t>set</a:t>
             </a:r>
             <a:r>
-              <a:rPr lang="zh-CN" altLang="en-US" sz="1200" b="0" i="0" u="none" strike="noStrike" kern="1200" dirty="0" smtClean="0">
+              <a:rPr lang="zh-CN" altLang="en-US" sz="1200" b="0" i="0" u="none" strike="noStrike" kern="1200" dirty="0">
                 <a:solidFill>
                   <a:schemeClr val="tx1"/>
                 </a:solidFill>
@@ -1991,7 +2074,7 @@
           </a:p>
           <a:p>
             <a:r>
-              <a:rPr lang="en-US" altLang="zh-CN" sz="1200" b="0" i="0" u="none" strike="noStrike" kern="1200" dirty="0" smtClean="0">
+              <a:rPr lang="en-US" altLang="zh-CN" sz="1200" b="0" i="0" u="none" strike="noStrike" kern="1200" dirty="0">
                 <a:solidFill>
                   <a:schemeClr val="tx1"/>
                 </a:solidFill>
@@ -2005,7 +2088,7 @@
           </a:p>
           <a:p>
             <a:r>
-              <a:rPr lang="en-US" altLang="zh-CN" sz="1200" b="0" i="0" u="none" strike="noStrike" kern="1200" dirty="0" smtClean="0">
+              <a:rPr lang="en-US" altLang="zh-CN" sz="1200" b="0" i="0" u="none" strike="noStrike" kern="1200" dirty="0">
                 <a:solidFill>
                   <a:schemeClr val="tx1"/>
                 </a:solidFill>
@@ -2019,7 +2102,7 @@
           </a:p>
           <a:p>
             <a:r>
-              <a:rPr lang="zh-CN" altLang="en-US" sz="1200" b="0" i="0" u="none" strike="noStrike" kern="1200" dirty="0" smtClean="0">
+              <a:rPr lang="zh-CN" altLang="en-US" sz="1200" b="0" i="0" u="none" strike="noStrike" kern="1200" dirty="0">
                 <a:solidFill>
                   <a:schemeClr val="tx1"/>
                 </a:solidFill>
@@ -2031,7 +2114,7 @@
               <a:t>这里</a:t>
             </a:r>
             <a:r>
-              <a:rPr lang="en-US" altLang="zh-CN" sz="1200" b="0" i="0" u="none" strike="noStrike" kern="1200" dirty="0" smtClean="0">
+              <a:rPr lang="en-US" altLang="zh-CN" sz="1200" b="0" i="0" u="none" strike="noStrike" kern="1200" dirty="0">
                 <a:solidFill>
                   <a:schemeClr val="tx1"/>
                 </a:solidFill>
@@ -2043,7 +2126,7 @@
               <a:t>Data</a:t>
             </a:r>
             <a:r>
-              <a:rPr lang="zh-CN" altLang="en-US" sz="1200" b="0" i="0" u="none" strike="noStrike" kern="1200" dirty="0" smtClean="0">
+              <a:rPr lang="zh-CN" altLang="en-US" sz="1200" b="0" i="0" u="none" strike="noStrike" kern="1200" dirty="0">
                 <a:solidFill>
                   <a:schemeClr val="tx1"/>
                 </a:solidFill>
@@ -2055,7 +2138,7 @@
               <a:t>有</a:t>
             </a:r>
             <a:r>
-              <a:rPr lang="en-US" altLang="zh-CN" sz="1200" b="0" i="0" u="none" strike="noStrike" kern="1200" dirty="0" smtClean="0">
+              <a:rPr lang="en-US" altLang="zh-CN" sz="1200" b="0" i="0" u="none" strike="noStrike" kern="1200" dirty="0">
                 <a:solidFill>
                   <a:schemeClr val="tx1"/>
                 </a:solidFill>
@@ -2067,7 +2150,7 @@
               <a:t>4</a:t>
             </a:r>
             <a:r>
-              <a:rPr lang="zh-CN" altLang="en-US" sz="1200" b="0" i="0" u="none" strike="noStrike" kern="1200" dirty="0" smtClean="0">
+              <a:rPr lang="zh-CN" altLang="en-US" sz="1200" b="0" i="0" u="none" strike="noStrike" kern="1200" dirty="0">
                 <a:solidFill>
                   <a:schemeClr val="tx1"/>
                 </a:solidFill>
@@ -2079,7 +2162,7 @@
               <a:t>个</a:t>
             </a:r>
             <a:r>
-              <a:rPr lang="en-US" altLang="zh-CN" sz="1200" b="0" i="0" u="none" strike="noStrike" kern="1200" dirty="0" smtClean="0">
+              <a:rPr lang="en-US" altLang="zh-CN" sz="1200" b="0" i="0" u="none" strike="noStrike" kern="1200" dirty="0">
                 <a:solidFill>
                   <a:schemeClr val="tx1"/>
                 </a:solidFill>
@@ -2177,7 +2260,7 @@
           <a:lstStyle/>
           <a:p>
             <a:r>
-              <a:rPr lang="en-US" altLang="zh-CN" sz="1200" b="0" i="0" u="none" strike="noStrike" kern="1200" dirty="0" smtClean="0">
+              <a:rPr lang="en-US" altLang="zh-CN" sz="1200" b="0" i="0" u="none" strike="noStrike" kern="1200" dirty="0">
                 <a:solidFill>
                   <a:schemeClr val="tx1"/>
                 </a:solidFill>
@@ -2189,7 +2272,7 @@
               <a:t>ok, </a:t>
             </a:r>
             <a:r>
-              <a:rPr lang="zh-CN" altLang="en-US" sz="1200" b="0" i="0" u="none" strike="noStrike" kern="1200" dirty="0" smtClean="0">
+              <a:rPr lang="zh-CN" altLang="en-US" sz="1200" b="0" i="0" u="none" strike="noStrike" kern="1200" dirty="0">
                 <a:solidFill>
                   <a:schemeClr val="tx1"/>
                 </a:solidFill>
@@ -2201,7 +2284,7 @@
               <a:t>然后看一下从</a:t>
             </a:r>
             <a:r>
-              <a:rPr lang="en-US" altLang="zh-CN" sz="1200" b="0" i="0" u="none" strike="noStrike" kern="1200" dirty="0" smtClean="0">
+              <a:rPr lang="en-US" altLang="zh-CN" sz="1200" b="0" i="0" u="none" strike="noStrike" kern="1200" dirty="0">
                 <a:solidFill>
                   <a:schemeClr val="tx1"/>
                 </a:solidFill>
@@ -2213,7 +2296,7 @@
               <a:t>cache</a:t>
             </a:r>
             <a:r>
-              <a:rPr lang="zh-CN" altLang="en-US" sz="1200" b="0" i="0" u="none" strike="noStrike" kern="1200" dirty="0" smtClean="0">
+              <a:rPr lang="zh-CN" altLang="en-US" sz="1200" b="0" i="0" u="none" strike="noStrike" kern="1200" dirty="0">
                 <a:solidFill>
                   <a:schemeClr val="tx1"/>
                 </a:solidFill>
@@ -2227,7 +2310,7 @@
           </a:p>
           <a:p>
             <a:r>
-              <a:rPr lang="en-US" altLang="zh-CN" sz="1200" b="0" i="0" u="none" strike="noStrike" kern="1200" dirty="0" smtClean="0">
+              <a:rPr lang="en-US" altLang="zh-CN" sz="1200" b="0" i="0" u="none" strike="noStrike" kern="1200" dirty="0">
                 <a:solidFill>
                   <a:schemeClr val="tx1"/>
                 </a:solidFill>
@@ -2239,7 +2322,7 @@
               <a:t>byte offset</a:t>
             </a:r>
             <a:r>
-              <a:rPr lang="zh-CN" altLang="en-US" sz="1200" b="0" i="0" u="none" strike="noStrike" kern="1200" dirty="0" smtClean="0">
+              <a:rPr lang="zh-CN" altLang="en-US" sz="1200" b="0" i="0" u="none" strike="noStrike" kern="1200" dirty="0">
                 <a:solidFill>
                   <a:schemeClr val="tx1"/>
                 </a:solidFill>
@@ -2251,7 +2334,7 @@
               <a:t>是字节偏移</a:t>
             </a:r>
             <a:r>
-              <a:rPr lang="en-US" altLang="zh-CN" sz="1200" b="0" i="0" u="none" strike="noStrike" kern="1200" dirty="0" smtClean="0">
+              <a:rPr lang="en-US" altLang="zh-CN" sz="1200" b="0" i="0" u="none" strike="noStrike" kern="1200" dirty="0">
                 <a:solidFill>
                   <a:schemeClr val="tx1"/>
                 </a:solidFill>
@@ -2263,7 +2346,7 @@
               <a:t>, word offset</a:t>
             </a:r>
             <a:r>
-              <a:rPr lang="zh-CN" altLang="en-US" sz="1200" b="0" i="0" u="none" strike="noStrike" kern="1200" dirty="0" smtClean="0">
+              <a:rPr lang="zh-CN" altLang="en-US" sz="1200" b="0" i="0" u="none" strike="noStrike" kern="1200" dirty="0">
                 <a:solidFill>
                   <a:schemeClr val="tx1"/>
                 </a:solidFill>
@@ -2275,7 +2358,7 @@
               <a:t>是</a:t>
             </a:r>
             <a:r>
-              <a:rPr lang="en-US" altLang="zh-CN" sz="1200" b="0" i="0" u="none" strike="noStrike" kern="1200" dirty="0" smtClean="0">
+              <a:rPr lang="en-US" altLang="zh-CN" sz="1200" b="0" i="0" u="none" strike="noStrike" kern="1200" dirty="0">
                 <a:solidFill>
                   <a:schemeClr val="tx1"/>
                 </a:solidFill>
@@ -2287,7 +2370,7 @@
               <a:t>word</a:t>
             </a:r>
             <a:r>
-              <a:rPr lang="zh-CN" altLang="en-US" sz="1200" b="0" i="0" u="none" strike="noStrike" kern="1200" dirty="0" smtClean="0">
+              <a:rPr lang="zh-CN" altLang="en-US" sz="1200" b="0" i="0" u="none" strike="noStrike" kern="1200" dirty="0">
                 <a:solidFill>
                   <a:schemeClr val="tx1"/>
                 </a:solidFill>
@@ -2301,7 +2384,7 @@
           </a:p>
           <a:p>
             <a:r>
-              <a:rPr lang="zh-CN" altLang="en-US" sz="1200" b="0" i="0" u="none" strike="noStrike" kern="1200" dirty="0" smtClean="0">
+              <a:rPr lang="zh-CN" altLang="en-US" sz="1200" b="0" i="0" u="none" strike="noStrike" kern="1200" dirty="0">
                 <a:solidFill>
                   <a:schemeClr val="tx1"/>
                 </a:solidFill>
@@ -2313,7 +2396,7 @@
               <a:t>我们的一个</a:t>
             </a:r>
             <a:r>
-              <a:rPr lang="en-US" altLang="zh-CN" sz="1200" b="0" i="0" u="none" strike="noStrike" kern="1200" dirty="0" smtClean="0">
+              <a:rPr lang="en-US" altLang="zh-CN" sz="1200" b="0" i="0" u="none" strike="noStrike" kern="1200" dirty="0">
                 <a:solidFill>
                   <a:schemeClr val="tx1"/>
                 </a:solidFill>
@@ -2325,7 +2408,7 @@
               <a:t>cache line</a:t>
             </a:r>
             <a:r>
-              <a:rPr lang="zh-CN" altLang="en-US" sz="1200" b="0" i="0" u="none" strike="noStrike" kern="1200" dirty="0" smtClean="0">
+              <a:rPr lang="zh-CN" altLang="en-US" sz="1200" b="0" i="0" u="none" strike="noStrike" kern="1200" dirty="0">
                 <a:solidFill>
                   <a:schemeClr val="tx1"/>
                 </a:solidFill>
@@ -2337,7 +2420,7 @@
               <a:t>里面放的数据是</a:t>
             </a:r>
             <a:r>
-              <a:rPr lang="en-US" altLang="zh-CN" sz="1200" b="0" i="0" u="none" strike="noStrike" kern="1200" dirty="0" smtClean="0">
+              <a:rPr lang="en-US" altLang="zh-CN" sz="1200" b="0" i="0" u="none" strike="noStrike" kern="1200" dirty="0">
                 <a:solidFill>
                   <a:schemeClr val="tx1"/>
                 </a:solidFill>
@@ -2349,7 +2432,7 @@
               <a:t>4</a:t>
             </a:r>
             <a:r>
-              <a:rPr lang="zh-CN" altLang="en-US" sz="1200" b="0" i="0" u="none" strike="noStrike" kern="1200" dirty="0" smtClean="0">
+              <a:rPr lang="zh-CN" altLang="en-US" sz="1200" b="0" i="0" u="none" strike="noStrike" kern="1200" dirty="0">
                 <a:solidFill>
                   <a:schemeClr val="tx1"/>
                 </a:solidFill>
@@ -2361,7 +2444,7 @@
               <a:t>个</a:t>
             </a:r>
             <a:r>
-              <a:rPr lang="en-US" altLang="zh-CN" sz="1200" b="0" i="0" u="none" strike="noStrike" kern="1200" dirty="0" smtClean="0">
+              <a:rPr lang="en-US" altLang="zh-CN" sz="1200" b="0" i="0" u="none" strike="noStrike" kern="1200" dirty="0">
                 <a:solidFill>
                   <a:schemeClr val="tx1"/>
                 </a:solidFill>
@@ -2373,7 +2456,7 @@
               <a:t>word, </a:t>
             </a:r>
             <a:r>
-              <a:rPr lang="zh-CN" altLang="en-US" sz="1200" b="0" i="0" u="none" strike="noStrike" kern="1200" dirty="0" smtClean="0">
+              <a:rPr lang="zh-CN" altLang="en-US" sz="1200" b="0" i="0" u="none" strike="noStrike" kern="1200" dirty="0">
                 <a:solidFill>
                   <a:schemeClr val="tx1"/>
                 </a:solidFill>
@@ -2385,7 +2468,7 @@
               <a:t>实际传给</a:t>
             </a:r>
             <a:r>
-              <a:rPr lang="en-US" altLang="zh-CN" sz="1200" b="0" i="0" u="none" strike="noStrike" kern="1200" dirty="0" smtClean="0">
+              <a:rPr lang="en-US" altLang="zh-CN" sz="1200" b="0" i="0" u="none" strike="noStrike" kern="1200" dirty="0">
                 <a:solidFill>
                   <a:schemeClr val="tx1"/>
                 </a:solidFill>
@@ -2397,7 +2480,7 @@
               <a:t>core</a:t>
             </a:r>
             <a:r>
-              <a:rPr lang="zh-CN" altLang="en-US" sz="1200" b="0" i="0" u="none" strike="noStrike" kern="1200" dirty="0" smtClean="0">
+              <a:rPr lang="zh-CN" altLang="en-US" sz="1200" b="0" i="0" u="none" strike="noStrike" kern="1200" dirty="0">
                 <a:solidFill>
                   <a:schemeClr val="tx1"/>
                 </a:solidFill>
@@ -2409,7 +2492,7 @@
               <a:t>是传一个</a:t>
             </a:r>
             <a:r>
-              <a:rPr lang="en-US" altLang="zh-CN" sz="1200" b="0" i="0" u="none" strike="noStrike" kern="1200" dirty="0" smtClean="0">
+              <a:rPr lang="en-US" altLang="zh-CN" sz="1200" b="0" i="0" u="none" strike="noStrike" kern="1200" dirty="0">
                 <a:solidFill>
                   <a:schemeClr val="tx1"/>
                 </a:solidFill>
@@ -2421,7 +2504,7 @@
               <a:t>word, </a:t>
             </a:r>
             <a:r>
-              <a:rPr lang="zh-CN" altLang="en-US" sz="1200" b="0" i="0" u="none" strike="noStrike" kern="1200" dirty="0" smtClean="0">
+              <a:rPr lang="zh-CN" altLang="en-US" sz="1200" b="0" i="0" u="none" strike="noStrike" kern="1200" dirty="0">
                 <a:solidFill>
                   <a:schemeClr val="tx1"/>
                 </a:solidFill>
@@ -2433,7 +2516,7 @@
               <a:t>这个</a:t>
             </a:r>
             <a:r>
-              <a:rPr lang="en-US" altLang="zh-CN" sz="1200" b="0" i="0" u="none" strike="noStrike" kern="1200" dirty="0" smtClean="0">
+              <a:rPr lang="en-US" altLang="zh-CN" sz="1200" b="0" i="0" u="none" strike="noStrike" kern="1200" dirty="0">
                 <a:solidFill>
                   <a:schemeClr val="tx1"/>
                 </a:solidFill>
@@ -2445,7 +2528,7 @@
               <a:t>offset</a:t>
             </a:r>
             <a:r>
-              <a:rPr lang="zh-CN" altLang="en-US" sz="1200" b="0" i="0" u="none" strike="noStrike" kern="1200" dirty="0" smtClean="0">
+              <a:rPr lang="zh-CN" altLang="en-US" sz="1200" b="0" i="0" u="none" strike="noStrike" kern="1200" dirty="0">
                 <a:solidFill>
                   <a:schemeClr val="tx1"/>
                 </a:solidFill>
@@ -2457,7 +2540,7 @@
               <a:t>表明是哪一个</a:t>
             </a:r>
             <a:r>
-              <a:rPr lang="en-US" altLang="zh-CN" sz="1200" b="0" i="0" u="none" strike="noStrike" kern="1200" dirty="0" smtClean="0">
+              <a:rPr lang="en-US" altLang="zh-CN" sz="1200" b="0" i="0" u="none" strike="noStrike" kern="1200" dirty="0">
                 <a:solidFill>
                   <a:schemeClr val="tx1"/>
                 </a:solidFill>
@@ -2471,7 +2554,7 @@
           </a:p>
           <a:p>
             <a:r>
-              <a:rPr lang="en-US" altLang="zh-CN" sz="1200" b="0" i="0" u="none" strike="noStrike" kern="1200" dirty="0" smtClean="0">
+              <a:rPr lang="en-US" altLang="zh-CN" sz="1200" b="0" i="0" u="none" strike="noStrike" kern="1200" dirty="0">
                 <a:solidFill>
                   <a:schemeClr val="tx1"/>
                 </a:solidFill>
@@ -2483,7 +2566,7 @@
               <a:t>index</a:t>
             </a:r>
             <a:r>
-              <a:rPr lang="zh-CN" altLang="en-US" sz="1200" b="0" i="0" u="none" strike="noStrike" kern="1200" dirty="0" smtClean="0">
+              <a:rPr lang="zh-CN" altLang="en-US" sz="1200" b="0" i="0" u="none" strike="noStrike" kern="1200" dirty="0">
                 <a:solidFill>
                   <a:schemeClr val="tx1"/>
                 </a:solidFill>
@@ -2495,7 +2578,7 @@
               <a:t>是用来索引的，一个</a:t>
             </a:r>
             <a:r>
-              <a:rPr lang="en-US" altLang="zh-CN" sz="1200" b="0" i="0" u="none" strike="noStrike" kern="1200" dirty="0" smtClean="0">
+              <a:rPr lang="en-US" altLang="zh-CN" sz="1200" b="0" i="0" u="none" strike="noStrike" kern="1200" dirty="0">
                 <a:solidFill>
                   <a:schemeClr val="tx1"/>
                 </a:solidFill>
@@ -2507,7 +2590,7 @@
               <a:t>index</a:t>
             </a:r>
             <a:r>
-              <a:rPr lang="zh-CN" altLang="en-US" sz="1200" b="0" i="0" u="none" strike="noStrike" kern="1200" dirty="0" smtClean="0">
+              <a:rPr lang="zh-CN" altLang="en-US" sz="1200" b="0" i="0" u="none" strike="noStrike" kern="1200" dirty="0">
                 <a:solidFill>
                   <a:schemeClr val="tx1"/>
                 </a:solidFill>
@@ -2519,7 +2602,7 @@
               <a:t>对应了</a:t>
             </a:r>
             <a:r>
-              <a:rPr lang="en-US" altLang="zh-CN" sz="1200" b="0" i="0" u="none" strike="noStrike" kern="1200" dirty="0" smtClean="0">
+              <a:rPr lang="en-US" altLang="zh-CN" sz="1200" b="0" i="0" u="none" strike="noStrike" kern="1200" dirty="0">
                 <a:solidFill>
                   <a:schemeClr val="tx1"/>
                 </a:solidFill>
@@ -2531,7 +2614,7 @@
               <a:t>cache</a:t>
             </a:r>
             <a:r>
-              <a:rPr lang="zh-CN" altLang="en-US" sz="1200" b="0" i="0" u="none" strike="noStrike" kern="1200" dirty="0" smtClean="0">
+              <a:rPr lang="zh-CN" altLang="en-US" sz="1200" b="0" i="0" u="none" strike="noStrike" kern="1200" dirty="0">
                 <a:solidFill>
                   <a:schemeClr val="tx1"/>
                 </a:solidFill>
@@ -2543,7 +2626,7 @@
               <a:t>中的一个</a:t>
             </a:r>
             <a:r>
-              <a:rPr lang="en-US" altLang="zh-CN" sz="1200" b="0" i="0" u="none" strike="noStrike" kern="1200" dirty="0" smtClean="0">
+              <a:rPr lang="en-US" altLang="zh-CN" sz="1200" b="0" i="0" u="none" strike="noStrike" kern="1200" dirty="0">
                 <a:solidFill>
                   <a:schemeClr val="tx1"/>
                 </a:solidFill>
@@ -2556,78 +2639,77 @@
             </a:r>
           </a:p>
           <a:p>
-            <a:endParaRPr kumimoji="1" lang="en-US" altLang="zh-CN" dirty="0" smtClean="0"/>
-          </a:p>
-          <a:p>
-            <a:r>
-              <a:rPr kumimoji="1" lang="zh-CN" altLang="en-US" dirty="0" smtClean="0"/>
+            <a:endParaRPr kumimoji="1" lang="en-US" altLang="zh-CN" dirty="0"/>
+          </a:p>
+          <a:p>
+            <a:r>
+              <a:rPr kumimoji="1" lang="zh-CN" altLang="en-US" dirty="0"/>
               <a:t>根据</a:t>
             </a:r>
             <a:r>
-              <a:rPr kumimoji="1" lang="en-US" altLang="zh-CN" dirty="0" smtClean="0"/>
+              <a:rPr kumimoji="1" lang="en-US" altLang="zh-CN" dirty="0"/>
               <a:t>index</a:t>
             </a:r>
             <a:r>
-              <a:rPr kumimoji="1" lang="zh-CN" altLang="en-US" dirty="0" smtClean="0"/>
+              <a:rPr kumimoji="1" lang="zh-CN" altLang="en-US" dirty="0"/>
               <a:t>确定</a:t>
             </a:r>
             <a:r>
-              <a:rPr kumimoji="1" lang="en-US" altLang="zh-CN" dirty="0" smtClean="0"/>
+              <a:rPr kumimoji="1" lang="en-US" altLang="zh-CN" dirty="0"/>
               <a:t>cache</a:t>
             </a:r>
             <a:r>
-              <a:rPr kumimoji="1" lang="zh-CN" altLang="en-US" dirty="0" smtClean="0"/>
+              <a:rPr kumimoji="1" lang="zh-CN" altLang="en-US" dirty="0"/>
               <a:t>里面的一个</a:t>
             </a:r>
             <a:r>
-              <a:rPr kumimoji="1" lang="en-US" altLang="zh-CN" dirty="0" smtClean="0"/>
+              <a:rPr kumimoji="1" lang="en-US" altLang="zh-CN" dirty="0"/>
               <a:t>set, </a:t>
             </a:r>
             <a:r>
-              <a:rPr kumimoji="1" lang="zh-CN" altLang="en-US" dirty="0" smtClean="0"/>
+              <a:rPr kumimoji="1" lang="zh-CN" altLang="en-US" dirty="0"/>
               <a:t>根据</a:t>
             </a:r>
             <a:r>
-              <a:rPr kumimoji="1" lang="en-US" altLang="zh-CN" dirty="0" smtClean="0"/>
+              <a:rPr kumimoji="1" lang="en-US" altLang="zh-CN" dirty="0"/>
               <a:t>word offset</a:t>
             </a:r>
             <a:r>
-              <a:rPr kumimoji="1" lang="zh-CN" altLang="en-US" dirty="0" smtClean="0"/>
+              <a:rPr kumimoji="1" lang="zh-CN" altLang="en-US" dirty="0"/>
               <a:t>确定</a:t>
             </a:r>
             <a:r>
-              <a:rPr kumimoji="1" lang="en-US" altLang="zh-CN" dirty="0" smtClean="0"/>
+              <a:rPr kumimoji="1" lang="en-US" altLang="zh-CN" dirty="0"/>
               <a:t>Data</a:t>
             </a:r>
             <a:r>
-              <a:rPr kumimoji="1" lang="zh-CN" altLang="en-US" dirty="0" smtClean="0"/>
+              <a:rPr kumimoji="1" lang="zh-CN" altLang="en-US" dirty="0"/>
               <a:t>中的某一位，根据</a:t>
             </a:r>
             <a:r>
-              <a:rPr kumimoji="1" lang="en-US" altLang="zh-CN" dirty="0" smtClean="0"/>
+              <a:rPr kumimoji="1" lang="en-US" altLang="zh-CN" dirty="0"/>
               <a:t>tag</a:t>
             </a:r>
             <a:r>
-              <a:rPr kumimoji="1" lang="zh-CN" altLang="en-US" dirty="0" smtClean="0"/>
+              <a:rPr kumimoji="1" lang="zh-CN" altLang="en-US" dirty="0"/>
               <a:t>和</a:t>
             </a:r>
             <a:r>
-              <a:rPr kumimoji="1" lang="en-US" altLang="zh-CN" dirty="0" smtClean="0"/>
+              <a:rPr kumimoji="1" lang="en-US" altLang="zh-CN" dirty="0"/>
               <a:t>valid</a:t>
             </a:r>
             <a:r>
-              <a:rPr kumimoji="1" lang="zh-CN" altLang="en-US" dirty="0" smtClean="0"/>
+              <a:rPr kumimoji="1" lang="zh-CN" altLang="en-US" dirty="0"/>
               <a:t>信息确定哪一个</a:t>
             </a:r>
             <a:r>
-              <a:rPr kumimoji="1" lang="en-US" altLang="zh-CN" dirty="0" smtClean="0"/>
+              <a:rPr kumimoji="1" lang="en-US" altLang="zh-CN" dirty="0"/>
               <a:t>way</a:t>
             </a:r>
             <a:r>
-              <a:rPr kumimoji="1" lang="zh-CN" altLang="en-US" dirty="0" smtClean="0"/>
+              <a:rPr kumimoji="1" lang="zh-CN" altLang="en-US" dirty="0"/>
               <a:t>的数据</a:t>
             </a:r>
-            <a:endParaRPr kumimoji="1" lang="zh-CN" altLang="en-US" dirty="0"/>
           </a:p>
         </p:txBody>
       </p:sp>
@@ -2729,7 +2811,7 @@
               <a:defRPr/>
             </a:pPr>
             <a:r>
-              <a:rPr lang="zh-CN" altLang="en-US" sz="1200" b="0" i="0" u="none" strike="noStrike" kern="1200" dirty="0" smtClean="0">
+              <a:rPr lang="zh-CN" altLang="en-US" sz="1200" b="0" i="0" u="none" strike="noStrike" kern="1200" dirty="0">
                 <a:solidFill>
                   <a:schemeClr val="tx1"/>
                 </a:solidFill>
@@ -2743,7 +2825,7 @@
           </a:p>
           <a:p>
             <a:r>
-              <a:rPr lang="zh-CN" altLang="en-US" sz="1200" b="0" i="0" u="none" strike="noStrike" kern="1200" dirty="0" smtClean="0">
+              <a:rPr lang="zh-CN" altLang="en-US" sz="1200" b="0" i="0" u="none" strike="noStrike" kern="1200" dirty="0">
                 <a:solidFill>
                   <a:schemeClr val="tx1"/>
                 </a:solidFill>
@@ -2755,7 +2837,7 @@
               <a:t>要注意一下这个代码里面</a:t>
             </a:r>
             <a:r>
-              <a:rPr lang="en-US" altLang="zh-CN" sz="1200" b="0" i="0" u="none" strike="noStrike" kern="1200" dirty="0" smtClean="0">
+              <a:rPr lang="en-US" altLang="zh-CN" sz="1200" b="0" i="0" u="none" strike="noStrike" kern="1200" dirty="0">
                 <a:solidFill>
                   <a:schemeClr val="tx1"/>
                 </a:solidFill>
@@ -2767,7 +2849,7 @@
               <a:t>edit</a:t>
             </a:r>
             <a:r>
-              <a:rPr lang="zh-CN" altLang="en-US" sz="1200" b="0" i="0" u="none" strike="noStrike" kern="1200" dirty="0" smtClean="0">
+              <a:rPr lang="zh-CN" altLang="en-US" sz="1200" b="0" i="0" u="none" strike="noStrike" kern="1200" dirty="0">
                 <a:solidFill>
                   <a:schemeClr val="tx1"/>
                 </a:solidFill>
@@ -2779,7 +2861,7 @@
               <a:t>是写的意思，</a:t>
             </a:r>
             <a:r>
-              <a:rPr lang="en-US" altLang="zh-CN" sz="1200" b="0" i="0" u="none" strike="noStrike" kern="1200" dirty="0" smtClean="0">
+              <a:rPr lang="en-US" altLang="zh-CN" sz="1200" b="0" i="0" u="none" strike="noStrike" kern="1200" dirty="0">
                 <a:solidFill>
                   <a:schemeClr val="tx1"/>
                 </a:solidFill>
@@ -2791,7 +2873,7 @@
               <a:t>store</a:t>
             </a:r>
             <a:r>
-              <a:rPr lang="zh-CN" altLang="en-US" sz="1200" b="0" i="0" u="none" strike="noStrike" kern="1200" dirty="0" smtClean="0">
+              <a:rPr lang="zh-CN" altLang="en-US" sz="1200" b="0" i="0" u="none" strike="noStrike" kern="1200" dirty="0">
                 <a:solidFill>
                   <a:schemeClr val="tx1"/>
                 </a:solidFill>
@@ -2803,7 +2885,7 @@
               <a:t>是</a:t>
             </a:r>
             <a:r>
-              <a:rPr lang="en-US" altLang="zh-CN" sz="1200" b="0" i="0" u="none" strike="noStrike" kern="1200" dirty="0" smtClean="0">
+              <a:rPr lang="en-US" altLang="zh-CN" sz="1200" b="0" i="0" u="none" strike="noStrike" kern="1200" dirty="0">
                 <a:solidFill>
                   <a:schemeClr val="tx1"/>
                 </a:solidFill>
@@ -2815,7 +2897,7 @@
               <a:t>replace</a:t>
             </a:r>
             <a:r>
-              <a:rPr lang="zh-CN" altLang="en-US" sz="1200" b="0" i="0" u="none" strike="noStrike" kern="1200" dirty="0" smtClean="0">
+              <a:rPr lang="zh-CN" altLang="en-US" sz="1200" b="0" i="0" u="none" strike="noStrike" kern="1200" dirty="0">
                 <a:solidFill>
                   <a:schemeClr val="tx1"/>
                 </a:solidFill>
@@ -2826,7 +2908,7 @@
               </a:rPr>
               <a:t>的意思</a:t>
             </a:r>
-            <a:endParaRPr lang="en-US" altLang="zh-CN" sz="1200" b="0" i="0" u="none" strike="noStrike" kern="1200" dirty="0" smtClean="0">
+            <a:endParaRPr lang="en-US" altLang="zh-CN" sz="1200" b="0" i="0" u="none" strike="noStrike" kern="1200" dirty="0">
               <a:solidFill>
                 <a:schemeClr val="tx1"/>
               </a:solidFill>
@@ -2838,7 +2920,7 @@
           </a:p>
           <a:p>
             <a:r>
-              <a:rPr lang="en-US" altLang="zh-CN" sz="1200" b="0" i="0" u="none" strike="noStrike" kern="1200" dirty="0" err="1" smtClean="0">
+              <a:rPr lang="en-US" altLang="zh-CN" sz="1200" b="0" i="0" u="none" strike="noStrike" kern="1200" dirty="0" err="1">
                 <a:solidFill>
                   <a:schemeClr val="tx1"/>
                 </a:solidFill>
@@ -2850,7 +2932,7 @@
               <a:t>u_b_h_w</a:t>
             </a:r>
             <a:r>
-              <a:rPr lang="zh-CN" altLang="en-US" sz="1200" b="0" i="0" u="none" strike="noStrike" kern="1200" dirty="0" smtClean="0">
+              <a:rPr lang="zh-CN" altLang="en-US" sz="1200" b="0" i="0" u="none" strike="noStrike" kern="1200" dirty="0">
                 <a:solidFill>
                   <a:schemeClr val="tx1"/>
                 </a:solidFill>
@@ -2862,7 +2944,7 @@
               <a:t>表示</a:t>
             </a:r>
             <a:r>
-              <a:rPr lang="en-US" altLang="zh-CN" sz="1200" b="0" i="0" u="none" strike="noStrike" kern="1200" dirty="0" smtClean="0">
+              <a:rPr lang="en-US" altLang="zh-CN" sz="1200" b="0" i="0" u="none" strike="noStrike" kern="1200" dirty="0">
                 <a:solidFill>
                   <a:schemeClr val="tx1"/>
                 </a:solidFill>
@@ -2874,7 +2956,7 @@
               <a:t>load byte</a:t>
             </a:r>
             <a:r>
-              <a:rPr lang="zh-CN" altLang="en-US" sz="1200" b="0" i="0" u="none" strike="noStrike" kern="1200" dirty="0" smtClean="0">
+              <a:rPr lang="zh-CN" altLang="en-US" sz="1200" b="0" i="0" u="none" strike="noStrike" kern="1200" dirty="0">
                 <a:solidFill>
                   <a:schemeClr val="tx1"/>
                 </a:solidFill>
@@ -2886,7 +2968,7 @@
               <a:t>还是</a:t>
             </a:r>
             <a:r>
-              <a:rPr lang="en-US" altLang="zh-CN" sz="1200" b="0" i="0" u="none" strike="noStrike" kern="1200" dirty="0" smtClean="0">
+              <a:rPr lang="en-US" altLang="zh-CN" sz="1200" b="0" i="0" u="none" strike="noStrike" kern="1200" dirty="0">
                 <a:solidFill>
                   <a:schemeClr val="tx1"/>
                 </a:solidFill>
@@ -2898,7 +2980,7 @@
               <a:t>load</a:t>
             </a:r>
             <a:r>
-              <a:rPr lang="en-US" altLang="zh-CN" sz="1200" b="0" i="0" u="none" strike="noStrike" kern="1200" baseline="0" dirty="0" smtClean="0">
+              <a:rPr lang="en-US" altLang="zh-CN" sz="1200" b="0" i="0" u="none" strike="noStrike" kern="1200" baseline="0" dirty="0">
                 <a:solidFill>
                   <a:schemeClr val="tx1"/>
                 </a:solidFill>
@@ -2910,7 +2992,7 @@
               <a:t> word, load half word</a:t>
             </a:r>
             <a:r>
-              <a:rPr lang="zh-CN" altLang="en-US" sz="1200" b="0" i="0" u="none" strike="noStrike" kern="1200" baseline="0" dirty="0" smtClean="0">
+              <a:rPr lang="zh-CN" altLang="en-US" sz="1200" b="0" i="0" u="none" strike="noStrike" kern="1200" baseline="0" dirty="0">
                 <a:solidFill>
                   <a:schemeClr val="tx1"/>
                 </a:solidFill>
@@ -2921,7 +3003,7 @@
               </a:rPr>
               <a:t>这些</a:t>
             </a:r>
-            <a:endParaRPr lang="zh-CN" altLang="en-US" sz="1200" b="0" i="0" u="none" strike="noStrike" kern="1200" dirty="0" smtClean="0">
+            <a:endParaRPr lang="zh-CN" altLang="en-US" sz="1200" b="0" i="0" u="none" strike="noStrike" kern="1200" dirty="0">
               <a:solidFill>
                 <a:schemeClr val="tx1"/>
               </a:solidFill>
@@ -2933,7 +3015,7 @@
           </a:p>
           <a:p>
             <a:r>
-              <a:rPr lang="zh-CN" altLang="en-US" sz="1200" b="0" i="0" u="none" strike="noStrike" kern="1200" dirty="0" smtClean="0">
+              <a:rPr lang="zh-CN" altLang="en-US" sz="1200" b="0" i="0" u="none" strike="noStrike" kern="1200" dirty="0">
                 <a:solidFill>
                   <a:schemeClr val="tx1"/>
                 </a:solidFill>
@@ -2945,7 +3027,7 @@
               <a:t>然后这里会输出一个</a:t>
             </a:r>
             <a:r>
-              <a:rPr lang="en-US" altLang="zh-CN" sz="1200" b="0" i="0" u="none" strike="noStrike" kern="1200" dirty="0" smtClean="0">
+              <a:rPr lang="en-US" altLang="zh-CN" sz="1200" b="0" i="0" u="none" strike="noStrike" kern="1200" dirty="0">
                 <a:solidFill>
                   <a:schemeClr val="tx1"/>
                 </a:solidFill>
@@ -2957,7 +3039,7 @@
               <a:t>tag</a:t>
             </a:r>
             <a:r>
-              <a:rPr lang="zh-CN" altLang="en-US" sz="1200" b="0" i="0" u="none" strike="noStrike" kern="1200" dirty="0" smtClean="0">
+              <a:rPr lang="zh-CN" altLang="en-US" sz="1200" b="0" i="0" u="none" strike="noStrike" kern="1200" dirty="0">
                 <a:solidFill>
                   <a:schemeClr val="tx1"/>
                 </a:solidFill>
@@ -2969,7 +3051,7 @@
               <a:t>也是为了做</a:t>
             </a:r>
             <a:r>
-              <a:rPr lang="en-US" altLang="zh-CN" sz="1200" b="0" i="0" u="none" strike="noStrike" kern="1200" dirty="0" smtClean="0">
+              <a:rPr lang="en-US" altLang="zh-CN" sz="1200" b="0" i="0" u="none" strike="noStrike" kern="1200" dirty="0">
                 <a:solidFill>
                   <a:schemeClr val="tx1"/>
                 </a:solidFill>
@@ -3067,7 +3149,7 @@
           <a:lstStyle/>
           <a:p>
             <a:r>
-              <a:rPr lang="zh-CN" altLang="en-US" sz="1200" b="0" i="0" u="none" strike="noStrike" kern="1200" dirty="0" smtClean="0">
+              <a:rPr lang="zh-CN" altLang="en-US" sz="1200" b="0" i="0" u="none" strike="noStrike" kern="1200" dirty="0">
                 <a:solidFill>
                   <a:schemeClr val="tx1"/>
                 </a:solidFill>
@@ -3079,7 +3161,7 @@
               <a:t>然后是这些</a:t>
             </a:r>
             <a:r>
-              <a:rPr lang="en-US" altLang="zh-CN" sz="1200" b="0" i="0" u="none" strike="noStrike" kern="1200" dirty="0" err="1" smtClean="0">
+              <a:rPr lang="en-US" altLang="zh-CN" sz="1200" b="0" i="0" u="none" strike="noStrike" kern="1200" dirty="0" err="1">
                 <a:solidFill>
                   <a:schemeClr val="tx1"/>
                 </a:solidFill>
@@ -3091,7 +3173,7 @@
               <a:t>cacheline</a:t>
             </a:r>
             <a:r>
-              <a:rPr lang="zh-CN" altLang="en-US" sz="1200" b="0" i="0" u="none" strike="noStrike" kern="1200" dirty="0" smtClean="0">
+              <a:rPr lang="zh-CN" altLang="en-US" sz="1200" b="0" i="0" u="none" strike="noStrike" kern="1200" dirty="0">
                 <a:solidFill>
                   <a:schemeClr val="tx1"/>
                 </a:solidFill>
@@ -3105,7 +3187,7 @@
           </a:p>
           <a:p>
             <a:r>
-              <a:rPr lang="zh-CN" altLang="en-US" sz="1200" b="0" i="0" u="none" strike="noStrike" kern="1200" dirty="0" smtClean="0">
+              <a:rPr lang="zh-CN" altLang="en-US" sz="1200" b="0" i="0" u="none" strike="noStrike" kern="1200" dirty="0">
                 <a:solidFill>
                   <a:schemeClr val="tx1"/>
                 </a:solidFill>
@@ -3117,7 +3199,7 @@
               <a:t>我们的</a:t>
             </a:r>
             <a:r>
-              <a:rPr lang="en-US" altLang="zh-CN" sz="1200" b="0" i="0" u="none" strike="noStrike" kern="1200" dirty="0" smtClean="0">
+              <a:rPr lang="en-US" altLang="zh-CN" sz="1200" b="0" i="0" u="none" strike="noStrike" kern="1200" dirty="0">
                 <a:solidFill>
                   <a:schemeClr val="tx1"/>
                 </a:solidFill>
@@ -3129,7 +3211,7 @@
               <a:t>cache</a:t>
             </a:r>
             <a:r>
-              <a:rPr lang="zh-CN" altLang="en-US" sz="1200" b="0" i="0" u="none" strike="noStrike" kern="1200" dirty="0" smtClean="0">
+              <a:rPr lang="zh-CN" altLang="en-US" sz="1200" b="0" i="0" u="none" strike="noStrike" kern="1200" dirty="0">
                 <a:solidFill>
                   <a:schemeClr val="tx1"/>
                 </a:solidFill>
@@ -3141,7 +3223,7 @@
               <a:t>是</a:t>
             </a:r>
             <a:r>
-              <a:rPr lang="en-US" altLang="zh-CN" sz="1200" b="0" i="0" u="none" strike="noStrike" kern="1200" dirty="0" smtClean="0">
+              <a:rPr lang="en-US" altLang="zh-CN" sz="1200" b="0" i="0" u="none" strike="noStrike" kern="1200" dirty="0">
                 <a:solidFill>
                   <a:schemeClr val="tx1"/>
                 </a:solidFill>
@@ -3153,7 +3235,7 @@
               <a:t>2</a:t>
             </a:r>
             <a:r>
-              <a:rPr lang="zh-CN" altLang="en-US" sz="1200" b="0" i="0" u="none" strike="noStrike" kern="1200" dirty="0" smtClean="0">
+              <a:rPr lang="zh-CN" altLang="en-US" sz="1200" b="0" i="0" u="none" strike="noStrike" kern="1200" dirty="0">
                 <a:solidFill>
                   <a:schemeClr val="tx1"/>
                 </a:solidFill>
@@ -3165,7 +3247,7 @@
               <a:t>路组关联的，容量是</a:t>
             </a:r>
             <a:r>
-              <a:rPr lang="en-US" altLang="zh-CN" sz="1200" b="0" i="0" u="none" strike="noStrike" kern="1200" dirty="0" smtClean="0">
+              <a:rPr lang="en-US" altLang="zh-CN" sz="1200" b="0" i="0" u="none" strike="noStrike" kern="1200" dirty="0">
                 <a:solidFill>
                   <a:schemeClr val="tx1"/>
                 </a:solidFill>
@@ -3177,7 +3259,7 @@
               <a:t>64</a:t>
             </a:r>
             <a:r>
-              <a:rPr lang="zh-CN" altLang="en-US" sz="1200" b="0" i="0" u="none" strike="noStrike" kern="1200" dirty="0" smtClean="0">
+              <a:rPr lang="zh-CN" altLang="en-US" sz="1200" b="0" i="0" u="none" strike="noStrike" kern="1200" dirty="0">
                 <a:solidFill>
                   <a:schemeClr val="tx1"/>
                 </a:solidFill>
@@ -3189,7 +3271,7 @@
               <a:t>个</a:t>
             </a:r>
             <a:r>
-              <a:rPr lang="en-US" altLang="zh-CN" sz="1200" b="0" i="0" u="none" strike="noStrike" kern="1200" dirty="0" smtClean="0">
+              <a:rPr lang="en-US" altLang="zh-CN" sz="1200" b="0" i="0" u="none" strike="noStrike" kern="1200" dirty="0">
                 <a:solidFill>
                   <a:schemeClr val="tx1"/>
                 </a:solidFill>
@@ -3201,7 +3283,7 @@
               <a:t>cache line, 32</a:t>
             </a:r>
             <a:r>
-              <a:rPr lang="zh-CN" altLang="en-US" sz="1200" b="0" i="0" u="none" strike="noStrike" kern="1200" dirty="0" smtClean="0">
+              <a:rPr lang="zh-CN" altLang="en-US" sz="1200" b="0" i="0" u="none" strike="noStrike" kern="1200" dirty="0">
                 <a:solidFill>
                   <a:schemeClr val="tx1"/>
                 </a:solidFill>
@@ -3213,7 +3295,7 @@
               <a:t>个</a:t>
             </a:r>
             <a:r>
-              <a:rPr lang="en-US" altLang="zh-CN" sz="1200" b="0" i="0" u="none" strike="noStrike" kern="1200" dirty="0" smtClean="0">
+              <a:rPr lang="en-US" altLang="zh-CN" sz="1200" b="0" i="0" u="none" strike="noStrike" kern="1200" dirty="0">
                 <a:solidFill>
                   <a:schemeClr val="tx1"/>
                 </a:solidFill>
@@ -3227,7 +3309,7 @@
           </a:p>
           <a:p>
             <a:r>
-              <a:rPr lang="zh-CN" altLang="en-US" sz="1200" b="0" i="0" u="none" strike="noStrike" kern="1200" dirty="0" smtClean="0">
+              <a:rPr lang="zh-CN" altLang="en-US" sz="1200" b="0" i="0" u="none" strike="noStrike" kern="1200" dirty="0">
                 <a:solidFill>
                   <a:schemeClr val="tx1"/>
                 </a:solidFill>
@@ -3239,7 +3321,7 @@
               <a:t>这里每个</a:t>
             </a:r>
             <a:r>
-              <a:rPr lang="en-US" altLang="zh-CN" sz="1200" b="0" i="0" u="none" strike="noStrike" kern="1200" dirty="0" err="1" smtClean="0">
+              <a:rPr lang="en-US" altLang="zh-CN" sz="1200" b="0" i="0" u="none" strike="noStrike" kern="1200" dirty="0" err="1">
                 <a:solidFill>
                   <a:schemeClr val="tx1"/>
                 </a:solidFill>
@@ -3251,7 +3333,7 @@
               <a:t>cacheline</a:t>
             </a:r>
             <a:r>
-              <a:rPr lang="zh-CN" altLang="en-US" sz="1200" b="0" i="0" u="none" strike="noStrike" kern="1200" dirty="0" smtClean="0">
+              <a:rPr lang="zh-CN" altLang="en-US" sz="1200" b="0" i="0" u="none" strike="noStrike" kern="1200" dirty="0">
                 <a:solidFill>
                   <a:schemeClr val="tx1"/>
                 </a:solidFill>
@@ -3263,7 +3345,7 @@
               <a:t>的各个</a:t>
             </a:r>
             <a:r>
-              <a:rPr lang="en-US" altLang="zh-CN" sz="1200" b="0" i="0" u="none" strike="noStrike" kern="1200" dirty="0" smtClean="0">
+              <a:rPr lang="en-US" altLang="zh-CN" sz="1200" b="0" i="0" u="none" strike="noStrike" kern="1200" dirty="0">
                 <a:solidFill>
                   <a:schemeClr val="tx1"/>
                 </a:solidFill>
@@ -3275,7 +3357,7 @@
               <a:t>field</a:t>
             </a:r>
             <a:r>
-              <a:rPr lang="zh-CN" altLang="en-US" sz="1200" b="0" i="0" u="none" strike="noStrike" kern="1200" dirty="0" smtClean="0">
+              <a:rPr lang="zh-CN" altLang="en-US" sz="1200" b="0" i="0" u="none" strike="noStrike" kern="1200" dirty="0">
                 <a:solidFill>
                   <a:schemeClr val="tx1"/>
                 </a:solidFill>
@@ -3287,7 +3369,7 @@
               <a:t>分开存储，数组大小是</a:t>
             </a:r>
             <a:r>
-              <a:rPr lang="en-US" altLang="zh-CN" sz="1200" b="0" i="0" u="none" strike="noStrike" kern="1200" dirty="0" smtClean="0">
+              <a:rPr lang="en-US" altLang="zh-CN" sz="1200" b="0" i="0" u="none" strike="noStrike" kern="1200" dirty="0">
                 <a:solidFill>
                   <a:schemeClr val="tx1"/>
                 </a:solidFill>
@@ -3300,7 +3382,7 @@
             </a:r>
           </a:p>
           <a:p>
-            <a:endParaRPr lang="en-US" altLang="zh-CN" sz="1200" b="0" i="0" u="none" strike="noStrike" kern="1200" dirty="0" smtClean="0">
+            <a:endParaRPr lang="en-US" altLang="zh-CN" sz="1200" b="0" i="0" u="none" strike="noStrike" kern="1200" dirty="0">
               <a:solidFill>
                 <a:schemeClr val="tx1"/>
               </a:solidFill>
@@ -3312,7 +3394,7 @@
           </a:p>
           <a:p>
             <a:r>
-              <a:rPr lang="zh-CN" altLang="en-US" sz="1200" b="0" i="0" u="none" strike="noStrike" kern="1200" dirty="0" smtClean="0">
+              <a:rPr lang="zh-CN" altLang="en-US" sz="1200" b="0" i="0" u="none" strike="noStrike" kern="1200" dirty="0">
                 <a:solidFill>
                   <a:schemeClr val="tx1"/>
                 </a:solidFill>
@@ -3324,7 +3406,7 @@
               <a:t>数组</a:t>
             </a:r>
             <a:r>
-              <a:rPr lang="en-US" altLang="zh-CN" sz="1200" b="0" i="0" u="none" strike="noStrike" kern="1200" dirty="0" smtClean="0">
+              <a:rPr lang="en-US" altLang="zh-CN" sz="1200" b="0" i="0" u="none" strike="noStrike" kern="1200" dirty="0">
                 <a:solidFill>
                   <a:schemeClr val="tx1"/>
                 </a:solidFill>
@@ -3336,7 +3418,7 @@
               <a:t>0, 1</a:t>
             </a:r>
             <a:r>
-              <a:rPr lang="zh-CN" altLang="en-US" sz="1200" b="0" i="0" u="none" strike="noStrike" kern="1200" dirty="0" smtClean="0">
+              <a:rPr lang="zh-CN" altLang="en-US" sz="1200" b="0" i="0" u="none" strike="noStrike" kern="1200" dirty="0">
                 <a:solidFill>
                   <a:schemeClr val="tx1"/>
                 </a:solidFill>
@@ -3348,7 +3430,7 @@
               <a:t>是</a:t>
             </a:r>
             <a:r>
-              <a:rPr lang="en-US" altLang="zh-CN" sz="1200" b="0" i="0" u="none" strike="noStrike" kern="1200" dirty="0" smtClean="0">
+              <a:rPr lang="en-US" altLang="zh-CN" sz="1200" b="0" i="0" u="none" strike="noStrike" kern="1200" dirty="0">
                 <a:solidFill>
                   <a:schemeClr val="tx1"/>
                 </a:solidFill>
@@ -3360,7 +3442,7 @@
               <a:t>set 0</a:t>
             </a:r>
             <a:r>
-              <a:rPr lang="zh-CN" altLang="en-US" sz="1200" b="0" i="0" u="none" strike="noStrike" kern="1200" dirty="0" smtClean="0">
+              <a:rPr lang="zh-CN" altLang="en-US" sz="1200" b="0" i="0" u="none" strike="noStrike" kern="1200" dirty="0">
                 <a:solidFill>
                   <a:schemeClr val="tx1"/>
                 </a:solidFill>
@@ -3372,7 +3454,7 @@
               <a:t>的信息，</a:t>
             </a:r>
             <a:r>
-              <a:rPr lang="en-US" altLang="zh-CN" sz="1200" b="0" i="0" u="none" strike="noStrike" kern="1200" dirty="0" smtClean="0">
+              <a:rPr lang="en-US" altLang="zh-CN" sz="1200" b="0" i="0" u="none" strike="noStrike" kern="1200" dirty="0">
                 <a:solidFill>
                   <a:schemeClr val="tx1"/>
                 </a:solidFill>
@@ -3384,7 +3466,7 @@
               <a:t>2,</a:t>
             </a:r>
             <a:r>
-              <a:rPr lang="en-US" altLang="zh-CN" sz="1200" b="0" i="0" u="none" strike="noStrike" kern="1200" baseline="0" dirty="0" smtClean="0">
+              <a:rPr lang="en-US" altLang="zh-CN" sz="1200" b="0" i="0" u="none" strike="noStrike" kern="1200" baseline="0" dirty="0">
                 <a:solidFill>
                   <a:schemeClr val="tx1"/>
                 </a:solidFill>
@@ -3396,7 +3478,7 @@
               <a:t> 3</a:t>
             </a:r>
             <a:r>
-              <a:rPr lang="zh-CN" altLang="en-US" sz="1200" b="0" i="0" u="none" strike="noStrike" kern="1200" baseline="0" dirty="0" smtClean="0">
+              <a:rPr lang="zh-CN" altLang="en-US" sz="1200" b="0" i="0" u="none" strike="noStrike" kern="1200" baseline="0" dirty="0">
                 <a:solidFill>
                   <a:schemeClr val="tx1"/>
                 </a:solidFill>
@@ -3408,7 +3490,7 @@
               <a:t>是</a:t>
             </a:r>
             <a:r>
-              <a:rPr lang="en-US" altLang="zh-CN" sz="1200" b="0" i="0" u="none" strike="noStrike" kern="1200" baseline="0" dirty="0" smtClean="0">
+              <a:rPr lang="en-US" altLang="zh-CN" sz="1200" b="0" i="0" u="none" strike="noStrike" kern="1200" baseline="0" dirty="0">
                 <a:solidFill>
                   <a:schemeClr val="tx1"/>
                 </a:solidFill>
@@ -3420,7 +3502,7 @@
               <a:t>set 2</a:t>
             </a:r>
             <a:r>
-              <a:rPr lang="zh-CN" altLang="en-US" sz="1200" b="0" i="0" u="none" strike="noStrike" kern="1200" baseline="0" dirty="0" smtClean="0">
+              <a:rPr lang="zh-CN" altLang="en-US" sz="1200" b="0" i="0" u="none" strike="noStrike" kern="1200" baseline="0" dirty="0">
                 <a:solidFill>
                   <a:schemeClr val="tx1"/>
                 </a:solidFill>
@@ -3432,7 +3514,7 @@
               <a:t>的信息，</a:t>
             </a:r>
             <a:r>
-              <a:rPr lang="mr-IN" altLang="zh-CN" sz="1200" b="0" i="0" u="none" strike="noStrike" kern="1200" baseline="0" dirty="0" smtClean="0">
+              <a:rPr lang="mr-IN" altLang="zh-CN" sz="1200" b="0" i="0" u="none" strike="noStrike" kern="1200" baseline="0" dirty="0">
                 <a:solidFill>
                   <a:schemeClr val="tx1"/>
                 </a:solidFill>
@@ -3443,7 +3525,7 @@
               </a:rPr>
               <a:t>…</a:t>
             </a:r>
-            <a:endParaRPr lang="en-US" altLang="zh-CN" sz="1200" b="0" i="0" u="none" strike="noStrike" kern="1200" baseline="0" dirty="0" smtClean="0">
+            <a:endParaRPr lang="en-US" altLang="zh-CN" sz="1200" b="0" i="0" u="none" strike="noStrike" kern="1200" baseline="0" dirty="0">
               <a:solidFill>
                 <a:schemeClr val="tx1"/>
               </a:solidFill>
@@ -3455,7 +3537,7 @@
           </a:p>
           <a:p>
             <a:r>
-              <a:rPr lang="zh-CN" altLang="en-US" sz="1200" b="0" i="0" u="none" strike="noStrike" kern="1200" baseline="0" dirty="0" smtClean="0">
+              <a:rPr lang="zh-CN" altLang="en-US" sz="1200" b="0" i="0" u="none" strike="noStrike" kern="1200" baseline="0" dirty="0">
                 <a:solidFill>
                   <a:schemeClr val="tx1"/>
                 </a:solidFill>
@@ -3466,7 +3548,7 @@
               </a:rPr>
               <a:t>做个拼接</a:t>
             </a:r>
-            <a:endParaRPr lang="en-US" altLang="zh-CN" sz="1200" b="0" i="0" u="none" strike="noStrike" kern="1200" dirty="0" smtClean="0">
+            <a:endParaRPr lang="en-US" altLang="zh-CN" sz="1200" b="0" i="0" u="none" strike="noStrike" kern="1200" dirty="0">
               <a:solidFill>
                 <a:schemeClr val="tx1"/>
               </a:solidFill>
@@ -3564,17 +3646,17 @@
           <a:lstStyle/>
           <a:p>
             <a:r>
-              <a:rPr lang="en-US" altLang="zh-CN" dirty="0" smtClean="0"/>
+              <a:rPr lang="en-US" altLang="zh-CN" dirty="0"/>
               <a:t>6</a:t>
             </a:r>
           </a:p>
           <a:p>
             <a:r>
-              <a:rPr lang="en-US" altLang="zh-CN" dirty="0" smtClean="0"/>
+              <a:rPr lang="en-US" altLang="zh-CN" dirty="0"/>
               <a:t>2^6</a:t>
             </a:r>
             <a:r>
-              <a:rPr lang="en-US" altLang="zh-CN" baseline="0" dirty="0" smtClean="0"/>
+              <a:rPr lang="en-US" altLang="zh-CN" baseline="0" dirty="0"/>
               <a:t> = 32</a:t>
             </a:r>
             <a:endParaRPr lang="zh-CN" altLang="en-US" dirty="0"/>
@@ -3739,10 +3821,9 @@
           <a:lstStyle/>
           <a:p>
             <a:r>
-              <a:rPr lang="zh-CN" altLang="en-US" smtClean="0"/>
+              <a:rPr lang="zh-CN" altLang="en-US"/>
               <a:t>单击此处编辑母版标题样式</a:t>
             </a:r>
-            <a:endParaRPr lang="zh-CN" altLang="en-US"/>
           </a:p>
         </p:txBody>
       </p:sp>
@@ -3858,10 +3939,9 @@
           </a:lstStyle>
           <a:p>
             <a:r>
-              <a:rPr lang="zh-CN" altLang="en-US" smtClean="0"/>
+              <a:rPr lang="zh-CN" altLang="en-US"/>
               <a:t>单击此处编辑母版副标题样式</a:t>
             </a:r>
-            <a:endParaRPr lang="zh-CN" altLang="en-US"/>
           </a:p>
         </p:txBody>
       </p:sp>
@@ -3882,7 +3962,7 @@
           <a:p>
             <a:fld id="{EF50BAF8-1120-4869-B1EC-9D010EF77D65}" type="datetimeFigureOut">
               <a:rPr lang="zh-CN" altLang="en-US" smtClean="0"/>
-              <a:t>2021/10/30</a:t>
+              <a:t>2021/11/8</a:t>
             </a:fld>
             <a:endParaRPr lang="zh-CN" altLang="en-US"/>
           </a:p>
@@ -3940,13 +4020,6 @@
   <p:clrMapOvr>
     <a:masterClrMapping/>
   </p:clrMapOvr>
-  <p:timing>
-    <p:tnLst>
-      <p:par>
-        <p:cTn id="1" dur="indefinite" restart="never" nodeType="tmRoot"/>
-      </p:par>
-    </p:tnLst>
-  </p:timing>
 </p:sldLayout>
 </file>
 
@@ -3983,10 +4056,9 @@
           <a:lstStyle/>
           <a:p>
             <a:r>
-              <a:rPr lang="zh-CN" altLang="en-US" smtClean="0"/>
+              <a:rPr lang="zh-CN" altLang="en-US"/>
               <a:t>单击此处编辑母版标题样式</a:t>
             </a:r>
-            <a:endParaRPr lang="zh-CN" altLang="en-US"/>
           </a:p>
         </p:txBody>
       </p:sp>
@@ -4007,38 +4079,37 @@
           <a:p>
             <a:pPr lvl="0"/>
             <a:r>
-              <a:rPr lang="zh-CN" altLang="en-US" smtClean="0"/>
+              <a:rPr lang="zh-CN" altLang="en-US"/>
               <a:t>单击此处编辑母版文本样式</a:t>
             </a:r>
           </a:p>
           <a:p>
             <a:pPr lvl="1"/>
             <a:r>
-              <a:rPr lang="zh-CN" altLang="en-US" smtClean="0"/>
+              <a:rPr lang="zh-CN" altLang="en-US"/>
               <a:t>第二级</a:t>
             </a:r>
           </a:p>
           <a:p>
             <a:pPr lvl="2"/>
             <a:r>
-              <a:rPr lang="zh-CN" altLang="en-US" smtClean="0"/>
+              <a:rPr lang="zh-CN" altLang="en-US"/>
               <a:t>第三级</a:t>
             </a:r>
           </a:p>
           <a:p>
             <a:pPr lvl="3"/>
             <a:r>
-              <a:rPr lang="zh-CN" altLang="en-US" smtClean="0"/>
+              <a:rPr lang="zh-CN" altLang="en-US"/>
               <a:t>第四级</a:t>
             </a:r>
           </a:p>
           <a:p>
             <a:pPr lvl="4"/>
             <a:r>
-              <a:rPr lang="zh-CN" altLang="en-US" smtClean="0"/>
+              <a:rPr lang="zh-CN" altLang="en-US"/>
               <a:t>第五级</a:t>
             </a:r>
-            <a:endParaRPr lang="zh-CN" altLang="en-US"/>
           </a:p>
         </p:txBody>
       </p:sp>
@@ -4059,7 +4130,7 @@
           <a:p>
             <a:fld id="{EF50BAF8-1120-4869-B1EC-9D010EF77D65}" type="datetimeFigureOut">
               <a:rPr lang="zh-CN" altLang="en-US" smtClean="0"/>
-              <a:t>2021/10/30</a:t>
+              <a:t>2021/11/8</a:t>
             </a:fld>
             <a:endParaRPr lang="zh-CN" altLang="en-US"/>
           </a:p>
@@ -4158,10 +4229,9 @@
           <a:lstStyle/>
           <a:p>
             <a:r>
-              <a:rPr lang="zh-CN" altLang="en-US" smtClean="0"/>
+              <a:rPr lang="zh-CN" altLang="en-US"/>
               <a:t>单击此处编辑母版标题样式</a:t>
             </a:r>
-            <a:endParaRPr lang="zh-CN" altLang="en-US"/>
           </a:p>
         </p:txBody>
       </p:sp>
@@ -4187,38 +4257,37 @@
           <a:p>
             <a:pPr lvl="0"/>
             <a:r>
-              <a:rPr lang="zh-CN" altLang="en-US" smtClean="0"/>
+              <a:rPr lang="zh-CN" altLang="en-US"/>
               <a:t>单击此处编辑母版文本样式</a:t>
             </a:r>
           </a:p>
           <a:p>
             <a:pPr lvl="1"/>
             <a:r>
-              <a:rPr lang="zh-CN" altLang="en-US" smtClean="0"/>
+              <a:rPr lang="zh-CN" altLang="en-US"/>
               <a:t>第二级</a:t>
             </a:r>
           </a:p>
           <a:p>
             <a:pPr lvl="2"/>
             <a:r>
-              <a:rPr lang="zh-CN" altLang="en-US" smtClean="0"/>
+              <a:rPr lang="zh-CN" altLang="en-US"/>
               <a:t>第三级</a:t>
             </a:r>
           </a:p>
           <a:p>
             <a:pPr lvl="3"/>
             <a:r>
-              <a:rPr lang="zh-CN" altLang="en-US" smtClean="0"/>
+              <a:rPr lang="zh-CN" altLang="en-US"/>
               <a:t>第四级</a:t>
             </a:r>
           </a:p>
           <a:p>
             <a:pPr lvl="4"/>
             <a:r>
-              <a:rPr lang="zh-CN" altLang="en-US" smtClean="0"/>
+              <a:rPr lang="zh-CN" altLang="en-US"/>
               <a:t>第五级</a:t>
             </a:r>
-            <a:endParaRPr lang="zh-CN" altLang="en-US"/>
           </a:p>
         </p:txBody>
       </p:sp>
@@ -4239,7 +4308,7 @@
           <a:p>
             <a:fld id="{EF50BAF8-1120-4869-B1EC-9D010EF77D65}" type="datetimeFigureOut">
               <a:rPr lang="zh-CN" altLang="en-US" smtClean="0"/>
-              <a:t>2021/10/30</a:t>
+              <a:t>2021/11/8</a:t>
             </a:fld>
             <a:endParaRPr lang="zh-CN" altLang="en-US"/>
           </a:p>
@@ -4389,7 +4458,7 @@
           </a:lstStyle>
           <a:p>
             <a:r>
-              <a:rPr lang="zh-CN" altLang="en-US" smtClean="0"/>
+              <a:rPr lang="zh-CN" altLang="en-US"/>
               <a:t>单击此处编辑母版标题样式</a:t>
             </a:r>
             <a:endParaRPr lang="zh-CN" altLang="en-US" dirty="0"/>
@@ -4512,7 +4581,7 @@
           </a:lstStyle>
           <a:p>
             <a:r>
-              <a:rPr lang="zh-CN" altLang="en-US" smtClean="0"/>
+              <a:rPr lang="zh-CN" altLang="en-US"/>
               <a:t>单击此处编辑母版副标题样式</a:t>
             </a:r>
             <a:endParaRPr lang="zh-CN" altLang="en-US" dirty="0"/>
@@ -4536,7 +4605,7 @@
           <a:p>
             <a:fld id="{530820CF-B880-4189-942D-D702A7CBA730}" type="datetimeFigureOut">
               <a:rPr lang="zh-CN" altLang="en-US" smtClean="0"/>
-              <a:t>2021/10/30</a:t>
+              <a:t>2021/11/8</a:t>
             </a:fld>
             <a:endParaRPr lang="zh-CN" altLang="en-US"/>
           </a:p>
@@ -4739,13 +4808,6 @@
   <p:clrMapOvr>
     <a:masterClrMapping/>
   </p:clrMapOvr>
-  <p:timing>
-    <p:tnLst>
-      <p:par>
-        <p:cTn id="1" dur="indefinite" restart="never" nodeType="tmRoot"/>
-      </p:par>
-    </p:tnLst>
-  </p:timing>
 </p:sldLayout>
 </file>
 
@@ -4808,7 +4870,7 @@
           </a:lstStyle>
           <a:p>
             <a:r>
-              <a:rPr lang="zh-CN" altLang="en-US" smtClean="0"/>
+              <a:rPr lang="zh-CN" altLang="en-US"/>
               <a:t>单击此处编辑母版标题样式</a:t>
             </a:r>
             <a:endParaRPr lang="zh-CN" altLang="en-US" dirty="0"/>
@@ -4899,35 +4961,35 @@
           <a:p>
             <a:pPr lvl="0"/>
             <a:r>
-              <a:rPr lang="zh-CN" altLang="en-US" smtClean="0"/>
+              <a:rPr lang="zh-CN" altLang="en-US"/>
               <a:t>单击此处编辑母版文本样式</a:t>
             </a:r>
           </a:p>
           <a:p>
             <a:pPr lvl="1"/>
             <a:r>
-              <a:rPr lang="zh-CN" altLang="en-US" smtClean="0"/>
+              <a:rPr lang="zh-CN" altLang="en-US"/>
               <a:t>二级</a:t>
             </a:r>
           </a:p>
           <a:p>
             <a:pPr lvl="2"/>
             <a:r>
-              <a:rPr lang="zh-CN" altLang="en-US" smtClean="0"/>
+              <a:rPr lang="zh-CN" altLang="en-US"/>
               <a:t>三级</a:t>
             </a:r>
           </a:p>
           <a:p>
             <a:pPr lvl="3"/>
             <a:r>
-              <a:rPr lang="zh-CN" altLang="en-US" smtClean="0"/>
+              <a:rPr lang="zh-CN" altLang="en-US"/>
               <a:t>四级</a:t>
             </a:r>
           </a:p>
           <a:p>
             <a:pPr lvl="4"/>
             <a:r>
-              <a:rPr lang="zh-CN" altLang="en-US" smtClean="0"/>
+              <a:rPr lang="zh-CN" altLang="en-US"/>
               <a:t>五级</a:t>
             </a:r>
             <a:endParaRPr lang="zh-CN" altLang="en-US" dirty="0"/>
@@ -4951,7 +5013,7 @@
           <a:p>
             <a:fld id="{530820CF-B880-4189-942D-D702A7CBA730}" type="datetimeFigureOut">
               <a:rPr lang="zh-CN" altLang="en-US" smtClean="0"/>
-              <a:t>2021/10/30</a:t>
+              <a:t>2021/11/8</a:t>
             </a:fld>
             <a:endParaRPr lang="zh-CN" altLang="en-US"/>
           </a:p>
@@ -5063,7 +5125,7 @@
           </a:lstStyle>
           <a:p>
             <a:r>
-              <a:rPr lang="zh-CN" altLang="en-US" smtClean="0"/>
+              <a:rPr lang="zh-CN" altLang="en-US"/>
               <a:t>单击此处编辑母版标题样式</a:t>
             </a:r>
             <a:endParaRPr lang="zh-CN" altLang="en-US" dirty="0"/>
@@ -5154,35 +5216,35 @@
           <a:p>
             <a:pPr lvl="0"/>
             <a:r>
-              <a:rPr lang="zh-CN" altLang="en-US" smtClean="0"/>
+              <a:rPr lang="zh-CN" altLang="en-US"/>
               <a:t>单击此处编辑母版文本样式</a:t>
             </a:r>
           </a:p>
           <a:p>
             <a:pPr lvl="1"/>
             <a:r>
-              <a:rPr lang="zh-CN" altLang="en-US" smtClean="0"/>
+              <a:rPr lang="zh-CN" altLang="en-US"/>
               <a:t>二级</a:t>
             </a:r>
           </a:p>
           <a:p>
             <a:pPr lvl="2"/>
             <a:r>
-              <a:rPr lang="zh-CN" altLang="en-US" smtClean="0"/>
+              <a:rPr lang="zh-CN" altLang="en-US"/>
               <a:t>三级</a:t>
             </a:r>
           </a:p>
           <a:p>
             <a:pPr lvl="3"/>
             <a:r>
-              <a:rPr lang="zh-CN" altLang="en-US" smtClean="0"/>
+              <a:rPr lang="zh-CN" altLang="en-US"/>
               <a:t>四级</a:t>
             </a:r>
           </a:p>
           <a:p>
             <a:pPr lvl="4"/>
             <a:r>
-              <a:rPr lang="zh-CN" altLang="en-US" smtClean="0"/>
+              <a:rPr lang="zh-CN" altLang="en-US"/>
               <a:t>五级</a:t>
             </a:r>
             <a:endParaRPr lang="zh-CN" altLang="en-US" dirty="0"/>
@@ -5206,7 +5268,7 @@
           <a:p>
             <a:fld id="{530820CF-B880-4189-942D-D702A7CBA730}" type="datetimeFigureOut">
               <a:rPr lang="zh-CN" altLang="en-US" smtClean="0"/>
-              <a:t>2021/10/30</a:t>
+              <a:t>2021/11/8</a:t>
             </a:fld>
             <a:endParaRPr lang="zh-CN" altLang="en-US"/>
           </a:p>
@@ -5217,13 +5279,6 @@
   <p:clrMapOvr>
     <a:masterClrMapping/>
   </p:clrMapOvr>
-  <p:timing>
-    <p:tnLst>
-      <p:par>
-        <p:cTn id="1" dur="indefinite" restart="never" nodeType="tmRoot"/>
-      </p:par>
-    </p:tnLst>
-  </p:timing>
 </p:sldLayout>
 </file>
 
@@ -5269,10 +5324,9 @@
           </a:lstStyle>
           <a:p>
             <a:r>
-              <a:rPr lang="zh-CN" altLang="en-US" smtClean="0"/>
+              <a:rPr lang="zh-CN" altLang="en-US"/>
               <a:t>单击此处编辑母版标题样式</a:t>
             </a:r>
-            <a:endParaRPr lang="zh-CN" altLang="en-US"/>
           </a:p>
         </p:txBody>
       </p:sp>
@@ -5389,7 +5443,7 @@
           <a:p>
             <a:pPr lvl="0"/>
             <a:r>
-              <a:rPr lang="zh-CN" altLang="en-US" smtClean="0"/>
+              <a:rPr lang="zh-CN" altLang="en-US"/>
               <a:t>单击此处编辑母版文本样式</a:t>
             </a:r>
           </a:p>
@@ -5412,7 +5466,7 @@
           <a:p>
             <a:fld id="{530820CF-B880-4189-942D-D702A7CBA730}" type="datetimeFigureOut">
               <a:rPr lang="zh-CN" altLang="en-US" smtClean="0"/>
-              <a:t>2021/10/30</a:t>
+              <a:t>2021/11/8</a:t>
             </a:fld>
             <a:endParaRPr lang="zh-CN" altLang="en-US"/>
           </a:p>
@@ -5465,13 +5519,6 @@
   <p:clrMapOvr>
     <a:masterClrMapping/>
   </p:clrMapOvr>
-  <p:timing>
-    <p:tnLst>
-      <p:par>
-        <p:cTn id="1" dur="indefinite" restart="never" nodeType="tmRoot"/>
-      </p:par>
-    </p:tnLst>
-  </p:timing>
 </p:sldLayout>
 </file>
 
@@ -5508,10 +5555,9 @@
           <a:lstStyle/>
           <a:p>
             <a:r>
-              <a:rPr lang="zh-CN" altLang="en-US" smtClean="0"/>
+              <a:rPr lang="zh-CN" altLang="en-US"/>
               <a:t>单击此处编辑母版标题样式</a:t>
             </a:r>
-            <a:endParaRPr lang="zh-CN" altLang="en-US"/>
           </a:p>
         </p:txBody>
       </p:sp>
@@ -5565,38 +5611,37 @@
           <a:p>
             <a:pPr lvl="0"/>
             <a:r>
-              <a:rPr lang="zh-CN" altLang="en-US" smtClean="0"/>
+              <a:rPr lang="zh-CN" altLang="en-US"/>
               <a:t>单击此处编辑母版文本样式</a:t>
             </a:r>
           </a:p>
           <a:p>
             <a:pPr lvl="1"/>
             <a:r>
-              <a:rPr lang="zh-CN" altLang="en-US" smtClean="0"/>
+              <a:rPr lang="zh-CN" altLang="en-US"/>
               <a:t>二级</a:t>
             </a:r>
           </a:p>
           <a:p>
             <a:pPr lvl="2"/>
             <a:r>
-              <a:rPr lang="zh-CN" altLang="en-US" smtClean="0"/>
+              <a:rPr lang="zh-CN" altLang="en-US"/>
               <a:t>三级</a:t>
             </a:r>
           </a:p>
           <a:p>
             <a:pPr lvl="3"/>
             <a:r>
-              <a:rPr lang="zh-CN" altLang="en-US" smtClean="0"/>
+              <a:rPr lang="zh-CN" altLang="en-US"/>
               <a:t>四级</a:t>
             </a:r>
           </a:p>
           <a:p>
             <a:pPr lvl="4"/>
             <a:r>
-              <a:rPr lang="zh-CN" altLang="en-US" smtClean="0"/>
+              <a:rPr lang="zh-CN" altLang="en-US"/>
               <a:t>五级</a:t>
             </a:r>
-            <a:endParaRPr lang="zh-CN" altLang="en-US"/>
           </a:p>
         </p:txBody>
       </p:sp>
@@ -5650,38 +5695,37 @@
           <a:p>
             <a:pPr lvl="0"/>
             <a:r>
-              <a:rPr lang="zh-CN" altLang="en-US" smtClean="0"/>
+              <a:rPr lang="zh-CN" altLang="en-US"/>
               <a:t>单击此处编辑母版文本样式</a:t>
             </a:r>
           </a:p>
           <a:p>
             <a:pPr lvl="1"/>
             <a:r>
-              <a:rPr lang="zh-CN" altLang="en-US" smtClean="0"/>
+              <a:rPr lang="zh-CN" altLang="en-US"/>
               <a:t>二级</a:t>
             </a:r>
           </a:p>
           <a:p>
             <a:pPr lvl="2"/>
             <a:r>
-              <a:rPr lang="zh-CN" altLang="en-US" smtClean="0"/>
+              <a:rPr lang="zh-CN" altLang="en-US"/>
               <a:t>三级</a:t>
             </a:r>
           </a:p>
           <a:p>
             <a:pPr lvl="3"/>
             <a:r>
-              <a:rPr lang="zh-CN" altLang="en-US" smtClean="0"/>
+              <a:rPr lang="zh-CN" altLang="en-US"/>
               <a:t>四级</a:t>
             </a:r>
           </a:p>
           <a:p>
             <a:pPr lvl="4"/>
             <a:r>
-              <a:rPr lang="zh-CN" altLang="en-US" smtClean="0"/>
+              <a:rPr lang="zh-CN" altLang="en-US"/>
               <a:t>五级</a:t>
             </a:r>
-            <a:endParaRPr lang="zh-CN" altLang="en-US"/>
           </a:p>
         </p:txBody>
       </p:sp>
@@ -5702,7 +5746,7 @@
           <a:p>
             <a:fld id="{530820CF-B880-4189-942D-D702A7CBA730}" type="datetimeFigureOut">
               <a:rPr lang="zh-CN" altLang="en-US" smtClean="0"/>
-              <a:t>2021/10/30</a:t>
+              <a:t>2021/11/8</a:t>
             </a:fld>
             <a:endParaRPr lang="zh-CN" altLang="en-US"/>
           </a:p>
@@ -5795,10 +5839,9 @@
           </a:lstStyle>
           <a:p>
             <a:r>
-              <a:rPr lang="zh-CN" altLang="en-US" smtClean="0"/>
+              <a:rPr lang="zh-CN" altLang="en-US"/>
               <a:t>单击此处编辑母版标题样式</a:t>
             </a:r>
-            <a:endParaRPr lang="zh-CN" altLang="en-US"/>
           </a:p>
         </p:txBody>
       </p:sp>
@@ -5861,7 +5904,7 @@
           <a:p>
             <a:pPr lvl="0"/>
             <a:r>
-              <a:rPr lang="zh-CN" altLang="en-US" smtClean="0"/>
+              <a:rPr lang="zh-CN" altLang="en-US"/>
               <a:t>单击此处编辑母版文本样式</a:t>
             </a:r>
           </a:p>
@@ -5917,38 +5960,37 @@
           <a:p>
             <a:pPr lvl="0"/>
             <a:r>
-              <a:rPr lang="zh-CN" altLang="en-US" smtClean="0"/>
+              <a:rPr lang="zh-CN" altLang="en-US"/>
               <a:t>单击此处编辑母版文本样式</a:t>
             </a:r>
           </a:p>
           <a:p>
             <a:pPr lvl="1"/>
             <a:r>
-              <a:rPr lang="zh-CN" altLang="en-US" smtClean="0"/>
+              <a:rPr lang="zh-CN" altLang="en-US"/>
               <a:t>二级</a:t>
             </a:r>
           </a:p>
           <a:p>
             <a:pPr lvl="2"/>
             <a:r>
-              <a:rPr lang="zh-CN" altLang="en-US" smtClean="0"/>
+              <a:rPr lang="zh-CN" altLang="en-US"/>
               <a:t>三级</a:t>
             </a:r>
           </a:p>
           <a:p>
             <a:pPr lvl="3"/>
             <a:r>
-              <a:rPr lang="zh-CN" altLang="en-US" smtClean="0"/>
+              <a:rPr lang="zh-CN" altLang="en-US"/>
               <a:t>四级</a:t>
             </a:r>
           </a:p>
           <a:p>
             <a:pPr lvl="4"/>
             <a:r>
-              <a:rPr lang="zh-CN" altLang="en-US" smtClean="0"/>
+              <a:rPr lang="zh-CN" altLang="en-US"/>
               <a:t>五级</a:t>
             </a:r>
-            <a:endParaRPr lang="zh-CN" altLang="en-US"/>
           </a:p>
         </p:txBody>
       </p:sp>
@@ -6011,7 +6053,7 @@
           <a:p>
             <a:pPr lvl="0"/>
             <a:r>
-              <a:rPr lang="zh-CN" altLang="en-US" smtClean="0"/>
+              <a:rPr lang="zh-CN" altLang="en-US"/>
               <a:t>单击此处编辑母版文本样式</a:t>
             </a:r>
           </a:p>
@@ -6067,38 +6109,37 @@
           <a:p>
             <a:pPr lvl="0"/>
             <a:r>
-              <a:rPr lang="zh-CN" altLang="en-US" smtClean="0"/>
+              <a:rPr lang="zh-CN" altLang="en-US"/>
               <a:t>单击此处编辑母版文本样式</a:t>
             </a:r>
           </a:p>
           <a:p>
             <a:pPr lvl="1"/>
             <a:r>
-              <a:rPr lang="zh-CN" altLang="en-US" smtClean="0"/>
+              <a:rPr lang="zh-CN" altLang="en-US"/>
               <a:t>二级</a:t>
             </a:r>
           </a:p>
           <a:p>
             <a:pPr lvl="2"/>
             <a:r>
-              <a:rPr lang="zh-CN" altLang="en-US" smtClean="0"/>
+              <a:rPr lang="zh-CN" altLang="en-US"/>
               <a:t>三级</a:t>
             </a:r>
           </a:p>
           <a:p>
             <a:pPr lvl="3"/>
             <a:r>
-              <a:rPr lang="zh-CN" altLang="en-US" smtClean="0"/>
+              <a:rPr lang="zh-CN" altLang="en-US"/>
               <a:t>四级</a:t>
             </a:r>
           </a:p>
           <a:p>
             <a:pPr lvl="4"/>
             <a:r>
-              <a:rPr lang="zh-CN" altLang="en-US" smtClean="0"/>
+              <a:rPr lang="zh-CN" altLang="en-US"/>
               <a:t>五级</a:t>
             </a:r>
-            <a:endParaRPr lang="zh-CN" altLang="en-US"/>
           </a:p>
         </p:txBody>
       </p:sp>
@@ -6119,7 +6160,7 @@
           <a:p>
             <a:fld id="{530820CF-B880-4189-942D-D702A7CBA730}" type="datetimeFigureOut">
               <a:rPr lang="zh-CN" altLang="en-US" smtClean="0"/>
-              <a:t>2021/10/30</a:t>
+              <a:t>2021/11/8</a:t>
             </a:fld>
             <a:endParaRPr lang="zh-CN" altLang="en-US"/>
           </a:p>
@@ -6208,10 +6249,9 @@
           <a:lstStyle/>
           <a:p>
             <a:r>
-              <a:rPr lang="zh-CN" altLang="en-US" smtClean="0"/>
+              <a:rPr lang="zh-CN" altLang="en-US"/>
               <a:t>单击此处编辑母版标题样式</a:t>
             </a:r>
-            <a:endParaRPr lang="zh-CN" altLang="en-US"/>
           </a:p>
         </p:txBody>
       </p:sp>
@@ -6232,7 +6272,7 @@
           <a:p>
             <a:fld id="{530820CF-B880-4189-942D-D702A7CBA730}" type="datetimeFigureOut">
               <a:rPr lang="zh-CN" altLang="en-US" smtClean="0"/>
-              <a:t>2021/10/30</a:t>
+              <a:t>2021/11/8</a:t>
             </a:fld>
             <a:endParaRPr lang="zh-CN" altLang="en-US"/>
           </a:p>
@@ -6322,7 +6362,7 @@
           <a:p>
             <a:fld id="{530820CF-B880-4189-942D-D702A7CBA730}" type="datetimeFigureOut">
               <a:rPr lang="zh-CN" altLang="en-US" smtClean="0"/>
-              <a:t>2021/10/30</a:t>
+              <a:t>2021/11/8</a:t>
             </a:fld>
             <a:endParaRPr lang="zh-CN" altLang="en-US"/>
           </a:p>
@@ -6415,10 +6455,9 @@
           </a:lstStyle>
           <a:p>
             <a:r>
-              <a:rPr lang="zh-CN" altLang="en-US" dirty="0" smtClean="0"/>
+              <a:rPr lang="zh-CN" altLang="en-US" dirty="0"/>
               <a:t>目录</a:t>
             </a:r>
-            <a:endParaRPr lang="zh-CN" altLang="en-US" dirty="0"/>
           </a:p>
         </p:txBody>
       </p:sp>
@@ -6439,38 +6478,37 @@
           <a:p>
             <a:pPr lvl="0"/>
             <a:r>
-              <a:rPr lang="zh-CN" altLang="en-US" smtClean="0"/>
+              <a:rPr lang="zh-CN" altLang="en-US"/>
               <a:t>单击此处编辑母版文本样式</a:t>
             </a:r>
           </a:p>
           <a:p>
             <a:pPr lvl="1"/>
             <a:r>
-              <a:rPr lang="zh-CN" altLang="en-US" smtClean="0"/>
+              <a:rPr lang="zh-CN" altLang="en-US"/>
               <a:t>第二级</a:t>
             </a:r>
           </a:p>
           <a:p>
             <a:pPr lvl="2"/>
             <a:r>
-              <a:rPr lang="zh-CN" altLang="en-US" smtClean="0"/>
+              <a:rPr lang="zh-CN" altLang="en-US"/>
               <a:t>第三级</a:t>
             </a:r>
           </a:p>
           <a:p>
             <a:pPr lvl="3"/>
             <a:r>
-              <a:rPr lang="zh-CN" altLang="en-US" smtClean="0"/>
+              <a:rPr lang="zh-CN" altLang="en-US"/>
               <a:t>第四级</a:t>
             </a:r>
           </a:p>
           <a:p>
             <a:pPr lvl="4"/>
             <a:r>
-              <a:rPr lang="zh-CN" altLang="en-US" smtClean="0"/>
+              <a:rPr lang="zh-CN" altLang="en-US"/>
               <a:t>第五级</a:t>
             </a:r>
-            <a:endParaRPr lang="zh-CN" altLang="en-US"/>
           </a:p>
         </p:txBody>
       </p:sp>
@@ -6491,7 +6529,7 @@
           <a:p>
             <a:fld id="{EF50BAF8-1120-4869-B1EC-9D010EF77D65}" type="datetimeFigureOut">
               <a:rPr lang="zh-CN" altLang="en-US" smtClean="0"/>
-              <a:t>2021/10/30</a:t>
+              <a:t>2021/11/8</a:t>
             </a:fld>
             <a:endParaRPr lang="zh-CN" altLang="en-US"/>
           </a:p>
@@ -6549,13 +6587,6 @@
   <p:clrMapOvr>
     <a:masterClrMapping/>
   </p:clrMapOvr>
-  <p:timing>
-    <p:tnLst>
-      <p:par>
-        <p:cTn id="1" dur="indefinite" restart="never" nodeType="tmRoot"/>
-      </p:par>
-    </p:tnLst>
-  </p:timing>
 </p:sldLayout>
 </file>
 
@@ -6601,10 +6632,9 @@
           </a:lstStyle>
           <a:p>
             <a:r>
-              <a:rPr lang="zh-CN" altLang="en-US" smtClean="0"/>
+              <a:rPr lang="zh-CN" altLang="en-US"/>
               <a:t>单击此处编辑母版标题样式</a:t>
             </a:r>
-            <a:endParaRPr lang="zh-CN" altLang="en-US"/>
           </a:p>
         </p:txBody>
       </p:sp>
@@ -6658,38 +6688,37 @@
           <a:p>
             <a:pPr lvl="0"/>
             <a:r>
-              <a:rPr lang="zh-CN" altLang="en-US" smtClean="0"/>
+              <a:rPr lang="zh-CN" altLang="en-US"/>
               <a:t>单击此处编辑母版文本样式</a:t>
             </a:r>
           </a:p>
           <a:p>
             <a:pPr lvl="1"/>
             <a:r>
-              <a:rPr lang="zh-CN" altLang="en-US" smtClean="0"/>
+              <a:rPr lang="zh-CN" altLang="en-US"/>
               <a:t>二级</a:t>
             </a:r>
           </a:p>
           <a:p>
             <a:pPr lvl="2"/>
             <a:r>
-              <a:rPr lang="zh-CN" altLang="en-US" smtClean="0"/>
+              <a:rPr lang="zh-CN" altLang="en-US"/>
               <a:t>三级</a:t>
             </a:r>
           </a:p>
           <a:p>
             <a:pPr lvl="3"/>
             <a:r>
-              <a:rPr lang="zh-CN" altLang="en-US" smtClean="0"/>
+              <a:rPr lang="zh-CN" altLang="en-US"/>
               <a:t>四级</a:t>
             </a:r>
           </a:p>
           <a:p>
             <a:pPr lvl="4"/>
             <a:r>
-              <a:rPr lang="zh-CN" altLang="en-US" smtClean="0"/>
+              <a:rPr lang="zh-CN" altLang="en-US"/>
               <a:t>五级</a:t>
             </a:r>
-            <a:endParaRPr lang="zh-CN" altLang="en-US"/>
           </a:p>
         </p:txBody>
       </p:sp>
@@ -6752,7 +6781,7 @@
           <a:p>
             <a:pPr lvl="0"/>
             <a:r>
-              <a:rPr lang="zh-CN" altLang="en-US" smtClean="0"/>
+              <a:rPr lang="zh-CN" altLang="en-US"/>
               <a:t>单击此处编辑母版文本样式</a:t>
             </a:r>
           </a:p>
@@ -6775,7 +6804,7 @@
           <a:p>
             <a:fld id="{530820CF-B880-4189-942D-D702A7CBA730}" type="datetimeFigureOut">
               <a:rPr lang="zh-CN" altLang="en-US" smtClean="0"/>
-              <a:t>2021/10/30</a:t>
+              <a:t>2021/11/8</a:t>
             </a:fld>
             <a:endParaRPr lang="zh-CN" altLang="en-US"/>
           </a:p>
@@ -6873,10 +6902,9 @@
           </a:lstStyle>
           <a:p>
             <a:r>
-              <a:rPr lang="zh-CN" altLang="en-US" smtClean="0"/>
+              <a:rPr lang="zh-CN" altLang="en-US"/>
               <a:t>单击此处编辑母版标题样式</a:t>
             </a:r>
-            <a:endParaRPr lang="zh-CN" altLang="en-US"/>
           </a:p>
         </p:txBody>
       </p:sp>
@@ -6938,10 +6966,9 @@
           </a:lstStyle>
           <a:p>
             <a:r>
-              <a:rPr lang="zh-CN" altLang="en-US" smtClean="0"/>
+              <a:rPr lang="zh-CN" altLang="en-US"/>
               <a:t>将图片拖动到占位符，或单击添加图标</a:t>
             </a:r>
-            <a:endParaRPr lang="zh-CN" altLang="en-US"/>
           </a:p>
         </p:txBody>
       </p:sp>
@@ -7004,7 +7031,7 @@
           <a:p>
             <a:pPr lvl="0"/>
             <a:r>
-              <a:rPr lang="zh-CN" altLang="en-US" smtClean="0"/>
+              <a:rPr lang="zh-CN" altLang="en-US"/>
               <a:t>单击此处编辑母版文本样式</a:t>
             </a:r>
           </a:p>
@@ -7027,7 +7054,7 @@
           <a:p>
             <a:fld id="{530820CF-B880-4189-942D-D702A7CBA730}" type="datetimeFigureOut">
               <a:rPr lang="zh-CN" altLang="en-US" smtClean="0"/>
-              <a:t>2021/10/30</a:t>
+              <a:t>2021/11/8</a:t>
             </a:fld>
             <a:endParaRPr lang="zh-CN" altLang="en-US"/>
           </a:p>
@@ -7116,10 +7143,9 @@
           <a:lstStyle/>
           <a:p>
             <a:r>
-              <a:rPr lang="zh-CN" altLang="en-US" smtClean="0"/>
+              <a:rPr lang="zh-CN" altLang="en-US"/>
               <a:t>单击此处编辑母版标题样式</a:t>
             </a:r>
-            <a:endParaRPr lang="zh-CN" altLang="en-US"/>
           </a:p>
         </p:txBody>
       </p:sp>
@@ -7140,38 +7166,37 @@
           <a:p>
             <a:pPr lvl="0"/>
             <a:r>
-              <a:rPr lang="zh-CN" altLang="en-US" smtClean="0"/>
+              <a:rPr lang="zh-CN" altLang="en-US"/>
               <a:t>单击此处编辑母版文本样式</a:t>
             </a:r>
           </a:p>
           <a:p>
             <a:pPr lvl="1"/>
             <a:r>
-              <a:rPr lang="zh-CN" altLang="en-US" smtClean="0"/>
+              <a:rPr lang="zh-CN" altLang="en-US"/>
               <a:t>二级</a:t>
             </a:r>
           </a:p>
           <a:p>
             <a:pPr lvl="2"/>
             <a:r>
-              <a:rPr lang="zh-CN" altLang="en-US" smtClean="0"/>
+              <a:rPr lang="zh-CN" altLang="en-US"/>
               <a:t>三级</a:t>
             </a:r>
           </a:p>
           <a:p>
             <a:pPr lvl="3"/>
             <a:r>
-              <a:rPr lang="zh-CN" altLang="en-US" smtClean="0"/>
+              <a:rPr lang="zh-CN" altLang="en-US"/>
               <a:t>四级</a:t>
             </a:r>
           </a:p>
           <a:p>
             <a:pPr lvl="4"/>
             <a:r>
-              <a:rPr lang="zh-CN" altLang="en-US" smtClean="0"/>
+              <a:rPr lang="zh-CN" altLang="en-US"/>
               <a:t>五级</a:t>
             </a:r>
-            <a:endParaRPr lang="zh-CN" altLang="en-US"/>
           </a:p>
         </p:txBody>
       </p:sp>
@@ -7192,7 +7217,7 @@
           <a:p>
             <a:fld id="{530820CF-B880-4189-942D-D702A7CBA730}" type="datetimeFigureOut">
               <a:rPr lang="zh-CN" altLang="en-US" smtClean="0"/>
-              <a:t>2021/10/30</a:t>
+              <a:t>2021/11/8</a:t>
             </a:fld>
             <a:endParaRPr lang="zh-CN" altLang="en-US"/>
           </a:p>
@@ -7286,10 +7311,9 @@
           <a:lstStyle/>
           <a:p>
             <a:r>
-              <a:rPr lang="zh-CN" altLang="en-US" smtClean="0"/>
+              <a:rPr lang="zh-CN" altLang="en-US"/>
               <a:t>单击此处编辑母版标题样式</a:t>
             </a:r>
-            <a:endParaRPr lang="zh-CN" altLang="en-US"/>
           </a:p>
         </p:txBody>
       </p:sp>
@@ -7315,38 +7339,37 @@
           <a:p>
             <a:pPr lvl="0"/>
             <a:r>
-              <a:rPr lang="zh-CN" altLang="en-US" smtClean="0"/>
+              <a:rPr lang="zh-CN" altLang="en-US"/>
               <a:t>单击此处编辑母版文本样式</a:t>
             </a:r>
           </a:p>
           <a:p>
             <a:pPr lvl="1"/>
             <a:r>
-              <a:rPr lang="zh-CN" altLang="en-US" smtClean="0"/>
+              <a:rPr lang="zh-CN" altLang="en-US"/>
               <a:t>二级</a:t>
             </a:r>
           </a:p>
           <a:p>
             <a:pPr lvl="2"/>
             <a:r>
-              <a:rPr lang="zh-CN" altLang="en-US" smtClean="0"/>
+              <a:rPr lang="zh-CN" altLang="en-US"/>
               <a:t>三级</a:t>
             </a:r>
           </a:p>
           <a:p>
             <a:pPr lvl="3"/>
             <a:r>
-              <a:rPr lang="zh-CN" altLang="en-US" smtClean="0"/>
+              <a:rPr lang="zh-CN" altLang="en-US"/>
               <a:t>四级</a:t>
             </a:r>
           </a:p>
           <a:p>
             <a:pPr lvl="4"/>
             <a:r>
-              <a:rPr lang="zh-CN" altLang="en-US" smtClean="0"/>
+              <a:rPr lang="zh-CN" altLang="en-US"/>
               <a:t>五级</a:t>
             </a:r>
-            <a:endParaRPr lang="zh-CN" altLang="en-US"/>
           </a:p>
         </p:txBody>
       </p:sp>
@@ -7367,7 +7390,7 @@
           <a:p>
             <a:fld id="{530820CF-B880-4189-942D-D702A7CBA730}" type="datetimeFigureOut">
               <a:rPr lang="zh-CN" altLang="en-US" smtClean="0"/>
-              <a:t>2021/10/30</a:t>
+              <a:t>2021/11/8</a:t>
             </a:fld>
             <a:endParaRPr lang="zh-CN" altLang="en-US"/>
           </a:p>
@@ -7420,13 +7443,6 @@
   <p:clrMapOvr>
     <a:masterClrMapping/>
   </p:clrMapOvr>
-  <p:timing>
-    <p:tnLst>
-      <p:par>
-        <p:cTn id="1" dur="indefinite" restart="never" nodeType="tmRoot"/>
-      </p:par>
-    </p:tnLst>
-  </p:timing>
 </p:sldLayout>
 </file>
 
@@ -7468,10 +7484,9 @@
           <a:lstStyle/>
           <a:p>
             <a:r>
-              <a:rPr lang="zh-CN" altLang="en-US" smtClean="0"/>
+              <a:rPr lang="zh-CN" altLang="en-US"/>
               <a:t>单击此处编辑母版标题样式</a:t>
             </a:r>
-            <a:endParaRPr lang="zh-CN" altLang="en-US"/>
           </a:p>
         </p:txBody>
       </p:sp>
@@ -7587,10 +7602,9 @@
           </a:lstStyle>
           <a:p>
             <a:r>
-              <a:rPr lang="zh-CN" altLang="en-US" smtClean="0"/>
+              <a:rPr lang="zh-CN" altLang="en-US"/>
               <a:t>单击此处编辑母版副标题样式</a:t>
             </a:r>
-            <a:endParaRPr lang="zh-CN" altLang="en-US"/>
           </a:p>
         </p:txBody>
       </p:sp>
@@ -7611,7 +7625,7 @@
           <a:p>
             <a:fld id="{EF50BAF8-1120-4869-B1EC-9D010EF77D65}" type="datetimeFigureOut">
               <a:rPr lang="zh-CN" altLang="en-US" smtClean="0"/>
-              <a:t>2021/10/30</a:t>
+              <a:t>2021/11/8</a:t>
             </a:fld>
             <a:endParaRPr lang="zh-CN" altLang="en-US"/>
           </a:p>
@@ -7669,13 +7683,6 @@
   <p:clrMapOvr>
     <a:masterClrMapping/>
   </p:clrMapOvr>
-  <p:timing>
-    <p:tnLst>
-      <p:par>
-        <p:cTn id="1" dur="indefinite" restart="never" nodeType="tmRoot"/>
-      </p:par>
-    </p:tnLst>
-  </p:timing>
 </p:sldLayout>
 </file>
 
@@ -7716,10 +7723,9 @@
           </a:lstStyle>
           <a:p>
             <a:r>
-              <a:rPr lang="zh-CN" altLang="en-US" dirty="0" smtClean="0"/>
+              <a:rPr lang="zh-CN" altLang="en-US" dirty="0"/>
               <a:t>目录</a:t>
             </a:r>
-            <a:endParaRPr lang="zh-CN" altLang="en-US" dirty="0"/>
           </a:p>
         </p:txBody>
       </p:sp>
@@ -7740,38 +7746,37 @@
           <a:p>
             <a:pPr lvl="0"/>
             <a:r>
-              <a:rPr lang="zh-CN" altLang="en-US" smtClean="0"/>
+              <a:rPr lang="zh-CN" altLang="en-US"/>
               <a:t>单击此处编辑母版文本样式</a:t>
             </a:r>
           </a:p>
           <a:p>
             <a:pPr lvl="1"/>
             <a:r>
-              <a:rPr lang="zh-CN" altLang="en-US" smtClean="0"/>
+              <a:rPr lang="zh-CN" altLang="en-US"/>
               <a:t>二级</a:t>
             </a:r>
           </a:p>
           <a:p>
             <a:pPr lvl="2"/>
             <a:r>
-              <a:rPr lang="zh-CN" altLang="en-US" smtClean="0"/>
+              <a:rPr lang="zh-CN" altLang="en-US"/>
               <a:t>三级</a:t>
             </a:r>
           </a:p>
           <a:p>
             <a:pPr lvl="3"/>
             <a:r>
-              <a:rPr lang="zh-CN" altLang="en-US" smtClean="0"/>
+              <a:rPr lang="zh-CN" altLang="en-US"/>
               <a:t>四级</a:t>
             </a:r>
           </a:p>
           <a:p>
             <a:pPr lvl="4"/>
             <a:r>
-              <a:rPr lang="zh-CN" altLang="en-US" smtClean="0"/>
+              <a:rPr lang="zh-CN" altLang="en-US"/>
               <a:t>五级</a:t>
             </a:r>
-            <a:endParaRPr lang="zh-CN" altLang="en-US"/>
           </a:p>
         </p:txBody>
       </p:sp>
@@ -7792,7 +7797,7 @@
           <a:p>
             <a:fld id="{EF50BAF8-1120-4869-B1EC-9D010EF77D65}" type="datetimeFigureOut">
               <a:rPr lang="zh-CN" altLang="en-US" smtClean="0"/>
-              <a:t>2021/10/30</a:t>
+              <a:t>2021/11/8</a:t>
             </a:fld>
             <a:endParaRPr lang="zh-CN" altLang="en-US"/>
           </a:p>
@@ -7850,13 +7855,6 @@
   <p:clrMapOvr>
     <a:masterClrMapping/>
   </p:clrMapOvr>
-  <p:timing>
-    <p:tnLst>
-      <p:par>
-        <p:cTn id="1" dur="indefinite" restart="never" nodeType="tmRoot"/>
-      </p:par>
-    </p:tnLst>
-  </p:timing>
 </p:sldLayout>
 </file>
 
@@ -7902,10 +7900,9 @@
           </a:lstStyle>
           <a:p>
             <a:r>
-              <a:rPr lang="zh-CN" altLang="en-US" smtClean="0"/>
+              <a:rPr lang="zh-CN" altLang="en-US"/>
               <a:t>单击此处编辑母版标题样式</a:t>
             </a:r>
-            <a:endParaRPr lang="zh-CN" altLang="en-US"/>
           </a:p>
         </p:txBody>
       </p:sp>
@@ -8022,7 +8019,7 @@
           <a:p>
             <a:pPr lvl="0"/>
             <a:r>
-              <a:rPr lang="zh-CN" altLang="en-US" smtClean="0"/>
+              <a:rPr lang="zh-CN" altLang="en-US"/>
               <a:t>单击此处编辑母版文本样式</a:t>
             </a:r>
           </a:p>
@@ -8045,7 +8042,7 @@
           <a:p>
             <a:fld id="{EF50BAF8-1120-4869-B1EC-9D010EF77D65}" type="datetimeFigureOut">
               <a:rPr lang="zh-CN" altLang="en-US" smtClean="0"/>
-              <a:t>2021/10/30</a:t>
+              <a:t>2021/11/8</a:t>
             </a:fld>
             <a:endParaRPr lang="zh-CN" altLang="en-US"/>
           </a:p>
@@ -8103,13 +8100,6 @@
   <p:clrMapOvr>
     <a:masterClrMapping/>
   </p:clrMapOvr>
-  <p:timing>
-    <p:tnLst>
-      <p:par>
-        <p:cTn id="1" dur="indefinite" restart="never" nodeType="tmRoot"/>
-      </p:par>
-    </p:tnLst>
-  </p:timing>
 </p:sldLayout>
 </file>
 
@@ -8146,10 +8136,9 @@
           <a:lstStyle/>
           <a:p>
             <a:r>
-              <a:rPr lang="zh-CN" altLang="en-US" smtClean="0"/>
+              <a:rPr lang="zh-CN" altLang="en-US"/>
               <a:t>单击此处编辑母版标题样式</a:t>
             </a:r>
-            <a:endParaRPr lang="zh-CN" altLang="en-US"/>
           </a:p>
         </p:txBody>
       </p:sp>
@@ -8203,38 +8192,37 @@
           <a:p>
             <a:pPr lvl="0"/>
             <a:r>
-              <a:rPr lang="zh-CN" altLang="en-US" smtClean="0"/>
+              <a:rPr lang="zh-CN" altLang="en-US"/>
               <a:t>单击此处编辑母版文本样式</a:t>
             </a:r>
           </a:p>
           <a:p>
             <a:pPr lvl="1"/>
             <a:r>
-              <a:rPr lang="zh-CN" altLang="en-US" smtClean="0"/>
+              <a:rPr lang="zh-CN" altLang="en-US"/>
               <a:t>二级</a:t>
             </a:r>
           </a:p>
           <a:p>
             <a:pPr lvl="2"/>
             <a:r>
-              <a:rPr lang="zh-CN" altLang="en-US" smtClean="0"/>
+              <a:rPr lang="zh-CN" altLang="en-US"/>
               <a:t>三级</a:t>
             </a:r>
           </a:p>
           <a:p>
             <a:pPr lvl="3"/>
             <a:r>
-              <a:rPr lang="zh-CN" altLang="en-US" smtClean="0"/>
+              <a:rPr lang="zh-CN" altLang="en-US"/>
               <a:t>四级</a:t>
             </a:r>
           </a:p>
           <a:p>
             <a:pPr lvl="4"/>
             <a:r>
-              <a:rPr lang="zh-CN" altLang="en-US" smtClean="0"/>
+              <a:rPr lang="zh-CN" altLang="en-US"/>
               <a:t>五级</a:t>
             </a:r>
-            <a:endParaRPr lang="zh-CN" altLang="en-US"/>
           </a:p>
         </p:txBody>
       </p:sp>
@@ -8288,38 +8276,37 @@
           <a:p>
             <a:pPr lvl="0"/>
             <a:r>
-              <a:rPr lang="zh-CN" altLang="en-US" smtClean="0"/>
+              <a:rPr lang="zh-CN" altLang="en-US"/>
               <a:t>单击此处编辑母版文本样式</a:t>
             </a:r>
           </a:p>
           <a:p>
             <a:pPr lvl="1"/>
             <a:r>
-              <a:rPr lang="zh-CN" altLang="en-US" smtClean="0"/>
+              <a:rPr lang="zh-CN" altLang="en-US"/>
               <a:t>二级</a:t>
             </a:r>
           </a:p>
           <a:p>
             <a:pPr lvl="2"/>
             <a:r>
-              <a:rPr lang="zh-CN" altLang="en-US" smtClean="0"/>
+              <a:rPr lang="zh-CN" altLang="en-US"/>
               <a:t>三级</a:t>
             </a:r>
           </a:p>
           <a:p>
             <a:pPr lvl="3"/>
             <a:r>
-              <a:rPr lang="zh-CN" altLang="en-US" smtClean="0"/>
+              <a:rPr lang="zh-CN" altLang="en-US"/>
               <a:t>四级</a:t>
             </a:r>
           </a:p>
           <a:p>
             <a:pPr lvl="4"/>
             <a:r>
-              <a:rPr lang="zh-CN" altLang="en-US" smtClean="0"/>
+              <a:rPr lang="zh-CN" altLang="en-US"/>
               <a:t>五级</a:t>
             </a:r>
-            <a:endParaRPr lang="zh-CN" altLang="en-US"/>
           </a:p>
         </p:txBody>
       </p:sp>
@@ -8340,7 +8327,7 @@
           <a:p>
             <a:fld id="{EF50BAF8-1120-4869-B1EC-9D010EF77D65}" type="datetimeFigureOut">
               <a:rPr lang="zh-CN" altLang="en-US" smtClean="0"/>
-              <a:t>2021/10/30</a:t>
+              <a:t>2021/11/8</a:t>
             </a:fld>
             <a:endParaRPr lang="zh-CN" altLang="en-US"/>
           </a:p>
@@ -8398,13 +8385,6 @@
   <p:clrMapOvr>
     <a:masterClrMapping/>
   </p:clrMapOvr>
-  <p:timing>
-    <p:tnLst>
-      <p:par>
-        <p:cTn id="1" dur="indefinite" restart="never" nodeType="tmRoot"/>
-      </p:par>
-    </p:tnLst>
-  </p:timing>
 </p:sldLayout>
 </file>
 
@@ -8445,10 +8425,9 @@
           </a:lstStyle>
           <a:p>
             <a:r>
-              <a:rPr lang="zh-CN" altLang="en-US" smtClean="0"/>
+              <a:rPr lang="zh-CN" altLang="en-US"/>
               <a:t>单击此处编辑母版标题样式</a:t>
             </a:r>
-            <a:endParaRPr lang="zh-CN" altLang="en-US"/>
           </a:p>
         </p:txBody>
       </p:sp>
@@ -8511,7 +8490,7 @@
           <a:p>
             <a:pPr lvl="0"/>
             <a:r>
-              <a:rPr lang="zh-CN" altLang="en-US" smtClean="0"/>
+              <a:rPr lang="zh-CN" altLang="en-US"/>
               <a:t>单击此处编辑母版文本样式</a:t>
             </a:r>
           </a:p>
@@ -8567,38 +8546,37 @@
           <a:p>
             <a:pPr lvl="0"/>
             <a:r>
-              <a:rPr lang="zh-CN" altLang="en-US" smtClean="0"/>
+              <a:rPr lang="zh-CN" altLang="en-US"/>
               <a:t>单击此处编辑母版文本样式</a:t>
             </a:r>
           </a:p>
           <a:p>
             <a:pPr lvl="1"/>
             <a:r>
-              <a:rPr lang="zh-CN" altLang="en-US" smtClean="0"/>
+              <a:rPr lang="zh-CN" altLang="en-US"/>
               <a:t>二级</a:t>
             </a:r>
           </a:p>
           <a:p>
             <a:pPr lvl="2"/>
             <a:r>
-              <a:rPr lang="zh-CN" altLang="en-US" smtClean="0"/>
+              <a:rPr lang="zh-CN" altLang="en-US"/>
               <a:t>三级</a:t>
             </a:r>
           </a:p>
           <a:p>
             <a:pPr lvl="3"/>
             <a:r>
-              <a:rPr lang="zh-CN" altLang="en-US" smtClean="0"/>
+              <a:rPr lang="zh-CN" altLang="en-US"/>
               <a:t>四级</a:t>
             </a:r>
           </a:p>
           <a:p>
             <a:pPr lvl="4"/>
             <a:r>
-              <a:rPr lang="zh-CN" altLang="en-US" smtClean="0"/>
+              <a:rPr lang="zh-CN" altLang="en-US"/>
               <a:t>五级</a:t>
             </a:r>
-            <a:endParaRPr lang="zh-CN" altLang="en-US"/>
           </a:p>
         </p:txBody>
       </p:sp>
@@ -8661,7 +8639,7 @@
           <a:p>
             <a:pPr lvl="0"/>
             <a:r>
-              <a:rPr lang="zh-CN" altLang="en-US" smtClean="0"/>
+              <a:rPr lang="zh-CN" altLang="en-US"/>
               <a:t>单击此处编辑母版文本样式</a:t>
             </a:r>
           </a:p>
@@ -8717,38 +8695,37 @@
           <a:p>
             <a:pPr lvl="0"/>
             <a:r>
-              <a:rPr lang="zh-CN" altLang="en-US" smtClean="0"/>
+              <a:rPr lang="zh-CN" altLang="en-US"/>
               <a:t>单击此处编辑母版文本样式</a:t>
             </a:r>
           </a:p>
           <a:p>
             <a:pPr lvl="1"/>
             <a:r>
-              <a:rPr lang="zh-CN" altLang="en-US" smtClean="0"/>
+              <a:rPr lang="zh-CN" altLang="en-US"/>
               <a:t>二级</a:t>
             </a:r>
           </a:p>
           <a:p>
             <a:pPr lvl="2"/>
             <a:r>
-              <a:rPr lang="zh-CN" altLang="en-US" smtClean="0"/>
+              <a:rPr lang="zh-CN" altLang="en-US"/>
               <a:t>三级</a:t>
             </a:r>
           </a:p>
           <a:p>
             <a:pPr lvl="3"/>
             <a:r>
-              <a:rPr lang="zh-CN" altLang="en-US" smtClean="0"/>
+              <a:rPr lang="zh-CN" altLang="en-US"/>
               <a:t>四级</a:t>
             </a:r>
           </a:p>
           <a:p>
             <a:pPr lvl="4"/>
             <a:r>
-              <a:rPr lang="zh-CN" altLang="en-US" smtClean="0"/>
+              <a:rPr lang="zh-CN" altLang="en-US"/>
               <a:t>五级</a:t>
             </a:r>
-            <a:endParaRPr lang="zh-CN" altLang="en-US"/>
           </a:p>
         </p:txBody>
       </p:sp>
@@ -8769,7 +8746,7 @@
           <a:p>
             <a:fld id="{EF50BAF8-1120-4869-B1EC-9D010EF77D65}" type="datetimeFigureOut">
               <a:rPr lang="zh-CN" altLang="en-US" smtClean="0"/>
-              <a:t>2021/10/30</a:t>
+              <a:t>2021/11/8</a:t>
             </a:fld>
             <a:endParaRPr lang="zh-CN" altLang="en-US"/>
           </a:p>
@@ -8863,10 +8840,9 @@
           <a:lstStyle/>
           <a:p>
             <a:r>
-              <a:rPr lang="zh-CN" altLang="en-US" smtClean="0"/>
+              <a:rPr lang="zh-CN" altLang="en-US"/>
               <a:t>单击此处编辑母版标题样式</a:t>
             </a:r>
-            <a:endParaRPr lang="zh-CN" altLang="en-US"/>
           </a:p>
         </p:txBody>
       </p:sp>
@@ -8887,7 +8863,7 @@
           <a:p>
             <a:fld id="{EF50BAF8-1120-4869-B1EC-9D010EF77D65}" type="datetimeFigureOut">
               <a:rPr lang="zh-CN" altLang="en-US" smtClean="0"/>
-              <a:t>2021/10/30</a:t>
+              <a:t>2021/11/8</a:t>
             </a:fld>
             <a:endParaRPr lang="zh-CN" altLang="en-US"/>
           </a:p>
@@ -8990,10 +8966,9 @@
           </a:lstStyle>
           <a:p>
             <a:r>
-              <a:rPr lang="zh-CN" altLang="en-US" smtClean="0"/>
+              <a:rPr lang="zh-CN" altLang="en-US"/>
               <a:t>单击此处编辑母版标题样式</a:t>
             </a:r>
-            <a:endParaRPr lang="zh-CN" altLang="en-US"/>
           </a:p>
         </p:txBody>
       </p:sp>
@@ -9110,7 +9085,7 @@
           <a:p>
             <a:pPr lvl="0"/>
             <a:r>
-              <a:rPr lang="zh-CN" altLang="en-US" smtClean="0"/>
+              <a:rPr lang="zh-CN" altLang="en-US"/>
               <a:t>单击此处编辑母版文本样式</a:t>
             </a:r>
           </a:p>
@@ -9133,7 +9108,7 @@
           <a:p>
             <a:fld id="{EF50BAF8-1120-4869-B1EC-9D010EF77D65}" type="datetimeFigureOut">
               <a:rPr lang="zh-CN" altLang="en-US" smtClean="0"/>
-              <a:t>2021/10/30</a:t>
+              <a:t>2021/11/8</a:t>
             </a:fld>
             <a:endParaRPr lang="zh-CN" altLang="en-US"/>
           </a:p>
@@ -9191,13 +9166,6 @@
   <p:clrMapOvr>
     <a:masterClrMapping/>
   </p:clrMapOvr>
-  <p:timing>
-    <p:tnLst>
-      <p:par>
-        <p:cTn id="1" dur="indefinite" restart="never" nodeType="tmRoot"/>
-      </p:par>
-    </p:tnLst>
-  </p:timing>
 </p:sldLayout>
 </file>
 
@@ -9235,7 +9203,7 @@
           <a:p>
             <a:fld id="{EF50BAF8-1120-4869-B1EC-9D010EF77D65}" type="datetimeFigureOut">
               <a:rPr lang="zh-CN" altLang="en-US" smtClean="0"/>
-              <a:t>2021/10/30</a:t>
+              <a:t>2021/11/8</a:t>
             </a:fld>
             <a:endParaRPr lang="zh-CN" altLang="en-US"/>
           </a:p>
@@ -9338,10 +9306,9 @@
           </a:lstStyle>
           <a:p>
             <a:r>
-              <a:rPr lang="zh-CN" altLang="en-US" smtClean="0"/>
+              <a:rPr lang="zh-CN" altLang="en-US"/>
               <a:t>单击此处编辑母版标题样式</a:t>
             </a:r>
-            <a:endParaRPr lang="zh-CN" altLang="en-US"/>
           </a:p>
         </p:txBody>
       </p:sp>
@@ -9395,38 +9362,37 @@
           <a:p>
             <a:pPr lvl="0"/>
             <a:r>
-              <a:rPr lang="zh-CN" altLang="en-US" smtClean="0"/>
+              <a:rPr lang="zh-CN" altLang="en-US"/>
               <a:t>单击此处编辑母版文本样式</a:t>
             </a:r>
           </a:p>
           <a:p>
             <a:pPr lvl="1"/>
             <a:r>
-              <a:rPr lang="zh-CN" altLang="en-US" smtClean="0"/>
+              <a:rPr lang="zh-CN" altLang="en-US"/>
               <a:t>二级</a:t>
             </a:r>
           </a:p>
           <a:p>
             <a:pPr lvl="2"/>
             <a:r>
-              <a:rPr lang="zh-CN" altLang="en-US" smtClean="0"/>
+              <a:rPr lang="zh-CN" altLang="en-US"/>
               <a:t>三级</a:t>
             </a:r>
           </a:p>
           <a:p>
             <a:pPr lvl="3"/>
             <a:r>
-              <a:rPr lang="zh-CN" altLang="en-US" smtClean="0"/>
+              <a:rPr lang="zh-CN" altLang="en-US"/>
               <a:t>四级</a:t>
             </a:r>
           </a:p>
           <a:p>
             <a:pPr lvl="4"/>
             <a:r>
-              <a:rPr lang="zh-CN" altLang="en-US" smtClean="0"/>
+              <a:rPr lang="zh-CN" altLang="en-US"/>
               <a:t>五级</a:t>
             </a:r>
-            <a:endParaRPr lang="zh-CN" altLang="en-US"/>
           </a:p>
         </p:txBody>
       </p:sp>
@@ -9489,7 +9455,7 @@
           <a:p>
             <a:pPr lvl="0"/>
             <a:r>
-              <a:rPr lang="zh-CN" altLang="en-US" smtClean="0"/>
+              <a:rPr lang="zh-CN" altLang="en-US"/>
               <a:t>单击此处编辑母版文本样式</a:t>
             </a:r>
           </a:p>
@@ -9512,7 +9478,7 @@
           <a:p>
             <a:fld id="{EF50BAF8-1120-4869-B1EC-9D010EF77D65}" type="datetimeFigureOut">
               <a:rPr lang="zh-CN" altLang="en-US" smtClean="0"/>
-              <a:t>2021/10/30</a:t>
+              <a:t>2021/11/8</a:t>
             </a:fld>
             <a:endParaRPr lang="zh-CN" altLang="en-US"/>
           </a:p>
@@ -9615,10 +9581,9 @@
           </a:lstStyle>
           <a:p>
             <a:r>
-              <a:rPr lang="zh-CN" altLang="en-US" smtClean="0"/>
+              <a:rPr lang="zh-CN" altLang="en-US"/>
               <a:t>单击此处编辑母版标题样式</a:t>
             </a:r>
-            <a:endParaRPr lang="zh-CN" altLang="en-US"/>
           </a:p>
         </p:txBody>
       </p:sp>
@@ -9680,10 +9645,9 @@
           </a:lstStyle>
           <a:p>
             <a:r>
-              <a:rPr lang="zh-CN" altLang="en-US" smtClean="0"/>
+              <a:rPr lang="zh-CN" altLang="en-US"/>
               <a:t>将图片拖动到占位符，或单击添加图标</a:t>
             </a:r>
-            <a:endParaRPr lang="zh-CN" altLang="en-US"/>
           </a:p>
         </p:txBody>
       </p:sp>
@@ -9746,7 +9710,7 @@
           <a:p>
             <a:pPr lvl="0"/>
             <a:r>
-              <a:rPr lang="zh-CN" altLang="en-US" smtClean="0"/>
+              <a:rPr lang="zh-CN" altLang="en-US"/>
               <a:t>单击此处编辑母版文本样式</a:t>
             </a:r>
           </a:p>
@@ -9769,7 +9733,7 @@
           <a:p>
             <a:fld id="{EF50BAF8-1120-4869-B1EC-9D010EF77D65}" type="datetimeFigureOut">
               <a:rPr lang="zh-CN" altLang="en-US" smtClean="0"/>
-              <a:t>2021/10/30</a:t>
+              <a:t>2021/11/8</a:t>
             </a:fld>
             <a:endParaRPr lang="zh-CN" altLang="en-US"/>
           </a:p>
@@ -9863,10 +9827,9 @@
           <a:lstStyle/>
           <a:p>
             <a:r>
-              <a:rPr lang="zh-CN" altLang="en-US" smtClean="0"/>
+              <a:rPr lang="zh-CN" altLang="en-US"/>
               <a:t>单击此处编辑母版标题样式</a:t>
             </a:r>
-            <a:endParaRPr lang="zh-CN" altLang="en-US"/>
           </a:p>
         </p:txBody>
       </p:sp>
@@ -9887,38 +9850,37 @@
           <a:p>
             <a:pPr lvl="0"/>
             <a:r>
-              <a:rPr lang="zh-CN" altLang="en-US" smtClean="0"/>
+              <a:rPr lang="zh-CN" altLang="en-US"/>
               <a:t>单击此处编辑母版文本样式</a:t>
             </a:r>
           </a:p>
           <a:p>
             <a:pPr lvl="1"/>
             <a:r>
-              <a:rPr lang="zh-CN" altLang="en-US" smtClean="0"/>
+              <a:rPr lang="zh-CN" altLang="en-US"/>
               <a:t>二级</a:t>
             </a:r>
           </a:p>
           <a:p>
             <a:pPr lvl="2"/>
             <a:r>
-              <a:rPr lang="zh-CN" altLang="en-US" smtClean="0"/>
+              <a:rPr lang="zh-CN" altLang="en-US"/>
               <a:t>三级</a:t>
             </a:r>
           </a:p>
           <a:p>
             <a:pPr lvl="3"/>
             <a:r>
-              <a:rPr lang="zh-CN" altLang="en-US" smtClean="0"/>
+              <a:rPr lang="zh-CN" altLang="en-US"/>
               <a:t>四级</a:t>
             </a:r>
           </a:p>
           <a:p>
             <a:pPr lvl="4"/>
             <a:r>
-              <a:rPr lang="zh-CN" altLang="en-US" smtClean="0"/>
+              <a:rPr lang="zh-CN" altLang="en-US"/>
               <a:t>五级</a:t>
             </a:r>
-            <a:endParaRPr lang="zh-CN" altLang="en-US"/>
           </a:p>
         </p:txBody>
       </p:sp>
@@ -9939,7 +9901,7 @@
           <a:p>
             <a:fld id="{EF50BAF8-1120-4869-B1EC-9D010EF77D65}" type="datetimeFigureOut">
               <a:rPr lang="zh-CN" altLang="en-US" smtClean="0"/>
-              <a:t>2021/10/30</a:t>
+              <a:t>2021/11/8</a:t>
             </a:fld>
             <a:endParaRPr lang="zh-CN" altLang="en-US"/>
           </a:p>
@@ -10038,10 +10000,9 @@
           <a:lstStyle/>
           <a:p>
             <a:r>
-              <a:rPr lang="zh-CN" altLang="en-US" smtClean="0"/>
+              <a:rPr lang="zh-CN" altLang="en-US"/>
               <a:t>单击此处编辑母版标题样式</a:t>
             </a:r>
-            <a:endParaRPr lang="zh-CN" altLang="en-US"/>
           </a:p>
         </p:txBody>
       </p:sp>
@@ -10067,38 +10028,37 @@
           <a:p>
             <a:pPr lvl="0"/>
             <a:r>
-              <a:rPr lang="zh-CN" altLang="en-US" smtClean="0"/>
+              <a:rPr lang="zh-CN" altLang="en-US"/>
               <a:t>单击此处编辑母版文本样式</a:t>
             </a:r>
           </a:p>
           <a:p>
             <a:pPr lvl="1"/>
             <a:r>
-              <a:rPr lang="zh-CN" altLang="en-US" smtClean="0"/>
+              <a:rPr lang="zh-CN" altLang="en-US"/>
               <a:t>二级</a:t>
             </a:r>
           </a:p>
           <a:p>
             <a:pPr lvl="2"/>
             <a:r>
-              <a:rPr lang="zh-CN" altLang="en-US" smtClean="0"/>
+              <a:rPr lang="zh-CN" altLang="en-US"/>
               <a:t>三级</a:t>
             </a:r>
           </a:p>
           <a:p>
             <a:pPr lvl="3"/>
             <a:r>
-              <a:rPr lang="zh-CN" altLang="en-US" smtClean="0"/>
+              <a:rPr lang="zh-CN" altLang="en-US"/>
               <a:t>四级</a:t>
             </a:r>
           </a:p>
           <a:p>
             <a:pPr lvl="4"/>
             <a:r>
-              <a:rPr lang="zh-CN" altLang="en-US" smtClean="0"/>
+              <a:rPr lang="zh-CN" altLang="en-US"/>
               <a:t>五级</a:t>
             </a:r>
-            <a:endParaRPr lang="zh-CN" altLang="en-US"/>
           </a:p>
         </p:txBody>
       </p:sp>
@@ -10119,7 +10079,7 @@
           <a:p>
             <a:fld id="{EF50BAF8-1120-4869-B1EC-9D010EF77D65}" type="datetimeFigureOut">
               <a:rPr lang="zh-CN" altLang="en-US" smtClean="0"/>
-              <a:t>2021/10/30</a:t>
+              <a:t>2021/11/8</a:t>
             </a:fld>
             <a:endParaRPr lang="zh-CN" altLang="en-US"/>
           </a:p>
@@ -10213,10 +10173,9 @@
           <a:lstStyle/>
           <a:p>
             <a:r>
-              <a:rPr lang="zh-CN" altLang="en-US" smtClean="0"/>
+              <a:rPr lang="zh-CN" altLang="en-US"/>
               <a:t>单击此处编辑母版标题样式</a:t>
             </a:r>
-            <a:endParaRPr lang="zh-CN" altLang="en-US"/>
           </a:p>
         </p:txBody>
       </p:sp>
@@ -10270,38 +10229,37 @@
           <a:p>
             <a:pPr lvl="0"/>
             <a:r>
-              <a:rPr lang="zh-CN" altLang="en-US" smtClean="0"/>
+              <a:rPr lang="zh-CN" altLang="en-US"/>
               <a:t>单击此处编辑母版文本样式</a:t>
             </a:r>
           </a:p>
           <a:p>
             <a:pPr lvl="1"/>
             <a:r>
-              <a:rPr lang="zh-CN" altLang="en-US" smtClean="0"/>
+              <a:rPr lang="zh-CN" altLang="en-US"/>
               <a:t>第二级</a:t>
             </a:r>
           </a:p>
           <a:p>
             <a:pPr lvl="2"/>
             <a:r>
-              <a:rPr lang="zh-CN" altLang="en-US" smtClean="0"/>
+              <a:rPr lang="zh-CN" altLang="en-US"/>
               <a:t>第三级</a:t>
             </a:r>
           </a:p>
           <a:p>
             <a:pPr lvl="3"/>
             <a:r>
-              <a:rPr lang="zh-CN" altLang="en-US" smtClean="0"/>
+              <a:rPr lang="zh-CN" altLang="en-US"/>
               <a:t>第四级</a:t>
             </a:r>
           </a:p>
           <a:p>
             <a:pPr lvl="4"/>
             <a:r>
-              <a:rPr lang="zh-CN" altLang="en-US" smtClean="0"/>
+              <a:rPr lang="zh-CN" altLang="en-US"/>
               <a:t>第五级</a:t>
             </a:r>
-            <a:endParaRPr lang="zh-CN" altLang="en-US"/>
           </a:p>
         </p:txBody>
       </p:sp>
@@ -10355,38 +10313,37 @@
           <a:p>
             <a:pPr lvl="0"/>
             <a:r>
-              <a:rPr lang="zh-CN" altLang="en-US" smtClean="0"/>
+              <a:rPr lang="zh-CN" altLang="en-US"/>
               <a:t>单击此处编辑母版文本样式</a:t>
             </a:r>
           </a:p>
           <a:p>
             <a:pPr lvl="1"/>
             <a:r>
-              <a:rPr lang="zh-CN" altLang="en-US" smtClean="0"/>
+              <a:rPr lang="zh-CN" altLang="en-US"/>
               <a:t>第二级</a:t>
             </a:r>
           </a:p>
           <a:p>
             <a:pPr lvl="2"/>
             <a:r>
-              <a:rPr lang="zh-CN" altLang="en-US" smtClean="0"/>
+              <a:rPr lang="zh-CN" altLang="en-US"/>
               <a:t>第三级</a:t>
             </a:r>
           </a:p>
           <a:p>
             <a:pPr lvl="3"/>
             <a:r>
-              <a:rPr lang="zh-CN" altLang="en-US" smtClean="0"/>
+              <a:rPr lang="zh-CN" altLang="en-US"/>
               <a:t>第四级</a:t>
             </a:r>
           </a:p>
           <a:p>
             <a:pPr lvl="4"/>
             <a:r>
-              <a:rPr lang="zh-CN" altLang="en-US" smtClean="0"/>
+              <a:rPr lang="zh-CN" altLang="en-US"/>
               <a:t>第五级</a:t>
             </a:r>
-            <a:endParaRPr lang="zh-CN" altLang="en-US"/>
           </a:p>
         </p:txBody>
       </p:sp>
@@ -10407,7 +10364,7 @@
           <a:p>
             <a:fld id="{EF50BAF8-1120-4869-B1EC-9D010EF77D65}" type="datetimeFigureOut">
               <a:rPr lang="zh-CN" altLang="en-US" smtClean="0"/>
-              <a:t>2021/10/30</a:t>
+              <a:t>2021/11/8</a:t>
             </a:fld>
             <a:endParaRPr lang="zh-CN" altLang="en-US"/>
           </a:p>
@@ -10465,13 +10422,6 @@
   <p:clrMapOvr>
     <a:masterClrMapping/>
   </p:clrMapOvr>
-  <p:timing>
-    <p:tnLst>
-      <p:par>
-        <p:cTn id="1" dur="indefinite" restart="never" nodeType="tmRoot"/>
-      </p:par>
-    </p:tnLst>
-  </p:timing>
 </p:sldLayout>
 </file>
 
@@ -10512,10 +10462,9 @@
           </a:lstStyle>
           <a:p>
             <a:r>
-              <a:rPr lang="zh-CN" altLang="en-US" smtClean="0"/>
+              <a:rPr lang="zh-CN" altLang="en-US"/>
               <a:t>单击此处编辑母版标题样式</a:t>
             </a:r>
-            <a:endParaRPr lang="zh-CN" altLang="en-US"/>
           </a:p>
         </p:txBody>
       </p:sp>
@@ -10578,7 +10527,7 @@
           <a:p>
             <a:pPr lvl="0"/>
             <a:r>
-              <a:rPr lang="zh-CN" altLang="en-US" smtClean="0"/>
+              <a:rPr lang="zh-CN" altLang="en-US"/>
               <a:t>单击此处编辑母版文本样式</a:t>
             </a:r>
           </a:p>
@@ -10634,38 +10583,37 @@
           <a:p>
             <a:pPr lvl="0"/>
             <a:r>
-              <a:rPr lang="zh-CN" altLang="en-US" smtClean="0"/>
+              <a:rPr lang="zh-CN" altLang="en-US"/>
               <a:t>单击此处编辑母版文本样式</a:t>
             </a:r>
           </a:p>
           <a:p>
             <a:pPr lvl="1"/>
             <a:r>
-              <a:rPr lang="zh-CN" altLang="en-US" smtClean="0"/>
+              <a:rPr lang="zh-CN" altLang="en-US"/>
               <a:t>第二级</a:t>
             </a:r>
           </a:p>
           <a:p>
             <a:pPr lvl="2"/>
             <a:r>
-              <a:rPr lang="zh-CN" altLang="en-US" smtClean="0"/>
+              <a:rPr lang="zh-CN" altLang="en-US"/>
               <a:t>第三级</a:t>
             </a:r>
           </a:p>
           <a:p>
             <a:pPr lvl="3"/>
             <a:r>
-              <a:rPr lang="zh-CN" altLang="en-US" smtClean="0"/>
+              <a:rPr lang="zh-CN" altLang="en-US"/>
               <a:t>第四级</a:t>
             </a:r>
           </a:p>
           <a:p>
             <a:pPr lvl="4"/>
             <a:r>
-              <a:rPr lang="zh-CN" altLang="en-US" smtClean="0"/>
+              <a:rPr lang="zh-CN" altLang="en-US"/>
               <a:t>第五级</a:t>
             </a:r>
-            <a:endParaRPr lang="zh-CN" altLang="en-US"/>
           </a:p>
         </p:txBody>
       </p:sp>
@@ -10728,7 +10676,7 @@
           <a:p>
             <a:pPr lvl="0"/>
             <a:r>
-              <a:rPr lang="zh-CN" altLang="en-US" smtClean="0"/>
+              <a:rPr lang="zh-CN" altLang="en-US"/>
               <a:t>单击此处编辑母版文本样式</a:t>
             </a:r>
           </a:p>
@@ -10784,38 +10732,37 @@
           <a:p>
             <a:pPr lvl="0"/>
             <a:r>
-              <a:rPr lang="zh-CN" altLang="en-US" smtClean="0"/>
+              <a:rPr lang="zh-CN" altLang="en-US"/>
               <a:t>单击此处编辑母版文本样式</a:t>
             </a:r>
           </a:p>
           <a:p>
             <a:pPr lvl="1"/>
             <a:r>
-              <a:rPr lang="zh-CN" altLang="en-US" smtClean="0"/>
+              <a:rPr lang="zh-CN" altLang="en-US"/>
               <a:t>第二级</a:t>
             </a:r>
           </a:p>
           <a:p>
             <a:pPr lvl="2"/>
             <a:r>
-              <a:rPr lang="zh-CN" altLang="en-US" smtClean="0"/>
+              <a:rPr lang="zh-CN" altLang="en-US"/>
               <a:t>第三级</a:t>
             </a:r>
           </a:p>
           <a:p>
             <a:pPr lvl="3"/>
             <a:r>
-              <a:rPr lang="zh-CN" altLang="en-US" smtClean="0"/>
+              <a:rPr lang="zh-CN" altLang="en-US"/>
               <a:t>第四级</a:t>
             </a:r>
           </a:p>
           <a:p>
             <a:pPr lvl="4"/>
             <a:r>
-              <a:rPr lang="zh-CN" altLang="en-US" smtClean="0"/>
+              <a:rPr lang="zh-CN" altLang="en-US"/>
               <a:t>第五级</a:t>
             </a:r>
-            <a:endParaRPr lang="zh-CN" altLang="en-US"/>
           </a:p>
         </p:txBody>
       </p:sp>
@@ -10836,7 +10783,7 @@
           <a:p>
             <a:fld id="{EF50BAF8-1120-4869-B1EC-9D010EF77D65}" type="datetimeFigureOut">
               <a:rPr lang="zh-CN" altLang="en-US" smtClean="0"/>
-              <a:t>2021/10/30</a:t>
+              <a:t>2021/11/8</a:t>
             </a:fld>
             <a:endParaRPr lang="zh-CN" altLang="en-US"/>
           </a:p>
@@ -10930,10 +10877,9 @@
           <a:lstStyle/>
           <a:p>
             <a:r>
-              <a:rPr lang="zh-CN" altLang="en-US" smtClean="0"/>
+              <a:rPr lang="zh-CN" altLang="en-US"/>
               <a:t>单击此处编辑母版标题样式</a:t>
             </a:r>
-            <a:endParaRPr lang="zh-CN" altLang="en-US"/>
           </a:p>
         </p:txBody>
       </p:sp>
@@ -10954,7 +10900,7 @@
           <a:p>
             <a:fld id="{EF50BAF8-1120-4869-B1EC-9D010EF77D65}" type="datetimeFigureOut">
               <a:rPr lang="zh-CN" altLang="en-US" smtClean="0"/>
-              <a:t>2021/10/30</a:t>
+              <a:t>2021/11/8</a:t>
             </a:fld>
             <a:endParaRPr lang="zh-CN" altLang="en-US"/>
           </a:p>
@@ -11049,7 +10995,7 @@
           <a:p>
             <a:fld id="{EF50BAF8-1120-4869-B1EC-9D010EF77D65}" type="datetimeFigureOut">
               <a:rPr lang="zh-CN" altLang="en-US" smtClean="0"/>
-              <a:t>2021/10/30</a:t>
+              <a:t>2021/11/8</a:t>
             </a:fld>
             <a:endParaRPr lang="zh-CN" altLang="en-US"/>
           </a:p>
@@ -11152,10 +11098,9 @@
           </a:lstStyle>
           <a:p>
             <a:r>
-              <a:rPr lang="zh-CN" altLang="en-US" smtClean="0"/>
+              <a:rPr lang="zh-CN" altLang="en-US"/>
               <a:t>单击此处编辑母版标题样式</a:t>
             </a:r>
-            <a:endParaRPr lang="zh-CN" altLang="en-US"/>
           </a:p>
         </p:txBody>
       </p:sp>
@@ -11209,38 +11154,37 @@
           <a:p>
             <a:pPr lvl="0"/>
             <a:r>
-              <a:rPr lang="zh-CN" altLang="en-US" smtClean="0"/>
+              <a:rPr lang="zh-CN" altLang="en-US"/>
               <a:t>单击此处编辑母版文本样式</a:t>
             </a:r>
           </a:p>
           <a:p>
             <a:pPr lvl="1"/>
             <a:r>
-              <a:rPr lang="zh-CN" altLang="en-US" smtClean="0"/>
+              <a:rPr lang="zh-CN" altLang="en-US"/>
               <a:t>第二级</a:t>
             </a:r>
           </a:p>
           <a:p>
             <a:pPr lvl="2"/>
             <a:r>
-              <a:rPr lang="zh-CN" altLang="en-US" smtClean="0"/>
+              <a:rPr lang="zh-CN" altLang="en-US"/>
               <a:t>第三级</a:t>
             </a:r>
           </a:p>
           <a:p>
             <a:pPr lvl="3"/>
             <a:r>
-              <a:rPr lang="zh-CN" altLang="en-US" smtClean="0"/>
+              <a:rPr lang="zh-CN" altLang="en-US"/>
               <a:t>第四级</a:t>
             </a:r>
           </a:p>
           <a:p>
             <a:pPr lvl="4"/>
             <a:r>
-              <a:rPr lang="zh-CN" altLang="en-US" smtClean="0"/>
+              <a:rPr lang="zh-CN" altLang="en-US"/>
               <a:t>第五级</a:t>
             </a:r>
-            <a:endParaRPr lang="zh-CN" altLang="en-US"/>
           </a:p>
         </p:txBody>
       </p:sp>
@@ -11303,7 +11247,7 @@
           <a:p>
             <a:pPr lvl="0"/>
             <a:r>
-              <a:rPr lang="zh-CN" altLang="en-US" smtClean="0"/>
+              <a:rPr lang="zh-CN" altLang="en-US"/>
               <a:t>单击此处编辑母版文本样式</a:t>
             </a:r>
           </a:p>
@@ -11326,7 +11270,7 @@
           <a:p>
             <a:fld id="{EF50BAF8-1120-4869-B1EC-9D010EF77D65}" type="datetimeFigureOut">
               <a:rPr lang="zh-CN" altLang="en-US" smtClean="0"/>
-              <a:t>2021/10/30</a:t>
+              <a:t>2021/11/8</a:t>
             </a:fld>
             <a:endParaRPr lang="zh-CN" altLang="en-US"/>
           </a:p>
@@ -11429,10 +11373,9 @@
           </a:lstStyle>
           <a:p>
             <a:r>
-              <a:rPr lang="zh-CN" altLang="en-US" smtClean="0"/>
+              <a:rPr lang="zh-CN" altLang="en-US"/>
               <a:t>单击此处编辑母版标题样式</a:t>
             </a:r>
-            <a:endParaRPr lang="zh-CN" altLang="en-US"/>
           </a:p>
         </p:txBody>
       </p:sp>
@@ -11556,7 +11499,7 @@
           <a:p>
             <a:pPr lvl="0"/>
             <a:r>
-              <a:rPr lang="zh-CN" altLang="en-US" smtClean="0"/>
+              <a:rPr lang="zh-CN" altLang="en-US"/>
               <a:t>单击此处编辑母版文本样式</a:t>
             </a:r>
           </a:p>
@@ -11579,7 +11522,7 @@
           <a:p>
             <a:fld id="{EF50BAF8-1120-4869-B1EC-9D010EF77D65}" type="datetimeFigureOut">
               <a:rPr lang="zh-CN" altLang="en-US" smtClean="0"/>
-              <a:t>2021/10/30</a:t>
+              <a:t>2021/11/8</a:t>
             </a:fld>
             <a:endParaRPr lang="zh-CN" altLang="en-US"/>
           </a:p>
@@ -11734,10 +11677,9 @@
           <a:lstStyle/>
           <a:p>
             <a:r>
-              <a:rPr lang="zh-CN" altLang="en-US" dirty="0" smtClean="0"/>
+              <a:rPr lang="zh-CN" altLang="en-US" dirty="0"/>
               <a:t>目录</a:t>
             </a:r>
-            <a:endParaRPr lang="zh-CN" altLang="en-US" dirty="0"/>
           </a:p>
         </p:txBody>
       </p:sp>
@@ -11768,38 +11710,37 @@
           <a:p>
             <a:pPr lvl="0"/>
             <a:r>
-              <a:rPr lang="zh-CN" altLang="en-US" dirty="0" smtClean="0"/>
+              <a:rPr lang="zh-CN" altLang="en-US" dirty="0"/>
               <a:t>单击此处编辑母版文本样式</a:t>
             </a:r>
           </a:p>
           <a:p>
             <a:pPr lvl="1"/>
             <a:r>
-              <a:rPr lang="zh-CN" altLang="en-US" dirty="0" smtClean="0"/>
+              <a:rPr lang="zh-CN" altLang="en-US" dirty="0"/>
               <a:t>第二级</a:t>
             </a:r>
           </a:p>
           <a:p>
             <a:pPr lvl="2"/>
             <a:r>
-              <a:rPr lang="zh-CN" altLang="en-US" dirty="0" smtClean="0"/>
+              <a:rPr lang="zh-CN" altLang="en-US" dirty="0"/>
               <a:t>第三级</a:t>
             </a:r>
           </a:p>
           <a:p>
             <a:pPr lvl="3"/>
             <a:r>
-              <a:rPr lang="zh-CN" altLang="en-US" dirty="0" smtClean="0"/>
+              <a:rPr lang="zh-CN" altLang="en-US" dirty="0"/>
               <a:t>第四级</a:t>
             </a:r>
           </a:p>
           <a:p>
             <a:pPr lvl="4"/>
             <a:r>
-              <a:rPr lang="zh-CN" altLang="en-US" dirty="0" smtClean="0"/>
+              <a:rPr lang="zh-CN" altLang="en-US" dirty="0"/>
               <a:t>第五级</a:t>
             </a:r>
-            <a:endParaRPr lang="zh-CN" altLang="en-US" dirty="0"/>
           </a:p>
         </p:txBody>
       </p:sp>
@@ -11838,7 +11779,7 @@
           <a:p>
             <a:fld id="{EF50BAF8-1120-4869-B1EC-9D010EF77D65}" type="datetimeFigureOut">
               <a:rPr lang="zh-CN" altLang="en-US" smtClean="0"/>
-              <a:t>2021/10/30</a:t>
+              <a:t>2021/11/8</a:t>
             </a:fld>
             <a:endParaRPr lang="zh-CN" altLang="en-US"/>
           </a:p>
@@ -11943,13 +11884,6 @@
     <p:sldLayoutId id="2147483670" r:id="rId10"/>
     <p:sldLayoutId id="2147483671" r:id="rId11"/>
   </p:sldLayoutIdLst>
-  <p:timing>
-    <p:tnLst>
-      <p:par>
-        <p:cTn id="1" dur="indefinite" restart="never" nodeType="tmRoot"/>
-      </p:par>
-    </p:tnLst>
-  </p:timing>
   <p:txStyles>
     <p:titleStyle>
       <a:lvl1pPr algn="l" defTabSz="914400" rtl="0" eaLnBrk="1" latinLnBrk="0" hangingPunct="1">
@@ -12262,10 +12196,9 @@
           <a:lstStyle/>
           <a:p>
             <a:r>
-              <a:rPr lang="zh-CN" altLang="en-US" smtClean="0"/>
+              <a:rPr lang="zh-CN" altLang="en-US"/>
               <a:t>单击此处编辑母版标题样式</a:t>
             </a:r>
-            <a:endParaRPr lang="zh-CN" altLang="en-US"/>
           </a:p>
         </p:txBody>
       </p:sp>
@@ -12296,38 +12229,37 @@
           <a:p>
             <a:pPr lvl="0"/>
             <a:r>
-              <a:rPr lang="zh-CN" altLang="en-US" smtClean="0"/>
+              <a:rPr lang="zh-CN" altLang="en-US"/>
               <a:t>单击此处编辑母版文本样式</a:t>
             </a:r>
           </a:p>
           <a:p>
             <a:pPr lvl="1"/>
             <a:r>
-              <a:rPr lang="zh-CN" altLang="en-US" smtClean="0"/>
+              <a:rPr lang="zh-CN" altLang="en-US"/>
               <a:t>第二级</a:t>
             </a:r>
           </a:p>
           <a:p>
             <a:pPr lvl="2"/>
             <a:r>
-              <a:rPr lang="zh-CN" altLang="en-US" smtClean="0"/>
+              <a:rPr lang="zh-CN" altLang="en-US"/>
               <a:t>第三级</a:t>
             </a:r>
           </a:p>
           <a:p>
             <a:pPr lvl="3"/>
             <a:r>
-              <a:rPr lang="zh-CN" altLang="en-US" smtClean="0"/>
+              <a:rPr lang="zh-CN" altLang="en-US"/>
               <a:t>第四级</a:t>
             </a:r>
           </a:p>
           <a:p>
             <a:pPr lvl="4"/>
             <a:r>
-              <a:rPr lang="zh-CN" altLang="en-US" smtClean="0"/>
+              <a:rPr lang="zh-CN" altLang="en-US"/>
               <a:t>第五级</a:t>
             </a:r>
-            <a:endParaRPr lang="zh-CN" altLang="en-US"/>
           </a:p>
         </p:txBody>
       </p:sp>
@@ -12366,7 +12298,7 @@
           <a:p>
             <a:fld id="{530820CF-B880-4189-942D-D702A7CBA730}" type="datetimeFigureOut">
               <a:rPr lang="zh-CN" altLang="en-US" smtClean="0"/>
-              <a:t>2021/10/30</a:t>
+              <a:t>2021/11/8</a:t>
             </a:fld>
             <a:endParaRPr lang="zh-CN" altLang="en-US"/>
           </a:p>
@@ -12814,10 +12746,9 @@
           <a:lstStyle/>
           <a:p>
             <a:r>
-              <a:rPr lang="zh-CN" altLang="en-US" dirty="0" smtClean="0"/>
+              <a:rPr lang="zh-CN" altLang="en-US" dirty="0"/>
               <a:t>目录</a:t>
             </a:r>
-            <a:endParaRPr lang="zh-CN" altLang="en-US" dirty="0"/>
           </a:p>
         </p:txBody>
       </p:sp>
@@ -12848,38 +12779,37 @@
           <a:p>
             <a:pPr lvl="0"/>
             <a:r>
-              <a:rPr lang="zh-CN" altLang="en-US" dirty="0" smtClean="0"/>
+              <a:rPr lang="zh-CN" altLang="en-US" dirty="0"/>
               <a:t>单击此处编辑母版文本样式</a:t>
             </a:r>
           </a:p>
           <a:p>
             <a:pPr lvl="1"/>
             <a:r>
-              <a:rPr lang="zh-CN" altLang="en-US" dirty="0" smtClean="0"/>
+              <a:rPr lang="zh-CN" altLang="en-US" dirty="0"/>
               <a:t>第二级</a:t>
             </a:r>
           </a:p>
           <a:p>
             <a:pPr lvl="2"/>
             <a:r>
-              <a:rPr lang="zh-CN" altLang="en-US" dirty="0" smtClean="0"/>
+              <a:rPr lang="zh-CN" altLang="en-US" dirty="0"/>
               <a:t>第三级</a:t>
             </a:r>
           </a:p>
           <a:p>
             <a:pPr lvl="3"/>
             <a:r>
-              <a:rPr lang="zh-CN" altLang="en-US" dirty="0" smtClean="0"/>
+              <a:rPr lang="zh-CN" altLang="en-US" dirty="0"/>
               <a:t>第四级</a:t>
             </a:r>
           </a:p>
           <a:p>
             <a:pPr lvl="4"/>
             <a:r>
-              <a:rPr lang="zh-CN" altLang="en-US" dirty="0" smtClean="0"/>
+              <a:rPr lang="zh-CN" altLang="en-US" dirty="0"/>
               <a:t>第五级</a:t>
             </a:r>
-            <a:endParaRPr lang="zh-CN" altLang="en-US" dirty="0"/>
           </a:p>
         </p:txBody>
       </p:sp>
@@ -12918,7 +12848,7 @@
           <a:p>
             <a:fld id="{EF50BAF8-1120-4869-B1EC-9D010EF77D65}" type="datetimeFigureOut">
               <a:rPr lang="zh-CN" altLang="en-US" smtClean="0"/>
-              <a:t>2021/10/30</a:t>
+              <a:t>2021/11/8</a:t>
             </a:fld>
             <a:endParaRPr lang="zh-CN" altLang="en-US"/>
           </a:p>
@@ -13023,13 +12953,6 @@
     <p:sldLayoutId id="2147483700" r:id="rId10"/>
     <p:sldLayoutId id="2147483701" r:id="rId11"/>
   </p:sldLayoutIdLst>
-  <p:timing>
-    <p:tnLst>
-      <p:par>
-        <p:cTn id="1" dur="indefinite" restart="never" nodeType="tmRoot"/>
-      </p:par>
-    </p:tnLst>
-  </p:timing>
   <p:txStyles>
     <p:titleStyle>
       <a:lvl1pPr algn="l" defTabSz="914400" rtl="0" eaLnBrk="1" latinLnBrk="0" hangingPunct="1">
@@ -13373,22 +13296,10 @@
                 <a:ea typeface="楷体"/>
                 <a:cs typeface="楷体"/>
               </a:rPr>
-              <a:t>Topic </a:t>
-            </a:r>
-            <a:r>
-              <a:rPr lang="en-US" altLang="zh-CN" sz="3600" b="1" dirty="0" smtClean="0">
-                <a:solidFill>
-                  <a:schemeClr val="accent5">
-                    <a:lumMod val="75000"/>
-                  </a:schemeClr>
-                </a:solidFill>
-                <a:ea typeface="楷体"/>
-                <a:cs typeface="楷体"/>
-              </a:rPr>
-              <a:t>3.</a:t>
-            </a:r>
-            <a:r>
-              <a:rPr lang="zh-CN" altLang="en-US" sz="3600" b="1" dirty="0" smtClean="0">
+              <a:t>Topic 3.</a:t>
+            </a:r>
+            <a:r>
+              <a:rPr lang="zh-CN" altLang="en-US" sz="3600" b="1" dirty="0">
                 <a:solidFill>
                   <a:schemeClr val="accent5">
                     <a:lumMod val="75000"/>
@@ -13458,16 +13369,9 @@
                 <a:latin typeface="楷体_GB2312" pitchFamily="49" charset="-122"/>
                 <a:ea typeface="楷体_GB2312" pitchFamily="49" charset="-122"/>
               </a:rPr>
-              <a:t>浙江大学计算机学</a:t>
-            </a:r>
-            <a:r>
-              <a:rPr lang="zh-CN" altLang="en-US" sz="3000" b="1" dirty="0" smtClean="0">
-                <a:latin typeface="楷体_GB2312" pitchFamily="49" charset="-122"/>
-                <a:ea typeface="楷体_GB2312" pitchFamily="49" charset="-122"/>
-              </a:rPr>
-              <a:t>院</a:t>
-            </a:r>
-            <a:endParaRPr lang="en-US" altLang="zh-CN" sz="3000" b="1" dirty="0" smtClean="0">
+              <a:t>浙江大学计算机学院</a:t>
+            </a:r>
+            <a:endParaRPr lang="en-US" altLang="zh-CN" sz="3000" b="1" dirty="0">
               <a:latin typeface="楷体_GB2312" pitchFamily="49" charset="-122"/>
               <a:ea typeface="楷体_GB2312" pitchFamily="49" charset="-122"/>
             </a:endParaRPr>
@@ -13496,28 +13400,28 @@
               </a:spcBef>
             </a:pPr>
             <a:r>
-              <a:rPr lang="en-US" altLang="zh-CN" sz="3000" b="1" dirty="0" smtClean="0">
+              <a:rPr lang="en-US" altLang="zh-CN" sz="3000" b="1" dirty="0">
                 <a:latin typeface="楷体_GB2312" pitchFamily="49" charset="-122"/>
                 <a:ea typeface="楷体_GB2312" pitchFamily="49" charset="-122"/>
               </a:rPr>
               <a:t>2021</a:t>
             </a:r>
             <a:r>
-              <a:rPr lang="zh-CN" altLang="en-US" sz="3000" b="1" dirty="0" smtClean="0">
+              <a:rPr lang="zh-CN" altLang="en-US" sz="3000" b="1" dirty="0">
                 <a:latin typeface="楷体_GB2312" pitchFamily="49" charset="-122"/>
                 <a:ea typeface="楷体_GB2312" pitchFamily="49" charset="-122"/>
               </a:rPr>
               <a:t>年</a:t>
             </a:r>
             <a:r>
-              <a:rPr lang="en-US" altLang="zh-CN" sz="3000" b="1" dirty="0" smtClean="0">
+              <a:rPr lang="en-US" altLang="zh-CN" sz="3000" b="1" dirty="0">
                 <a:latin typeface="楷体_GB2312" pitchFamily="49" charset="-122"/>
                 <a:ea typeface="楷体_GB2312" pitchFamily="49" charset="-122"/>
               </a:rPr>
               <a:t>11</a:t>
             </a:r>
             <a:r>
-              <a:rPr lang="zh-CN" altLang="en-US" sz="3000" b="1" dirty="0" smtClean="0">
+              <a:rPr lang="zh-CN" altLang="en-US" sz="3000" b="1" dirty="0">
                 <a:latin typeface="楷体_GB2312" pitchFamily="49" charset="-122"/>
                 <a:ea typeface="楷体_GB2312" pitchFamily="49" charset="-122"/>
               </a:rPr>
@@ -13540,13 +13444,6 @@
   <p:clrMapOvr>
     <a:masterClrMapping/>
   </p:clrMapOvr>
-  <p:timing>
-    <p:tnLst>
-      <p:par>
-        <p:cTn id="1" dur="indefinite" restart="never" nodeType="tmRoot"/>
-      </p:par>
-    </p:tnLst>
-  </p:timing>
 </p:sld>
 </file>
 
@@ -13674,16 +13571,7 @@
                 </a:solidFill>
                 <a:latin typeface="Source Sans Pro" charset="0"/>
               </a:rPr>
-              <a:t>; 64 cache </a:t>
-            </a:r>
-            <a:r>
-              <a:rPr lang="pl-PL" altLang="zh-CN" dirty="0" smtClean="0">
-                <a:solidFill>
-                  <a:srgbClr val="222222"/>
-                </a:solidFill>
-                <a:latin typeface="Source Sans Pro" charset="0"/>
-              </a:rPr>
-              <a:t>lines</a:t>
+              <a:t>; 64 cache lines</a:t>
             </a:r>
           </a:p>
           <a:p>
@@ -13707,7 +13595,7 @@
               <a:t>set </a:t>
             </a:r>
             <a:r>
-              <a:rPr lang="pl-PL" altLang="zh-CN" dirty="0" smtClean="0">
+              <a:rPr lang="pl-PL" altLang="zh-CN" dirty="0">
                 <a:solidFill>
                   <a:srgbClr val="222222"/>
                 </a:solidFill>
@@ -13743,7 +13631,7 @@
               <a:t> </a:t>
             </a:r>
             <a:r>
-              <a:rPr lang="pl-PL" altLang="zh-CN" dirty="0" smtClean="0">
+              <a:rPr lang="pl-PL" altLang="zh-CN" dirty="0">
                 <a:solidFill>
                   <a:srgbClr val="222222"/>
                 </a:solidFill>
@@ -13752,52 +13640,34 @@
               <a:t>0</a:t>
             </a:r>
             <a:r>
-              <a:rPr lang="pl-PL" altLang="zh-CN" dirty="0" smtClean="0">
+              <a:rPr lang="pl-PL" altLang="zh-CN" dirty="0">
                 <a:solidFill>
                   <a:srgbClr val="222222"/>
                 </a:solidFill>
                 <a:latin typeface="Source Sans Pro" charset="0"/>
               </a:rPr>
-              <a:t>:</a:t>
+              <a:t>: </a:t>
             </a:r>
             <a:r>
               <a:rPr lang="pl-PL" altLang="zh-CN" dirty="0">
                 <a:solidFill>
                   <a:srgbClr val="222222"/>
                 </a:solidFill>
-                <a:latin typeface="Source Sans Pro" charset="0"/>
-              </a:rPr>
-              <a:t> </a:t>
+                <a:latin typeface="STIXGeneral-Italic" charset="0"/>
+              </a:rPr>
+              <a:t>𝑖</a:t>
             </a:r>
             <a:r>
               <a:rPr lang="pl-PL" altLang="zh-CN" dirty="0">
                 <a:solidFill>
                   <a:srgbClr val="222222"/>
                 </a:solidFill>
-                <a:latin typeface="STIXGeneral-Italic" charset="0"/>
-              </a:rPr>
-              <a:t>𝑖</a:t>
+                <a:latin typeface="STIXGeneral-Regular" charset="0"/>
+              </a:rPr>
+              <a:t>×2+</a:t>
             </a:r>
             <a:r>
               <a:rPr lang="pl-PL" altLang="zh-CN" dirty="0">
-                <a:solidFill>
-                  <a:srgbClr val="222222"/>
-                </a:solidFill>
-                <a:latin typeface="STIXGeneral-Regular" charset="0"/>
-              </a:rPr>
-              <a:t>×</a:t>
-            </a:r>
-            <a:r>
-              <a:rPr lang="pl-PL" altLang="zh-CN" dirty="0" smtClean="0">
-                <a:solidFill>
-                  <a:srgbClr val="222222"/>
-                </a:solidFill>
-                <a:latin typeface="STIXGeneral-Regular" charset="0"/>
-              </a:rPr>
-              <a:t>2+</a:t>
-            </a:r>
-            <a:r>
-              <a:rPr lang="pl-PL" altLang="zh-CN" dirty="0" smtClean="0">
                 <a:solidFill>
                   <a:srgbClr val="222222"/>
                 </a:solidFill>
@@ -13824,7 +13694,7 @@
               <a:t>set </a:t>
             </a:r>
             <a:r>
-              <a:rPr lang="pl-PL" altLang="zh-CN" dirty="0" smtClean="0">
+              <a:rPr lang="pl-PL" altLang="zh-CN" dirty="0">
                 <a:solidFill>
                   <a:srgbClr val="222222"/>
                 </a:solidFill>
@@ -13860,7 +13730,7 @@
               <a:t> </a:t>
             </a:r>
             <a:r>
-              <a:rPr lang="pl-PL" altLang="zh-CN" dirty="0" smtClean="0">
+              <a:rPr lang="pl-PL" altLang="zh-CN" dirty="0">
                 <a:solidFill>
                   <a:srgbClr val="222222"/>
                 </a:solidFill>
@@ -13869,52 +13739,34 @@
               <a:t>1</a:t>
             </a:r>
             <a:r>
-              <a:rPr lang="pl-PL" altLang="zh-CN" dirty="0" smtClean="0">
+              <a:rPr lang="pl-PL" altLang="zh-CN" dirty="0">
                 <a:solidFill>
                   <a:srgbClr val="222222"/>
                 </a:solidFill>
                 <a:latin typeface="Source Sans Pro" charset="0"/>
               </a:rPr>
-              <a:t>:</a:t>
+              <a:t>: </a:t>
             </a:r>
             <a:r>
               <a:rPr lang="pl-PL" altLang="zh-CN" dirty="0">
                 <a:solidFill>
                   <a:srgbClr val="222222"/>
                 </a:solidFill>
-                <a:latin typeface="Source Sans Pro" charset="0"/>
-              </a:rPr>
-              <a:t> </a:t>
+                <a:latin typeface="STIXGeneral-Italic" charset="0"/>
+              </a:rPr>
+              <a:t>𝑖</a:t>
             </a:r>
             <a:r>
               <a:rPr lang="pl-PL" altLang="zh-CN" dirty="0">
                 <a:solidFill>
                   <a:srgbClr val="222222"/>
                 </a:solidFill>
-                <a:latin typeface="STIXGeneral-Italic" charset="0"/>
-              </a:rPr>
-              <a:t>𝑖</a:t>
+                <a:latin typeface="STIXGeneral-Regular" charset="0"/>
+              </a:rPr>
+              <a:t>×2+</a:t>
             </a:r>
             <a:r>
               <a:rPr lang="pl-PL" altLang="zh-CN" dirty="0">
-                <a:solidFill>
-                  <a:srgbClr val="222222"/>
-                </a:solidFill>
-                <a:latin typeface="STIXGeneral-Regular" charset="0"/>
-              </a:rPr>
-              <a:t>×</a:t>
-            </a:r>
-            <a:r>
-              <a:rPr lang="pl-PL" altLang="zh-CN" dirty="0" smtClean="0">
-                <a:solidFill>
-                  <a:srgbClr val="222222"/>
-                </a:solidFill>
-                <a:latin typeface="STIXGeneral-Regular" charset="0"/>
-              </a:rPr>
-              <a:t>2+</a:t>
-            </a:r>
-            <a:r>
-              <a:rPr lang="pl-PL" altLang="zh-CN" dirty="0" smtClean="0">
                 <a:solidFill>
                   <a:srgbClr val="222222"/>
                 </a:solidFill>
@@ -13944,7 +13796,7 @@
               <a:t>set </a:t>
             </a:r>
             <a:r>
-              <a:rPr lang="pl-PL" altLang="zh-CN" dirty="0" smtClean="0">
+              <a:rPr lang="pl-PL" altLang="zh-CN" dirty="0">
                 <a:solidFill>
                   <a:srgbClr val="222222"/>
                 </a:solidFill>
@@ -13980,7 +13832,7 @@
               <a:t> </a:t>
             </a:r>
             <a:r>
-              <a:rPr lang="pl-PL" altLang="zh-CN" dirty="0" smtClean="0">
+              <a:rPr lang="pl-PL" altLang="zh-CN" dirty="0">
                 <a:solidFill>
                   <a:srgbClr val="222222"/>
                 </a:solidFill>
@@ -14016,7 +13868,7 @@
               <a:t> </a:t>
             </a:r>
             <a:r>
-              <a:rPr lang="pl-PL" altLang="zh-CN" dirty="0" smtClean="0">
+              <a:rPr lang="pl-PL" altLang="zh-CN" dirty="0">
                 <a:solidFill>
                   <a:srgbClr val="222222"/>
                 </a:solidFill>
@@ -14025,22 +13877,13 @@
               <a:t>𝑘</a:t>
             </a:r>
             <a:r>
-              <a:rPr lang="pl-PL" altLang="zh-CN" dirty="0" smtClean="0">
+              <a:rPr lang="pl-PL" altLang="zh-CN" dirty="0">
                 <a:solidFill>
                   <a:srgbClr val="222222"/>
                 </a:solidFill>
                 <a:latin typeface="Source Sans Pro" charset="0"/>
               </a:rPr>
-              <a:t>:</a:t>
-            </a:r>
-            <a:r>
-              <a:rPr lang="pl-PL" altLang="zh-CN" dirty="0">
-                <a:solidFill>
-                  <a:srgbClr val="222222"/>
-                </a:solidFill>
-                <a:latin typeface="Source Sans Pro" charset="0"/>
-              </a:rPr>
-              <a:t> </a:t>
+              <a:t>: </a:t>
             </a:r>
             <a:r>
               <a:rPr lang="pl-PL" altLang="zh-CN" dirty="0">
@@ -14095,10 +13938,6 @@
             </a:endParaRPr>
           </a:p>
           <a:p>
-            <a:r>
-              <a:rPr lang="pl-PL" altLang="zh-CN" dirty="0"/>
-              <a:t/>
-            </a:r>
             <a:br>
               <a:rPr lang="pl-PL" altLang="zh-CN" dirty="0"/>
             </a:br>
@@ -14129,7 +13968,7 @@
           <a:lstStyle/>
           <a:p>
             <a:r>
-              <a:rPr kumimoji="1" lang="en-US" altLang="zh-CN" dirty="0" err="1" smtClean="0">
+              <a:rPr kumimoji="1" lang="en-US" altLang="zh-CN" dirty="0" err="1">
                 <a:latin typeface="Fira Mono for Powerline" charset="0"/>
                 <a:ea typeface="Fira Mono for Powerline" charset="0"/>
                 <a:cs typeface="Fira Mono for Powerline" charset="0"/>
@@ -14137,36 +13976,12 @@
               <a:t>inner_recent</a:t>
             </a:r>
             <a:r>
-              <a:rPr kumimoji="1" lang="en-US" altLang="zh-CN" dirty="0" smtClean="0">
+              <a:rPr kumimoji="1" lang="en-US" altLang="zh-CN" dirty="0">
                 <a:latin typeface="Fira Mono for Powerline" charset="0"/>
                 <a:ea typeface="Fira Mono for Powerline" charset="0"/>
                 <a:cs typeface="Fira Mono for Powerline" charset="0"/>
               </a:rPr>
               <a:t>[</a:t>
-            </a:r>
-            <a:r>
-              <a:rPr lang="en-US" altLang="zh-CN" dirty="0" smtClean="0">
-                <a:latin typeface="Fira Mono for Powerline" charset="0"/>
-                <a:ea typeface="Fira Mono for Powerline" charset="0"/>
-                <a:cs typeface="Fira Mono for Powerline" charset="0"/>
-              </a:rPr>
-              <a:t>{</a:t>
-            </a:r>
-            <a:r>
-              <a:rPr lang="en-US" altLang="zh-CN" dirty="0" err="1" smtClean="0">
-                <a:latin typeface="Fira Mono for Powerline" charset="0"/>
-                <a:ea typeface="Fira Mono for Powerline" charset="0"/>
-                <a:cs typeface="Fira Mono for Powerline" charset="0"/>
-              </a:rPr>
-              <a:t>i</a:t>
-            </a:r>
-            <a:r>
-              <a:rPr lang="en-US" altLang="zh-CN" dirty="0" smtClean="0">
-                <a:latin typeface="Fira Mono for Powerline" charset="0"/>
-                <a:ea typeface="Fira Mono for Powerline" charset="0"/>
-                <a:cs typeface="Fira Mono for Powerline" charset="0"/>
-              </a:rPr>
-              <a:t>, </a:t>
             </a:r>
             <a:r>
               <a:rPr lang="en-US" altLang="zh-CN" dirty="0">
@@ -14174,18 +13989,26 @@
                 <a:ea typeface="Fira Mono for Powerline" charset="0"/>
                 <a:cs typeface="Fira Mono for Powerline" charset="0"/>
               </a:rPr>
-              <a:t>1'b0</a:t>
-            </a:r>
-            <a:r>
-              <a:rPr lang="en-US" altLang="zh-CN" dirty="0" smtClean="0">
+              <a:t>{</a:t>
+            </a:r>
+            <a:r>
+              <a:rPr lang="en-US" altLang="zh-CN" dirty="0" err="1">
                 <a:latin typeface="Fira Mono for Powerline" charset="0"/>
                 <a:ea typeface="Fira Mono for Powerline" charset="0"/>
                 <a:cs typeface="Fira Mono for Powerline" charset="0"/>
               </a:rPr>
-              <a:t>}</a:t>
-            </a:r>
-            <a:r>
-              <a:rPr kumimoji="1" lang="en-US" altLang="zh-CN" dirty="0" smtClean="0">
+              <a:t>i</a:t>
+            </a:r>
+            <a:r>
+              <a:rPr lang="en-US" altLang="zh-CN" dirty="0">
+                <a:latin typeface="Fira Mono for Powerline" charset="0"/>
+                <a:ea typeface="Fira Mono for Powerline" charset="0"/>
+                <a:cs typeface="Fira Mono for Powerline" charset="0"/>
+              </a:rPr>
+              <a:t>, 1'b0}</a:t>
+            </a:r>
+            <a:r>
+              <a:rPr kumimoji="1" lang="en-US" altLang="zh-CN" dirty="0">
                 <a:latin typeface="Fira Mono for Powerline" charset="0"/>
                 <a:ea typeface="Fira Mono for Powerline" charset="0"/>
                 <a:cs typeface="Fira Mono for Powerline" charset="0"/>
@@ -14223,7 +14046,7 @@
           <a:lstStyle/>
           <a:p>
             <a:r>
-              <a:rPr kumimoji="1" lang="en-US" altLang="zh-CN" dirty="0" err="1" smtClean="0">
+              <a:rPr kumimoji="1" lang="en-US" altLang="zh-CN" dirty="0" err="1">
                 <a:latin typeface="Fira Mono for Powerline" charset="0"/>
                 <a:ea typeface="Fira Mono for Powerline" charset="0"/>
                 <a:cs typeface="Fira Mono for Powerline" charset="0"/>
@@ -14231,7 +14054,7 @@
               <a:t>inner_recent</a:t>
             </a:r>
             <a:r>
-              <a:rPr kumimoji="1" lang="en-US" altLang="zh-CN" dirty="0" smtClean="0">
+              <a:rPr kumimoji="1" lang="en-US" altLang="zh-CN" dirty="0">
                 <a:latin typeface="Fira Mono for Powerline" charset="0"/>
                 <a:ea typeface="Fira Mono for Powerline" charset="0"/>
                 <a:cs typeface="Fira Mono for Powerline" charset="0"/>
@@ -14239,7 +14062,7 @@
               <a:t>[</a:t>
             </a:r>
             <a:r>
-              <a:rPr lang="en-US" altLang="zh-CN" dirty="0" smtClean="0">
+              <a:rPr lang="en-US" altLang="zh-CN" dirty="0">
                 <a:latin typeface="Fira Mono for Powerline" charset="0"/>
                 <a:ea typeface="Fira Mono for Powerline" charset="0"/>
                 <a:cs typeface="Fira Mono for Powerline" charset="0"/>
@@ -14247,7 +14070,7 @@
               <a:t>{</a:t>
             </a:r>
             <a:r>
-              <a:rPr lang="en-US" altLang="zh-CN" dirty="0" err="1" smtClean="0">
+              <a:rPr lang="en-US" altLang="zh-CN" dirty="0" err="1">
                 <a:latin typeface="Fira Mono for Powerline" charset="0"/>
                 <a:ea typeface="Fira Mono for Powerline" charset="0"/>
                 <a:cs typeface="Fira Mono for Powerline" charset="0"/>
@@ -14255,7 +14078,7 @@
               <a:t>i</a:t>
             </a:r>
             <a:r>
-              <a:rPr lang="en-US" altLang="zh-CN" dirty="0" smtClean="0">
+              <a:rPr lang="en-US" altLang="zh-CN" dirty="0">
                 <a:latin typeface="Fira Mono for Powerline" charset="0"/>
                 <a:ea typeface="Fira Mono for Powerline" charset="0"/>
                 <a:cs typeface="Fira Mono for Powerline" charset="0"/>
@@ -14263,7 +14086,7 @@
               <a:t>, 1'b1}</a:t>
             </a:r>
             <a:r>
-              <a:rPr kumimoji="1" lang="en-US" altLang="zh-CN" dirty="0" smtClean="0">
+              <a:rPr kumimoji="1" lang="en-US" altLang="zh-CN" dirty="0">
                 <a:latin typeface="Fira Mono for Powerline" charset="0"/>
                 <a:ea typeface="Fira Mono for Powerline" charset="0"/>
                 <a:cs typeface="Fira Mono for Powerline" charset="0"/>
@@ -14288,13 +14111,6 @@
   <p:clrMapOvr>
     <a:masterClrMapping/>
   </p:clrMapOvr>
-  <p:timing>
-    <p:tnLst>
-      <p:par>
-        <p:cTn id="1" dur="indefinite" restart="never" nodeType="tmRoot"/>
-      </p:par>
-    </p:tnLst>
-  </p:timing>
 </p:sld>
 </file>
 
@@ -14368,47 +14184,23 @@
           <a:lstStyle/>
           <a:p>
             <a:r>
-              <a:rPr lang="en-US" altLang="zh-CN" dirty="0" smtClean="0">
-                <a:latin typeface="+mn-lt"/>
-              </a:rPr>
-              <a:t>Bytes of word </a:t>
-            </a:r>
-            <a:r>
               <a:rPr lang="en-US" altLang="zh-CN" dirty="0">
                 <a:latin typeface="+mn-lt"/>
               </a:rPr>
-              <a:t>= 4, </a:t>
-            </a:r>
-            <a:r>
-              <a:rPr lang="en-US" altLang="zh-CN" dirty="0" smtClean="0">
-                <a:latin typeface="+mn-lt"/>
-              </a:rPr>
-              <a:t>WORD_BYTES_WIDTH = 2</a:t>
-            </a:r>
-          </a:p>
-          <a:p>
-            <a:r>
-              <a:rPr lang="en-US" altLang="zh-CN" dirty="0" smtClean="0">
-                <a:latin typeface="+mn-lt"/>
-              </a:rPr>
-              <a:t>Words of line </a:t>
-            </a:r>
+              <a:t>Bytes of word = 4, WORD_BYTES_WIDTH = 2</a:t>
+            </a:r>
+          </a:p>
+          <a:p>
             <a:r>
               <a:rPr lang="en-US" altLang="zh-CN" dirty="0">
                 <a:latin typeface="+mn-lt"/>
               </a:rPr>
-              <a:t>= 4, </a:t>
-            </a:r>
-            <a:r>
-              <a:rPr lang="en-US" altLang="zh-CN" dirty="0" smtClean="0">
-                <a:latin typeface="+mn-lt"/>
-              </a:rPr>
-              <a:t>LINE_WORDS_WIDTH = 2</a:t>
-            </a:r>
-          </a:p>
-          <a:p>
-            <a:r>
-              <a:rPr lang="en-US" altLang="zh-CN" dirty="0" smtClean="0">
+              <a:t>Words of line = 4, LINE_WORDS_WIDTH = 2</a:t>
+            </a:r>
+          </a:p>
+          <a:p>
+            <a:r>
+              <a:rPr lang="en-US" altLang="zh-CN" dirty="0">
                 <a:latin typeface="+mn-lt"/>
               </a:rPr>
               <a:t>Tag bits = 23</a:t>
@@ -14416,7 +14208,7 @@
           </a:p>
           <a:p>
             <a:r>
-              <a:rPr lang="en-US" altLang="zh-CN" dirty="0" smtClean="0">
+              <a:rPr lang="en-US" altLang="zh-CN" dirty="0">
                 <a:latin typeface="+mn-lt"/>
               </a:rPr>
               <a:t>Address bits = 32</a:t>
@@ -14424,7 +14216,7 @@
           </a:p>
           <a:p>
             <a:r>
-              <a:rPr lang="en-US" altLang="zh-CN" dirty="0" smtClean="0">
+              <a:rPr lang="en-US" altLang="zh-CN" dirty="0">
                 <a:latin typeface="+mn-lt"/>
               </a:rPr>
               <a:t>Ways = 2</a:t>
@@ -14435,18 +14227,12 @@
               <a:rPr lang="en-US" altLang="zh-CN" dirty="0">
                 <a:latin typeface="+mn-lt"/>
               </a:rPr>
-              <a:t>LINE_INDEX_WIDTH = ADDR_BITS - TAG_BITS - LINE_WORDS_WIDTH - </a:t>
-            </a:r>
-            <a:r>
-              <a:rPr lang="en-US" altLang="zh-CN" dirty="0" smtClean="0">
-                <a:latin typeface="+mn-lt"/>
-              </a:rPr>
-              <a:t>WORD_BYTES_WIDTH = ?</a:t>
-            </a:r>
-          </a:p>
-          <a:p>
-            <a:r>
-              <a:rPr lang="en-US" altLang="zh-CN" dirty="0" smtClean="0">
+              <a:t>LINE_INDEX_WIDTH = ADDR_BITS - TAG_BITS - LINE_WORDS_WIDTH - WORD_BYTES_WIDTH = ?</a:t>
+            </a:r>
+          </a:p>
+          <a:p>
+            <a:r>
+              <a:rPr lang="en-US" altLang="zh-CN" dirty="0">
                 <a:latin typeface="+mn-lt"/>
               </a:rPr>
               <a:t>Line Number = ?</a:t>
@@ -14464,13 +14250,6 @@
   <p:clrMapOvr>
     <a:masterClrMapping/>
   </p:clrMapOvr>
-  <p:timing>
-    <p:tnLst>
-      <p:par>
-        <p:cTn id="1" dur="indefinite" restart="never" nodeType="tmRoot"/>
-      </p:par>
-    </p:tnLst>
-  </p:timing>
 </p:sld>
 </file>
 
@@ -14516,17 +14295,7 @@
                 <a:latin typeface="+mn-lt"/>
                 <a:ea typeface="宋体" pitchFamily="2" charset="-122"/>
               </a:rPr>
-              <a:t>Simulation </a:t>
-            </a:r>
-            <a:r>
-              <a:rPr lang="en-US" altLang="zh-CN" sz="4400" dirty="0" smtClean="0">
-                <a:solidFill>
-                  <a:srgbClr val="19A1FD"/>
-                </a:solidFill>
-                <a:latin typeface="+mn-lt"/>
-                <a:ea typeface="宋体" pitchFamily="2" charset="-122"/>
-              </a:rPr>
-              <a:t>Example(1)</a:t>
+              <a:t>Simulation Example(1)</a:t>
             </a:r>
             <a:endParaRPr lang="zh-CN" altLang="en-US" sz="4400" dirty="0">
               <a:solidFill>
@@ -15158,7 +14927,7 @@
               <a:buNone/>
             </a:pPr>
             <a:r>
-              <a:rPr lang="en-US" altLang="zh-CN" sz="1600" dirty="0" smtClean="0">
+              <a:rPr lang="en-US" altLang="zh-CN" sz="1600" dirty="0">
                 <a:latin typeface="+mn-lt"/>
               </a:rPr>
               <a:t>			// read miss</a:t>
@@ -15176,7 +14945,7 @@
               <a:buNone/>
             </a:pPr>
             <a:r>
-              <a:rPr lang="en-US" altLang="zh-CN" sz="1600" dirty="0" smtClean="0">
+              <a:rPr lang="en-US" altLang="zh-CN" sz="1600" dirty="0">
                 <a:latin typeface="+mn-lt"/>
               </a:rPr>
               <a:t>			32'd14: begin</a:t>
@@ -15194,7 +14963,7 @@
               <a:buNone/>
             </a:pPr>
             <a:r>
-              <a:rPr lang="en-US" altLang="zh-CN" sz="1600" dirty="0" smtClean="0">
+              <a:rPr lang="en-US" altLang="zh-CN" sz="1600" dirty="0">
                 <a:latin typeface="+mn-lt"/>
               </a:rPr>
               <a:t>				load &lt;= 1;</a:t>
@@ -15212,7 +14981,7 @@
               <a:buNone/>
             </a:pPr>
             <a:r>
-              <a:rPr lang="en-US" altLang="zh-CN" sz="1600" dirty="0" smtClean="0">
+              <a:rPr lang="en-US" altLang="zh-CN" sz="1600" dirty="0">
                 <a:latin typeface="+mn-lt"/>
               </a:rPr>
               <a:t>				store &lt;= 0;</a:t>
@@ -15230,7 +14999,7 @@
               <a:buNone/>
             </a:pPr>
             <a:r>
-              <a:rPr lang="en-US" altLang="zh-CN" sz="1600" dirty="0" smtClean="0">
+              <a:rPr lang="en-US" altLang="zh-CN" sz="1600" dirty="0">
                 <a:latin typeface="+mn-lt"/>
               </a:rPr>
               <a:t>				edit &lt;= 0;</a:t>
@@ -15247,7 +15016,7 @@
               <a:buFont typeface="Wingdings" pitchFamily="2" charset="2"/>
               <a:buNone/>
             </a:pPr>
-            <a:endParaRPr lang="en-US" altLang="zh-CN" sz="1600" dirty="0" smtClean="0">
+            <a:endParaRPr lang="en-US" altLang="zh-CN" sz="1600" dirty="0">
               <a:latin typeface="+mn-lt"/>
             </a:endParaRPr>
           </a:p>
@@ -15263,19 +15032,19 @@
               <a:buNone/>
             </a:pPr>
             <a:r>
-              <a:rPr lang="en-US" altLang="zh-CN" sz="1600" dirty="0" smtClean="0">
+              <a:rPr lang="en-US" altLang="zh-CN" sz="1600" dirty="0">
                 <a:latin typeface="+mn-lt"/>
               </a:rPr>
               <a:t>				</a:t>
             </a:r>
             <a:r>
-              <a:rPr lang="en-US" altLang="zh-CN" sz="1600" dirty="0" err="1" smtClean="0">
+              <a:rPr lang="en-US" altLang="zh-CN" sz="1600" dirty="0" err="1">
                 <a:latin typeface="+mn-lt"/>
               </a:rPr>
               <a:t>u_b_h_w</a:t>
             </a:r>
             <a:r>
-              <a:rPr lang="en-US" altLang="zh-CN" sz="1600" dirty="0" smtClean="0">
+              <a:rPr lang="en-US" altLang="zh-CN" sz="1600" dirty="0">
                 <a:latin typeface="+mn-lt"/>
               </a:rPr>
               <a:t> &lt;= 3'b010;</a:t>
@@ -15293,7 +15062,7 @@
               <a:buNone/>
             </a:pPr>
             <a:r>
-              <a:rPr lang="en-US" altLang="zh-CN" sz="1600" dirty="0" smtClean="0">
+              <a:rPr lang="en-US" altLang="zh-CN" sz="1600" dirty="0">
                 <a:latin typeface="+mn-lt"/>
               </a:rPr>
               <a:t>				din &lt;= 0;</a:t>
@@ -15311,19 +15080,19 @@
               <a:buNone/>
             </a:pPr>
             <a:r>
-              <a:rPr lang="en-US" altLang="zh-CN" sz="1600" dirty="0" smtClean="0">
+              <a:rPr lang="en-US" altLang="zh-CN" sz="1600" dirty="0">
                 <a:latin typeface="+mn-lt"/>
               </a:rPr>
               <a:t>				</a:t>
             </a:r>
             <a:r>
-              <a:rPr lang="en-US" altLang="zh-CN" sz="1600" dirty="0" err="1" smtClean="0">
+              <a:rPr lang="en-US" altLang="zh-CN" sz="1600" dirty="0" err="1">
                 <a:latin typeface="+mn-lt"/>
               </a:rPr>
               <a:t>addr</a:t>
             </a:r>
             <a:r>
-              <a:rPr lang="en-US" altLang="zh-CN" sz="1600" dirty="0" smtClean="0">
+              <a:rPr lang="en-US" altLang="zh-CN" sz="1600" dirty="0">
                 <a:latin typeface="+mn-lt"/>
               </a:rPr>
               <a:t> &lt;= 32'h00000020;</a:t>
@@ -15341,7 +15110,7 @@
               <a:buNone/>
             </a:pPr>
             <a:r>
-              <a:rPr lang="en-US" altLang="zh-CN" sz="1600" dirty="0" smtClean="0">
+              <a:rPr lang="en-US" altLang="zh-CN" sz="1600" dirty="0">
                 <a:latin typeface="+mn-lt"/>
               </a:rPr>
               <a:t>			end</a:t>
@@ -15358,7 +15127,7 @@
               <a:buFont typeface="Wingdings" pitchFamily="2" charset="2"/>
               <a:buNone/>
             </a:pPr>
-            <a:endParaRPr lang="en-US" altLang="zh-CN" sz="1600" dirty="0" smtClean="0">
+            <a:endParaRPr lang="en-US" altLang="zh-CN" sz="1600" dirty="0">
               <a:latin typeface="+mn-lt"/>
             </a:endParaRPr>
           </a:p>
@@ -15374,7 +15143,7 @@
               <a:buNone/>
             </a:pPr>
             <a:r>
-              <a:rPr lang="en-US" altLang="zh-CN" sz="1600" dirty="0" smtClean="0">
+              <a:rPr lang="en-US" altLang="zh-CN" sz="1600" dirty="0">
                 <a:latin typeface="+mn-lt"/>
               </a:rPr>
               <a:t>			// read hit</a:t>
@@ -15392,7 +15161,7 @@
               <a:buNone/>
             </a:pPr>
             <a:r>
-              <a:rPr lang="en-US" altLang="zh-CN" sz="1600" dirty="0" smtClean="0">
+              <a:rPr lang="en-US" altLang="zh-CN" sz="1600" dirty="0">
                 <a:latin typeface="+mn-lt"/>
               </a:rPr>
               <a:t>			32'd15: begin</a:t>
@@ -15410,19 +15179,19 @@
               <a:buNone/>
             </a:pPr>
             <a:r>
-              <a:rPr lang="en-US" altLang="zh-CN" sz="1600" dirty="0" smtClean="0">
+              <a:rPr lang="en-US" altLang="zh-CN" sz="1600" dirty="0">
                 <a:latin typeface="+mn-lt"/>
               </a:rPr>
               <a:t>				</a:t>
             </a:r>
             <a:r>
-              <a:rPr lang="en-US" altLang="zh-CN" sz="1600" dirty="0" err="1" smtClean="0">
+              <a:rPr lang="en-US" altLang="zh-CN" sz="1600" dirty="0" err="1">
                 <a:latin typeface="+mn-lt"/>
               </a:rPr>
               <a:t>u_b_h_w</a:t>
             </a:r>
             <a:r>
-              <a:rPr lang="en-US" altLang="zh-CN" sz="1600" dirty="0" smtClean="0">
+              <a:rPr lang="en-US" altLang="zh-CN" sz="1600" dirty="0">
                 <a:latin typeface="+mn-lt"/>
               </a:rPr>
               <a:t> &lt;= 3'b010;</a:t>
@@ -15440,19 +15209,19 @@
               <a:buNone/>
             </a:pPr>
             <a:r>
-              <a:rPr lang="en-US" altLang="zh-CN" sz="1600" dirty="0" smtClean="0">
+              <a:rPr lang="en-US" altLang="zh-CN" sz="1600" dirty="0">
                 <a:latin typeface="+mn-lt"/>
               </a:rPr>
               <a:t>				</a:t>
             </a:r>
             <a:r>
-              <a:rPr lang="en-US" altLang="zh-CN" sz="1600" dirty="0" err="1" smtClean="0">
+              <a:rPr lang="en-US" altLang="zh-CN" sz="1600" dirty="0" err="1">
                 <a:latin typeface="+mn-lt"/>
               </a:rPr>
               <a:t>addr</a:t>
             </a:r>
             <a:r>
-              <a:rPr lang="en-US" altLang="zh-CN" sz="1600" dirty="0" smtClean="0">
+              <a:rPr lang="en-US" altLang="zh-CN" sz="1600" dirty="0">
                 <a:latin typeface="+mn-lt"/>
               </a:rPr>
               <a:t> &lt;= 32'h00000010;</a:t>
@@ -15470,7 +15239,7 @@
               <a:buNone/>
             </a:pPr>
             <a:r>
-              <a:rPr lang="en-US" altLang="zh-CN" sz="1600" dirty="0" smtClean="0">
+              <a:rPr lang="en-US" altLang="zh-CN" sz="1600" dirty="0">
                 <a:latin typeface="+mn-lt"/>
               </a:rPr>
               <a:t>			end</a:t>
@@ -15491,13 +15260,6 @@
   <p:clrMapOvr>
     <a:masterClrMapping/>
   </p:clrMapOvr>
-  <p:timing>
-    <p:tnLst>
-      <p:par>
-        <p:cTn id="1" dur="indefinite" restart="never" nodeType="tmRoot"/>
-      </p:par>
-    </p:tnLst>
-  </p:timing>
 </p:sld>
 </file>
 
@@ -15543,17 +15305,7 @@
                 <a:latin typeface="+mn-lt"/>
                 <a:ea typeface="宋体" pitchFamily="2" charset="-122"/>
               </a:rPr>
-              <a:t>Simulation </a:t>
-            </a:r>
-            <a:r>
-              <a:rPr lang="en-US" altLang="zh-CN" sz="4400" dirty="0" smtClean="0">
-                <a:solidFill>
-                  <a:srgbClr val="19A1FD"/>
-                </a:solidFill>
-                <a:latin typeface="+mn-lt"/>
-                <a:ea typeface="宋体" pitchFamily="2" charset="-122"/>
-              </a:rPr>
-              <a:t>Example(2)</a:t>
+              <a:t>Simulation Example(2)</a:t>
             </a:r>
             <a:endParaRPr lang="zh-CN" altLang="en-US" sz="4400" dirty="0">
               <a:solidFill>
@@ -16099,19 +15851,7 @@
               <a:rPr lang="en-US" altLang="zh-CN" sz="1600" dirty="0">
                 <a:latin typeface="+mn-lt"/>
               </a:rPr>
-              <a:t>		</a:t>
-            </a:r>
-            <a:r>
-              <a:rPr lang="en-US" altLang="zh-CN" sz="1600" dirty="0" smtClean="0">
-                <a:latin typeface="+mn-lt"/>
-              </a:rPr>
-              <a:t>// </a:t>
-            </a:r>
-            <a:r>
-              <a:rPr lang="en-US" altLang="zh-CN" sz="1600" dirty="0">
-                <a:latin typeface="+mn-lt"/>
-              </a:rPr>
-              <a:t>read line 0 of set 0, set recent bit</a:t>
+              <a:t>		// read line 0 of set 0, set recent bit</a:t>
             </a:r>
           </a:p>
           <a:p>
@@ -16316,19 +16056,7 @@
               <a:rPr lang="en-US" altLang="zh-CN" sz="1600" dirty="0">
                 <a:latin typeface="+mn-lt"/>
               </a:rPr>
-              <a:t>		</a:t>
-            </a:r>
-            <a:r>
-              <a:rPr lang="en-US" altLang="zh-CN" sz="1600" dirty="0" smtClean="0">
-                <a:latin typeface="+mn-lt"/>
-              </a:rPr>
-              <a:t>// </a:t>
-            </a:r>
-            <a:r>
-              <a:rPr lang="en-US" altLang="zh-CN" sz="1600" dirty="0">
-                <a:latin typeface="+mn-lt"/>
-              </a:rPr>
-              <a:t>store to line 1 of set 0 due to line 0 recent</a:t>
+              <a:t>		// store to line 1 of set 0 due to line 0 recent</a:t>
             </a:r>
           </a:p>
           <a:p>
@@ -16520,13 +16248,6 @@
   <p:clrMapOvr>
     <a:masterClrMapping/>
   </p:clrMapOvr>
-  <p:timing>
-    <p:tnLst>
-      <p:par>
-        <p:cTn id="1" dur="indefinite" restart="never" nodeType="tmRoot"/>
-      </p:par>
-    </p:tnLst>
-  </p:timing>
 </p:sld>
 </file>
 
@@ -16572,17 +16293,7 @@
                 <a:latin typeface="+mn-lt"/>
                 <a:ea typeface="宋体" pitchFamily="2" charset="-122"/>
               </a:rPr>
-              <a:t>Simulation </a:t>
-            </a:r>
-            <a:r>
-              <a:rPr lang="en-US" altLang="zh-CN" sz="4400" dirty="0" smtClean="0">
-                <a:solidFill>
-                  <a:srgbClr val="19A1FD"/>
-                </a:solidFill>
-                <a:latin typeface="+mn-lt"/>
-                <a:ea typeface="宋体" pitchFamily="2" charset="-122"/>
-              </a:rPr>
-              <a:t>Example(3)</a:t>
+              <a:t>Simulation Example(3)</a:t>
             </a:r>
             <a:endParaRPr lang="zh-CN" altLang="en-US" sz="4400" dirty="0">
               <a:solidFill>
@@ -16629,19 +16340,7 @@
               <a:rPr lang="en-US" altLang="zh-CN" sz="1600" dirty="0">
                 <a:latin typeface="+mn-lt"/>
               </a:rPr>
-              <a:t>		</a:t>
-            </a:r>
-            <a:r>
-              <a:rPr lang="en-US" altLang="zh-CN" sz="1600" dirty="0" smtClean="0">
-                <a:latin typeface="+mn-lt"/>
-              </a:rPr>
-              <a:t>// </a:t>
-            </a:r>
-            <a:r>
-              <a:rPr lang="en-US" altLang="zh-CN" sz="1600" dirty="0">
-                <a:latin typeface="+mn-lt"/>
-              </a:rPr>
-              <a:t>edit line 1 of set 0, set dirty &amp; recent</a:t>
+              <a:t>		// edit line 1 of set 0, set dirty &amp; recent</a:t>
             </a:r>
           </a:p>
           <a:p>
@@ -16846,19 +16545,7 @@
               <a:rPr lang="en-US" altLang="zh-CN" sz="1600" dirty="0">
                 <a:latin typeface="+mn-lt"/>
               </a:rPr>
-              <a:t>		</a:t>
-            </a:r>
-            <a:r>
-              <a:rPr lang="en-US" altLang="zh-CN" sz="1600" dirty="0" smtClean="0">
-                <a:latin typeface="+mn-lt"/>
-              </a:rPr>
-              <a:t>// </a:t>
-            </a:r>
-            <a:r>
-              <a:rPr lang="en-US" altLang="zh-CN" sz="1600" dirty="0">
-                <a:latin typeface="+mn-lt"/>
-              </a:rPr>
-              <a:t>read line 0 of set 0, set recent bit</a:t>
+              <a:t>		// read line 0 of set 0, set recent bit</a:t>
             </a:r>
           </a:p>
           <a:p>
@@ -17234,19 +16921,7 @@
               <a:rPr lang="en-US" altLang="zh-CN" sz="1600" dirty="0">
                 <a:latin typeface="+mn-lt"/>
               </a:rPr>
-              <a:t>		</a:t>
-            </a:r>
-            <a:r>
-              <a:rPr lang="en-US" altLang="zh-CN" sz="1600" dirty="0" smtClean="0">
-                <a:latin typeface="+mn-lt"/>
-              </a:rPr>
-              <a:t>// </a:t>
-            </a:r>
-            <a:r>
-              <a:rPr lang="en-US" altLang="zh-CN" sz="1600" dirty="0">
-                <a:latin typeface="+mn-lt"/>
-              </a:rPr>
-              <a:t>read miss, tag mismatch. output tag (of line 1), valid and dirty == 1</a:t>
+              <a:t>		// read miss, tag mismatch. output tag (of line 1), valid and dirty == 1</a:t>
             </a:r>
           </a:p>
           <a:p>
@@ -17454,19 +17129,7 @@
               <a:rPr lang="en-US" altLang="zh-CN" sz="1600" dirty="0">
                 <a:latin typeface="+mn-lt"/>
               </a:rPr>
-              <a:t>		</a:t>
-            </a:r>
-            <a:r>
-              <a:rPr lang="en-US" altLang="zh-CN" sz="1600" dirty="0" smtClean="0">
-                <a:latin typeface="+mn-lt"/>
-              </a:rPr>
-              <a:t>// </a:t>
-            </a:r>
-            <a:r>
-              <a:rPr lang="en-US" altLang="zh-CN" sz="1600" dirty="0">
-                <a:latin typeface="+mn-lt"/>
-              </a:rPr>
-              <a:t>auto replace line 1 of set 0</a:t>
+              <a:t>		// auto replace line 1 of set 0</a:t>
             </a:r>
           </a:p>
           <a:p>
@@ -17658,13 +17321,6 @@
   <p:clrMapOvr>
     <a:masterClrMapping/>
   </p:clrMapOvr>
-  <p:timing>
-    <p:tnLst>
-      <p:par>
-        <p:cTn id="1" dur="indefinite" restart="never" nodeType="tmRoot"/>
-      </p:par>
-    </p:tnLst>
-  </p:timing>
 </p:sld>
 </file>
 
@@ -17716,25 +17372,8 @@
                 <a:latin typeface="+mn-lt"/>
                 <a:ea typeface="宋体" pitchFamily="2" charset="-122"/>
               </a:rPr>
-              <a:t>Simulation </a:t>
-            </a:r>
-            <a:r>
-              <a:rPr lang="en-US" altLang="zh-CN" sz="4400" dirty="0" smtClean="0">
-                <a:solidFill>
-                  <a:srgbClr val="19A1FD"/>
-                </a:solidFill>
-                <a:latin typeface="+mn-lt"/>
-                <a:ea typeface="宋体" pitchFamily="2" charset="-122"/>
-              </a:rPr>
-              <a:t>Example(1)</a:t>
-            </a:r>
-            <a:endParaRPr lang="en-US" altLang="zh-CN" sz="4400" dirty="0">
-              <a:solidFill>
-                <a:srgbClr val="19A1FD"/>
-              </a:solidFill>
-              <a:latin typeface="+mn-lt"/>
-              <a:ea typeface="宋体" pitchFamily="2" charset="-122"/>
-            </a:endParaRPr>
+              <a:t>Simulation Example(1)</a:t>
+            </a:r>
           </a:p>
         </p:txBody>
       </p:sp>
@@ -17837,7 +17476,7 @@
           <a:lstStyle/>
           <a:p>
             <a:r>
-              <a:rPr kumimoji="1" lang="en-US" altLang="zh-CN" sz="1600" b="1" dirty="0" smtClean="0"/>
+              <a:rPr kumimoji="1" lang="en-US" altLang="zh-CN" sz="1600" b="1" dirty="0"/>
               <a:t>Load miss</a:t>
             </a:r>
             <a:endParaRPr kumimoji="1" lang="zh-CN" altLang="en-US" sz="1600" b="1" dirty="0"/>
@@ -17913,7 +17552,7 @@
           <a:lstStyle/>
           <a:p>
             <a:r>
-              <a:rPr kumimoji="1" lang="en-US" altLang="zh-CN" sz="1600" b="1" dirty="0" smtClean="0"/>
+              <a:rPr kumimoji="1" lang="en-US" altLang="zh-CN" sz="1600" b="1" dirty="0"/>
               <a:t>Load hit</a:t>
             </a:r>
             <a:endParaRPr kumimoji="1" lang="zh-CN" altLang="en-US" sz="1600" b="1" dirty="0"/>
@@ -18192,13 +17831,6 @@
   <p:clrMapOvr>
     <a:masterClrMapping/>
   </p:clrMapOvr>
-  <p:timing>
-    <p:tnLst>
-      <p:par>
-        <p:cTn id="1" dur="indefinite" restart="never" nodeType="tmRoot"/>
-      </p:par>
-    </p:tnLst>
-  </p:timing>
 </p:sld>
 </file>
 
@@ -18250,25 +17882,8 @@
                 <a:latin typeface="+mn-lt"/>
                 <a:ea typeface="宋体" pitchFamily="2" charset="-122"/>
               </a:rPr>
-              <a:t>Simulation </a:t>
-            </a:r>
-            <a:r>
-              <a:rPr lang="en-US" altLang="zh-CN" sz="4400" dirty="0" smtClean="0">
-                <a:solidFill>
-                  <a:srgbClr val="19A1FD"/>
-                </a:solidFill>
-                <a:latin typeface="+mn-lt"/>
-                <a:ea typeface="宋体" pitchFamily="2" charset="-122"/>
-              </a:rPr>
-              <a:t>Example(2)</a:t>
-            </a:r>
-            <a:endParaRPr lang="en-US" altLang="zh-CN" sz="4400" dirty="0">
-              <a:solidFill>
-                <a:srgbClr val="19A1FD"/>
-              </a:solidFill>
-              <a:latin typeface="+mn-lt"/>
-              <a:ea typeface="宋体" pitchFamily="2" charset="-122"/>
-            </a:endParaRPr>
+              <a:t>Simulation Example(2)</a:t>
+            </a:r>
           </a:p>
         </p:txBody>
       </p:sp>
@@ -18281,7 +17896,7 @@
           <p:nvPr/>
         </p:nvPicPr>
         <p:blipFill>
-          <a:blip r:embed="rId2">
+          <a:blip r:embed="rId3">
             <a:extLst>
               <a:ext uri="{28A0092B-C50C-407E-A947-70E740481C1C}">
                 <a14:useLocalDpi xmlns:a14="http://schemas.microsoft.com/office/drawing/2010/main" val="0"/>
@@ -18302,6 +17917,44 @@
           </a:prstGeom>
         </p:spPr>
       </p:pic>
+      <p:cxnSp>
+        <p:nvCxnSpPr>
+          <p:cNvPr id="4" name="直线连接符 3">
+            <a:extLst>
+              <a:ext uri="{FF2B5EF4-FFF2-40B4-BE49-F238E27FC236}">
+                <a16:creationId xmlns:a16="http://schemas.microsoft.com/office/drawing/2014/main" id="{FAFEA15B-4ECD-924A-B46C-437DD5301A6E}"/>
+              </a:ext>
+            </a:extLst>
+          </p:cNvPr>
+          <p:cNvCxnSpPr>
+            <a:cxnSpLocks/>
+          </p:cNvCxnSpPr>
+          <p:nvPr/>
+        </p:nvCxnSpPr>
+        <p:spPr>
+          <a:xfrm>
+            <a:off x="4079776" y="1124744"/>
+            <a:ext cx="0" cy="5823520"/>
+          </a:xfrm>
+          <a:prstGeom prst="line">
+            <a:avLst/>
+          </a:prstGeom>
+        </p:spPr>
+        <p:style>
+          <a:lnRef idx="2">
+            <a:schemeClr val="accent4"/>
+          </a:lnRef>
+          <a:fillRef idx="0">
+            <a:schemeClr val="accent4"/>
+          </a:fillRef>
+          <a:effectRef idx="1">
+            <a:schemeClr val="accent4"/>
+          </a:effectRef>
+          <a:fontRef idx="minor">
+            <a:schemeClr val="tx1"/>
+          </a:fontRef>
+        </p:style>
+      </p:cxnSp>
     </p:spTree>
     <p:extLst>
       <p:ext uri="{BB962C8B-B14F-4D97-AF65-F5344CB8AC3E}">
@@ -18312,13 +17965,6 @@
   <p:clrMapOvr>
     <a:masterClrMapping/>
   </p:clrMapOvr>
-  <p:timing>
-    <p:tnLst>
-      <p:par>
-        <p:cTn id="1" dur="indefinite" restart="never" nodeType="tmRoot"/>
-      </p:par>
-    </p:tnLst>
-  </p:timing>
 </p:sld>
 </file>
 
@@ -18506,13 +18152,6 @@
   <p:clrMapOvr>
     <a:masterClrMapping/>
   </p:clrMapOvr>
-  <p:timing>
-    <p:tnLst>
-      <p:par>
-        <p:cTn id="1" dur="indefinite" restart="never" nodeType="tmRoot"/>
-      </p:par>
-    </p:tnLst>
-  </p:timing>
 </p:sld>
 </file>
 
@@ -18620,14 +18259,7 @@
                 <a:latin typeface="+mn-lt"/>
                 <a:ea typeface="宋体" charset="-122"/>
               </a:rPr>
-              <a:t>	Waveform Simulation of Cache Line</a:t>
-            </a:r>
-            <a:r>
-              <a:rPr lang="en-US" altLang="zh-CN" sz="2800" dirty="0" smtClean="0">
-                <a:latin typeface="+mn-lt"/>
-                <a:ea typeface="宋体" charset="-122"/>
-              </a:rPr>
-              <a:t>.</a:t>
+              <a:t>	Waveform Simulation of Cache Line.</a:t>
             </a:r>
             <a:endParaRPr lang="en-US" altLang="zh-CN" sz="2800" b="1" dirty="0">
               <a:solidFill>
@@ -18649,13 +18281,6 @@
   <p:clrMapOvr>
     <a:masterClrMapping/>
   </p:clrMapOvr>
-  <p:timing>
-    <p:tnLst>
-      <p:par>
-        <p:cTn id="1" dur="indefinite" restart="never" nodeType="tmRoot"/>
-      </p:par>
-    </p:tnLst>
-  </p:timing>
 </p:sld>
 </file>
 
@@ -18763,13 +18388,6 @@
   <p:clrMapOvr>
     <a:masterClrMapping/>
   </p:clrMapOvr>
-  <p:timing>
-    <p:tnLst>
-      <p:par>
-        <p:cTn id="1" dur="indefinite" restart="never" nodeType="tmRoot"/>
-      </p:par>
-    </p:tnLst>
-  </p:timing>
 </p:sld>
 </file>
 
@@ -19006,7 +18624,7 @@
               <a:buChar char="•"/>
             </a:pPr>
             <a:r>
-              <a:rPr lang="en-US" altLang="zh-CN" sz="3200" dirty="0" smtClean="0">
+              <a:rPr lang="en-US" altLang="zh-CN" sz="3200" dirty="0">
                 <a:latin typeface="+mn-lt"/>
                 <a:ea typeface="宋体" charset="-122"/>
               </a:rPr>
@@ -19019,7 +18637,7 @@
               <a:buChar char="•"/>
             </a:pPr>
             <a:r>
-              <a:rPr lang="en-US" altLang="zh-CN" sz="3200" dirty="0" smtClean="0">
+              <a:rPr lang="en-US" altLang="zh-CN" sz="3200" dirty="0">
                 <a:latin typeface="+mn-lt"/>
                 <a:ea typeface="宋体" charset="-122"/>
               </a:rPr>
@@ -19032,7 +18650,7 @@
               <a:buChar char="•"/>
             </a:pPr>
             <a:r>
-              <a:rPr lang="en-US" altLang="zh-CN" sz="3200" dirty="0" smtClean="0">
+              <a:rPr lang="en-US" altLang="zh-CN" sz="3200" dirty="0">
                 <a:latin typeface="+mn-lt"/>
                 <a:ea typeface="宋体" charset="-122"/>
               </a:rPr>
@@ -19045,7 +18663,7 @@
               <a:buChar char="•"/>
             </a:pPr>
             <a:r>
-              <a:rPr lang="en-US" altLang="zh-CN" sz="3200" dirty="0" smtClean="0">
+              <a:rPr lang="en-US" altLang="zh-CN" sz="3200" dirty="0">
                 <a:latin typeface="+mn-lt"/>
                 <a:ea typeface="宋体" charset="-122"/>
               </a:rPr>
@@ -19058,7 +18676,7 @@
               <a:buChar char="•"/>
             </a:pPr>
             <a:r>
-              <a:rPr lang="en-US" altLang="zh-CN" sz="3200" dirty="0" smtClean="0">
+              <a:rPr lang="en-US" altLang="zh-CN" sz="3200" dirty="0">
                 <a:latin typeface="+mn-lt"/>
                 <a:ea typeface="宋体" charset="-122"/>
               </a:rPr>
@@ -19083,13 +18701,6 @@
   <p:clrMapOvr>
     <a:masterClrMapping/>
   </p:clrMapOvr>
-  <p:timing>
-    <p:tnLst>
-      <p:par>
-        <p:cTn id="1" dur="indefinite" restart="never" nodeType="tmRoot"/>
-      </p:par>
-    </p:tnLst>
-  </p:timing>
 </p:sld>
 </file>
 
@@ -19339,13 +18950,6 @@
   <p:clrMapOvr>
     <a:masterClrMapping/>
   </p:clrMapOvr>
-  <p:timing>
-    <p:tnLst>
-      <p:par>
-        <p:cTn id="1" dur="indefinite" restart="never" nodeType="tmRoot"/>
-      </p:par>
-    </p:tnLst>
-  </p:timing>
 </p:sld>
 </file>
 
@@ -19571,13 +19175,6 @@
   <p:clrMapOvr>
     <a:masterClrMapping/>
   </p:clrMapOvr>
-  <p:timing>
-    <p:tnLst>
-      <p:par>
-        <p:cTn id="1" dur="indefinite" restart="never" nodeType="tmRoot"/>
-      </p:par>
-    </p:tnLst>
-  </p:timing>
 </p:sld>
 </file>
 
@@ -19621,7 +19218,7 @@
           <a:lstStyle/>
           <a:p>
             <a:r>
-              <a:rPr lang="en-US" altLang="zh-CN" sz="4400" dirty="0" smtClean="0">
+              <a:rPr lang="en-US" altLang="zh-CN" sz="4400" dirty="0">
                 <a:solidFill>
                   <a:srgbClr val="19A1FD"/>
                 </a:solidFill>
@@ -19674,13 +19271,6 @@
   <p:clrMapOvr>
     <a:masterClrMapping/>
   </p:clrMapOvr>
-  <p:timing>
-    <p:tnLst>
-      <p:par>
-        <p:cTn id="1" dur="indefinite" restart="never" nodeType="tmRoot"/>
-      </p:par>
-    </p:tnLst>
-  </p:timing>
 </p:sld>
 </file>
 
@@ -19724,7 +19314,7 @@
           <a:lstStyle/>
           <a:p>
             <a:r>
-              <a:rPr lang="en-US" altLang="zh-CN" sz="4400" dirty="0" smtClean="0">
+              <a:rPr lang="en-US" altLang="zh-CN" sz="4400" dirty="0">
                 <a:solidFill>
                   <a:srgbClr val="19A1FD"/>
                 </a:solidFill>
@@ -19734,7 +19324,7 @@
               <a:t>Cache </a:t>
             </a:r>
             <a:r>
-              <a:rPr lang="en-US" altLang="zh-CN" sz="4400" dirty="0" err="1" smtClean="0">
+              <a:rPr lang="en-US" altLang="zh-CN" sz="4400" dirty="0" err="1">
                 <a:solidFill>
                   <a:srgbClr val="19A1FD"/>
                 </a:solidFill>
@@ -19776,7 +19366,7 @@
           <a:lstStyle/>
           <a:p>
             <a:r>
-              <a:rPr lang="en-US" altLang="zh-CN" dirty="0" smtClean="0">
+              <a:rPr lang="en-US" altLang="zh-CN" dirty="0">
                 <a:latin typeface="+mn-lt"/>
               </a:rPr>
               <a:t>64 cache lines</a:t>
@@ -19784,38 +19374,23 @@
           </a:p>
           <a:p>
             <a:r>
-              <a:rPr lang="en-US" altLang="zh-CN" dirty="0" smtClean="0">
-                <a:latin typeface="+mn-lt"/>
-              </a:rPr>
-              <a:t>2-way </a:t>
-            </a:r>
-            <a:r>
-              <a:rPr lang="en-US" altLang="zh-CN" dirty="0" smtClean="0">
-                <a:latin typeface="+mn-lt"/>
-              </a:rPr>
-              <a:t>set </a:t>
-            </a:r>
-            <a:r>
-              <a:rPr lang="en-US" altLang="zh-CN" dirty="0" smtClean="0">
-                <a:latin typeface="+mn-lt"/>
-              </a:rPr>
-              <a:t>associative</a:t>
-            </a:r>
-          </a:p>
-          <a:p>
-            <a:r>
-              <a:rPr lang="en-US" altLang="zh-CN" dirty="0" smtClean="0">
+              <a:rPr lang="en-US" altLang="zh-CN" dirty="0">
+                <a:latin typeface="+mn-lt"/>
+              </a:rPr>
+              <a:t>2-way set associative</a:t>
+            </a:r>
+          </a:p>
+          <a:p>
+            <a:r>
+              <a:rPr lang="en-US" altLang="zh-CN" dirty="0">
                 <a:latin typeface="+mn-lt"/>
               </a:rPr>
               <a:t>4 words per cache line</a:t>
             </a:r>
-            <a:endParaRPr lang="en-US" altLang="zh-CN" dirty="0" smtClean="0">
-              <a:latin typeface="+mn-lt"/>
-            </a:endParaRPr>
-          </a:p>
-          <a:p>
-            <a:r>
-              <a:rPr lang="en-US" altLang="zh-CN" dirty="0" smtClean="0">
+          </a:p>
+          <a:p>
+            <a:r>
+              <a:rPr lang="en-US" altLang="zh-CN" dirty="0">
                 <a:latin typeface="+mn-lt"/>
               </a:rPr>
               <a:t>Write Back</a:t>
@@ -19823,33 +19398,27 @@
           </a:p>
           <a:p>
             <a:r>
-              <a:rPr lang="en-US" altLang="zh-CN" dirty="0" smtClean="0">
-                <a:latin typeface="+mn-lt"/>
-              </a:rPr>
-              <a:t>Write </a:t>
-            </a:r>
-            <a:r>
-              <a:rPr lang="en-US" altLang="zh-CN" dirty="0" smtClean="0">
-                <a:latin typeface="+mn-lt"/>
-              </a:rPr>
-              <a:t>Allocate</a:t>
-            </a:r>
-          </a:p>
-          <a:p>
-            <a:r>
-              <a:rPr lang="en-US" altLang="zh-CN" dirty="0" smtClean="0">
+              <a:rPr lang="en-US" altLang="zh-CN" dirty="0">
+                <a:latin typeface="+mn-lt"/>
+              </a:rPr>
+              <a:t>Write Allocate</a:t>
+            </a:r>
+          </a:p>
+          <a:p>
+            <a:r>
+              <a:rPr lang="en-US" altLang="zh-CN" dirty="0">
                 <a:latin typeface="+mn-lt"/>
               </a:rPr>
               <a:t>LRU</a:t>
             </a:r>
             <a:r>
-              <a:rPr lang="zh-CN" altLang="en-US" dirty="0" smtClean="0">
+              <a:rPr lang="zh-CN" altLang="en-US" dirty="0">
                 <a:latin typeface="+mn-lt"/>
               </a:rPr>
               <a:t> </a:t>
             </a:r>
             <a:r>
-              <a:rPr lang="en-US" altLang="zh-CN" dirty="0" smtClean="0">
+              <a:rPr lang="en-US" altLang="zh-CN" dirty="0">
                 <a:latin typeface="+mn-lt"/>
               </a:rPr>
               <a:t>Replacement Policy</a:t>
@@ -19870,13 +19439,6 @@
   <p:clrMapOvr>
     <a:masterClrMapping/>
   </p:clrMapOvr>
-  <p:timing>
-    <p:tnLst>
-      <p:par>
-        <p:cTn id="1" dur="indefinite" restart="never" nodeType="tmRoot"/>
-      </p:par>
-    </p:tnLst>
-  </p:timing>
 </p:sld>
 </file>
 
@@ -19968,13 +19530,6 @@
   <p:clrMapOvr>
     <a:masterClrMapping/>
   </p:clrMapOvr>
-  <p:timing>
-    <p:tnLst>
-      <p:par>
-        <p:cTn id="1" dur="indefinite" restart="never" nodeType="tmRoot"/>
-      </p:par>
-    </p:tnLst>
-  </p:timing>
 </p:sld>
 </file>
 
@@ -20013,7 +19568,7 @@
           <a:lstStyle/>
           <a:p>
             <a:r>
-              <a:rPr lang="en-US" altLang="zh-CN" sz="4400" dirty="0" smtClean="0">
+              <a:rPr lang="en-US" altLang="zh-CN" sz="4400" dirty="0">
                 <a:solidFill>
                   <a:srgbClr val="19A1FD"/>
                 </a:solidFill>
@@ -20023,7 +19578,7 @@
               <a:t>Access</a:t>
             </a:r>
             <a:r>
-              <a:rPr lang="zh-CN" altLang="en-US" sz="4400" dirty="0" smtClean="0">
+              <a:rPr lang="zh-CN" altLang="en-US" sz="4400" dirty="0">
                 <a:solidFill>
                   <a:srgbClr val="19A1FD"/>
                 </a:solidFill>
@@ -20033,7 +19588,7 @@
               <a:t> </a:t>
             </a:r>
             <a:r>
-              <a:rPr lang="en-US" altLang="zh-CN" sz="4400" dirty="0" smtClean="0">
+              <a:rPr lang="en-US" altLang="zh-CN" sz="4400" dirty="0">
                 <a:solidFill>
                   <a:srgbClr val="19A1FD"/>
                 </a:solidFill>
@@ -20086,13 +19641,6 @@
   <p:clrMapOvr>
     <a:masterClrMapping/>
   </p:clrMapOvr>
-  <p:timing>
-    <p:tnLst>
-      <p:par>
-        <p:cTn id="1" dur="indefinite" restart="never" nodeType="tmRoot"/>
-      </p:par>
-    </p:tnLst>
-  </p:timing>
 </p:sld>
 </file>
 
@@ -20136,7 +19684,7 @@
           <a:lstStyle/>
           <a:p>
             <a:r>
-              <a:rPr lang="en-US" altLang="zh-CN" dirty="0" smtClean="0">
+              <a:rPr lang="en-US" altLang="zh-CN" dirty="0">
                 <a:solidFill>
                   <a:srgbClr val="19A1FD"/>
                 </a:solidFill>
@@ -20290,21 +19838,7 @@
                 <a:latin typeface="+mn-lt"/>
                 <a:cs typeface="Consolas" panose="020B0609020204030204" pitchFamily="49" charset="0"/>
               </a:rPr>
-              <a:t>   </a:t>
-            </a:r>
-            <a:r>
-              <a:rPr lang="en-US" altLang="zh-CN" sz="1800" b="0" dirty="0" smtClean="0">
-                <a:latin typeface="+mn-lt"/>
-                <a:cs typeface="Consolas" panose="020B0609020204030204" pitchFamily="49" charset="0"/>
-              </a:rPr>
-              <a:t>	input </a:t>
-            </a:r>
-            <a:r>
-              <a:rPr lang="en-US" altLang="zh-CN" sz="1800" b="0" dirty="0">
-                <a:latin typeface="+mn-lt"/>
-                <a:cs typeface="Consolas" panose="020B0609020204030204" pitchFamily="49" charset="0"/>
-              </a:rPr>
-              <a:t>wire load,    //  read refreshes recent bit</a:t>
+              <a:t>   	input wire load,    //  read refreshes recent bit</a:t>
             </a:r>
           </a:p>
           <a:p>
@@ -20364,21 +19898,7 @@
                 <a:latin typeface="+mn-lt"/>
                 <a:cs typeface="Consolas" panose="020B0609020204030204" pitchFamily="49" charset="0"/>
               </a:rPr>
-              <a:t>   </a:t>
-            </a:r>
-            <a:r>
-              <a:rPr lang="en-US" altLang="zh-CN" sz="1800" b="0" dirty="0" smtClean="0">
-                <a:latin typeface="+mn-lt"/>
-                <a:cs typeface="Consolas" panose="020B0609020204030204" pitchFamily="49" charset="0"/>
-              </a:rPr>
-              <a:t>	input </a:t>
-            </a:r>
-            <a:r>
-              <a:rPr lang="en-US" altLang="zh-CN" sz="1800" b="0" dirty="0">
-                <a:latin typeface="+mn-lt"/>
-                <a:cs typeface="Consolas" panose="020B0609020204030204" pitchFamily="49" charset="0"/>
-              </a:rPr>
-              <a:t>wire [2:0] </a:t>
+              <a:t>   	input wire [2:0] </a:t>
             </a:r>
             <a:r>
               <a:rPr lang="en-US" altLang="zh-CN" sz="1800" b="0" dirty="0" err="1">
@@ -20628,8 +20148,20 @@
             <a:tbl>
               <a:tblPr/>
               <a:tblGrid>
-                <a:gridCol w="793750"/>
-                <a:gridCol w="965200"/>
+                <a:gridCol w="793750">
+                  <a:extLst>
+                    <a:ext uri="{9D8B030D-6E8A-4147-A177-3AD203B41FA5}">
+                      <a16:colId xmlns:a16="http://schemas.microsoft.com/office/drawing/2014/main" val="20000"/>
+                    </a:ext>
+                  </a:extLst>
+                </a:gridCol>
+                <a:gridCol w="965200">
+                  <a:extLst>
+                    <a:ext uri="{9D8B030D-6E8A-4147-A177-3AD203B41FA5}">
+                      <a16:colId xmlns:a16="http://schemas.microsoft.com/office/drawing/2014/main" val="20001"/>
+                    </a:ext>
+                  </a:extLst>
+                </a:gridCol>
               </a:tblGrid>
               <a:tr h="209550">
                 <a:tc>
@@ -20744,6 +20276,11 @@
                     </a:lnB>
                   </a:tcPr>
                 </a:tc>
+                <a:extLst>
+                  <a:ext uri="{0D108BD9-81ED-4DB2-BD59-A6C34878D82A}">
+                    <a16:rowId xmlns:a16="http://schemas.microsoft.com/office/drawing/2014/main" val="10000"/>
+                  </a:ext>
+                </a:extLst>
               </a:tr>
               <a:tr h="209550">
                 <a:tc>
@@ -20858,6 +20395,11 @@
                     </a:lnB>
                   </a:tcPr>
                 </a:tc>
+                <a:extLst>
+                  <a:ext uri="{0D108BD9-81ED-4DB2-BD59-A6C34878D82A}">
+                    <a16:rowId xmlns:a16="http://schemas.microsoft.com/office/drawing/2014/main" val="10001"/>
+                  </a:ext>
+                </a:extLst>
               </a:tr>
               <a:tr h="209550">
                 <a:tc>
@@ -20972,6 +20514,11 @@
                     </a:lnB>
                   </a:tcPr>
                 </a:tc>
+                <a:extLst>
+                  <a:ext uri="{0D108BD9-81ED-4DB2-BD59-A6C34878D82A}">
+                    <a16:rowId xmlns:a16="http://schemas.microsoft.com/office/drawing/2014/main" val="10002"/>
+                  </a:ext>
+                </a:extLst>
               </a:tr>
               <a:tr h="209550">
                 <a:tc>
@@ -21092,6 +20639,11 @@
                     </a:lnB>
                   </a:tcPr>
                 </a:tc>
+                <a:extLst>
+                  <a:ext uri="{0D108BD9-81ED-4DB2-BD59-A6C34878D82A}">
+                    <a16:rowId xmlns:a16="http://schemas.microsoft.com/office/drawing/2014/main" val="10003"/>
+                  </a:ext>
+                </a:extLst>
               </a:tr>
               <a:tr h="209550">
                 <a:tc>
@@ -21206,6 +20758,11 @@
                     </a:lnB>
                   </a:tcPr>
                 </a:tc>
+                <a:extLst>
+                  <a:ext uri="{0D108BD9-81ED-4DB2-BD59-A6C34878D82A}">
+                    <a16:rowId xmlns:a16="http://schemas.microsoft.com/office/drawing/2014/main" val="10004"/>
+                  </a:ext>
+                </a:extLst>
               </a:tr>
             </a:tbl>
           </a:graphicData>
@@ -21221,13 +20778,6 @@
   <p:clrMapOvr>
     <a:masterClrMapping/>
   </p:clrMapOvr>
-  <p:timing>
-    <p:tnLst>
-      <p:par>
-        <p:cTn id="1" dur="indefinite" restart="never" nodeType="tmRoot"/>
-      </p:par>
-    </p:tnLst>
-  </p:timing>
 </p:sld>
 </file>
 
